--- a/pres3.pptx
+++ b/pres3.pptx
@@ -9,15 +9,15 @@
   </p:notesMasterIdLst>
   <p:sldIdLst>
     <p:sldId id="256" r:id="rId2"/>
-    <p:sldId id="257" r:id="rId3"/>
-    <p:sldId id="258" r:id="rId4"/>
-    <p:sldId id="259" r:id="rId5"/>
+    <p:sldId id="258" r:id="rId3"/>
+    <p:sldId id="259" r:id="rId4"/>
+    <p:sldId id="266" r:id="rId5"/>
     <p:sldId id="260" r:id="rId6"/>
-    <p:sldId id="261" r:id="rId7"/>
-    <p:sldId id="262" r:id="rId8"/>
-    <p:sldId id="263" r:id="rId9"/>
-    <p:sldId id="264" r:id="rId10"/>
-    <p:sldId id="265" r:id="rId11"/>
+    <p:sldId id="267" r:id="rId7"/>
+    <p:sldId id="268" r:id="rId8"/>
+    <p:sldId id="262" r:id="rId9"/>
+    <p:sldId id="263" r:id="rId10"/>
+    <p:sldId id="264" r:id="rId11"/>
   </p:sldIdLst>
   <p:sldSz cx="9144000" cy="6858000" type="screen4x3"/>
   <p:notesSz cx="6858000" cy="9144000"/>
@@ -116,6 +116,22 @@
       </a:defRPr>
     </a:lvl9pPr>
   </p:defaultTextStyle>
+  <p:extLst>
+    <p:ext uri="{EFAFB233-063F-42B5-8137-9DF3F51BA10A}">
+      <p15:sldGuideLst xmlns:p15="http://schemas.microsoft.com/office/powerpoint/2012/main">
+        <p15:guide id="1" orient="horz" pos="2160">
+          <p15:clr>
+            <a:srgbClr val="A4A3A4"/>
+          </p15:clr>
+        </p15:guide>
+        <p15:guide id="2" pos="2880">
+          <p15:clr>
+            <a:srgbClr val="A4A3A4"/>
+          </p15:clr>
+        </p15:guide>
+      </p15:sldGuideLst>
+    </p:ext>
+  </p:extLst>
 </p:presentation>
 </file>
 
@@ -201,7 +217,7 @@
           <a:p>
             <a:fld id="{61C5533E-7C2F-4B7D-93ED-44A6B2C21C15}" type="datetimeFigureOut">
               <a:rPr lang="en-US" smtClean="0"/>
-              <a:t>1/16/2019</a:t>
+              <a:t>1/17/19</a:t>
             </a:fld>
             <a:endParaRPr lang="en-US"/>
           </a:p>
@@ -466,87 +482,6 @@
 </p:notesMaster>
 </file>
 
-<file path=ppt/notesSlides/notesSlide1.xml><?xml version="1.0" encoding="utf-8"?>
-<p:notes xmlns:a="http://schemas.openxmlformats.org/drawingml/2006/main" xmlns:r="http://schemas.openxmlformats.org/officeDocument/2006/relationships" xmlns:p="http://schemas.openxmlformats.org/presentationml/2006/main">
-  <p:cSld>
-    <p:spTree>
-      <p:nvGrpSpPr>
-        <p:cNvPr id="1" name=""/>
-        <p:cNvGrpSpPr/>
-        <p:nvPr/>
-      </p:nvGrpSpPr>
-      <p:grpSpPr>
-        <a:xfrm>
-          <a:off x="0" y="0"/>
-          <a:ext cx="0" cy="0"/>
-          <a:chOff x="0" y="0"/>
-          <a:chExt cx="0" cy="0"/>
-        </a:xfrm>
-      </p:grpSpPr>
-      <p:sp>
-        <p:nvSpPr>
-          <p:cNvPr id="2" name="Образ слайда 1"/>
-          <p:cNvSpPr>
-            <a:spLocks noGrp="1" noRot="1" noChangeAspect="1"/>
-          </p:cNvSpPr>
-          <p:nvPr>
-            <p:ph type="sldImg"/>
-          </p:nvPr>
-        </p:nvSpPr>
-        <p:spPr/>
-      </p:sp>
-      <p:sp>
-        <p:nvSpPr>
-          <p:cNvPr id="3" name="Заметки 2"/>
-          <p:cNvSpPr>
-            <a:spLocks noGrp="1"/>
-          </p:cNvSpPr>
-          <p:nvPr>
-            <p:ph type="body" idx="1"/>
-          </p:nvPr>
-        </p:nvSpPr>
-        <p:spPr/>
-        <p:txBody>
-          <a:bodyPr>
-            <a:normAutofit/>
-          </a:bodyPr>
-          <a:lstStyle/>
-          <a:p>
-            <a:endParaRPr lang="en-US" dirty="0"/>
-          </a:p>
-        </p:txBody>
-      </p:sp>
-      <p:sp>
-        <p:nvSpPr>
-          <p:cNvPr id="4" name="Номер слайда 3"/>
-          <p:cNvSpPr>
-            <a:spLocks noGrp="1"/>
-          </p:cNvSpPr>
-          <p:nvPr>
-            <p:ph type="sldNum" sz="quarter" idx="10"/>
-          </p:nvPr>
-        </p:nvSpPr>
-        <p:spPr/>
-        <p:txBody>
-          <a:bodyPr/>
-          <a:lstStyle/>
-          <a:p>
-            <a:fld id="{C1426A62-88E6-4AAA-A816-88A488E5DC53}" type="slidenum">
-              <a:rPr lang="en-US" smtClean="0"/>
-              <a:t>2</a:t>
-            </a:fld>
-            <a:endParaRPr lang="en-US"/>
-          </a:p>
-        </p:txBody>
-      </p:sp>
-    </p:spTree>
-  </p:cSld>
-  <p:clrMapOvr>
-    <a:masterClrMapping/>
-  </p:clrMapOvr>
-</p:notes>
-</file>
-
 <file path=ppt/slideLayouts/slideLayout1.xml><?xml version="1.0" encoding="utf-8"?>
 <p:sldLayout xmlns:a="http://schemas.openxmlformats.org/drawingml/2006/main" xmlns:r="http://schemas.openxmlformats.org/officeDocument/2006/relationships" xmlns:p="http://schemas.openxmlformats.org/presentationml/2006/main" showMasterSp="0" type="title" preserve="1">
   <p:cSld name="Титульный слайд">
@@ -685,7 +620,7 @@
             <a:fld id="{5B106E36-FD25-4E2D-B0AA-010F637433A0}" type="datetimeFigureOut">
               <a:rPr lang="ru-RU" smtClean="0"/>
               <a:pPr/>
-              <a:t>16.01.2019</a:t>
+              <a:t>17.01.2019</a:t>
             </a:fld>
             <a:endParaRPr lang="ru-RU"/>
           </a:p>
@@ -1556,7 +1491,7 @@
             <a:fld id="{5B106E36-FD25-4E2D-B0AA-010F637433A0}" type="datetimeFigureOut">
               <a:rPr lang="ru-RU" smtClean="0"/>
               <a:pPr/>
-              <a:t>16.01.2019</a:t>
+              <a:t>17.01.2019</a:t>
             </a:fld>
             <a:endParaRPr lang="ru-RU"/>
           </a:p>
@@ -1733,7 +1668,7 @@
             <a:fld id="{5B106E36-FD25-4E2D-B0AA-010F637433A0}" type="datetimeFigureOut">
               <a:rPr lang="ru-RU" smtClean="0"/>
               <a:pPr/>
-              <a:t>16.01.2019</a:t>
+              <a:t>17.01.2019</a:t>
             </a:fld>
             <a:endParaRPr lang="ru-RU"/>
           </a:p>
@@ -1905,7 +1840,7 @@
             <a:fld id="{5B106E36-FD25-4E2D-B0AA-010F637433A0}" type="datetimeFigureOut">
               <a:rPr lang="ru-RU" smtClean="0"/>
               <a:pPr/>
-              <a:t>16.01.2019</a:t>
+              <a:t>17.01.2019</a:t>
             </a:fld>
             <a:endParaRPr lang="ru-RU"/>
           </a:p>
@@ -2117,7 +2052,7 @@
             <a:fld id="{5B106E36-FD25-4E2D-B0AA-010F637433A0}" type="datetimeFigureOut">
               <a:rPr lang="ru-RU" smtClean="0"/>
               <a:pPr/>
-              <a:t>16.01.2019</a:t>
+              <a:t>17.01.2019</a:t>
             </a:fld>
             <a:endParaRPr lang="ru-RU"/>
           </a:p>
@@ -2933,7 +2868,7 @@
             <a:fld id="{5B106E36-FD25-4E2D-B0AA-010F637433A0}" type="datetimeFigureOut">
               <a:rPr lang="ru-RU" smtClean="0"/>
               <a:pPr/>
-              <a:t>16.01.2019</a:t>
+              <a:t>17.01.2019</a:t>
             </a:fld>
             <a:endParaRPr lang="ru-RU"/>
           </a:p>
@@ -3171,7 +3106,7 @@
             <a:fld id="{5B106E36-FD25-4E2D-B0AA-010F637433A0}" type="datetimeFigureOut">
               <a:rPr lang="ru-RU" smtClean="0"/>
               <a:pPr/>
-              <a:t>16.01.2019</a:t>
+              <a:t>17.01.2019</a:t>
             </a:fld>
             <a:endParaRPr lang="ru-RU"/>
           </a:p>
@@ -3496,7 +3431,7 @@
             <a:fld id="{5B106E36-FD25-4E2D-B0AA-010F637433A0}" type="datetimeFigureOut">
               <a:rPr lang="ru-RU" smtClean="0"/>
               <a:pPr/>
-              <a:t>16.01.2019</a:t>
+              <a:t>17.01.2019</a:t>
             </a:fld>
             <a:endParaRPr lang="ru-RU"/>
           </a:p>
@@ -3588,7 +3523,7 @@
             <a:fld id="{5B106E36-FD25-4E2D-B0AA-010F637433A0}" type="datetimeFigureOut">
               <a:rPr lang="ru-RU" smtClean="0"/>
               <a:pPr/>
-              <a:t>16.01.2019</a:t>
+              <a:t>17.01.2019</a:t>
             </a:fld>
             <a:endParaRPr lang="ru-RU"/>
           </a:p>
@@ -4107,7 +4042,7 @@
             <a:fld id="{5B106E36-FD25-4E2D-B0AA-010F637433A0}" type="datetimeFigureOut">
               <a:rPr lang="ru-RU" smtClean="0"/>
               <a:pPr/>
-              <a:t>16.01.2019</a:t>
+              <a:t>17.01.2019</a:t>
             </a:fld>
             <a:endParaRPr lang="ru-RU"/>
           </a:p>
@@ -4620,7 +4555,7 @@
             <a:fld id="{5B106E36-FD25-4E2D-B0AA-010F637433A0}" type="datetimeFigureOut">
               <a:rPr lang="ru-RU" smtClean="0"/>
               <a:pPr/>
-              <a:t>16.01.2019</a:t>
+              <a:t>17.01.2019</a:t>
             </a:fld>
             <a:endParaRPr lang="ru-RU"/>
           </a:p>
@@ -4867,7 +4802,7 @@
             <a:fld id="{5B106E36-FD25-4E2D-B0AA-010F637433A0}" type="datetimeFigureOut">
               <a:rPr lang="ru-RU" smtClean="0"/>
               <a:pPr/>
-              <a:t>16.01.2019</a:t>
+              <a:t>17.01.2019</a:t>
             </a:fld>
             <a:endParaRPr lang="ru-RU"/>
           </a:p>
@@ -5701,19 +5636,7 @@
                 </a:solidFill>
                 <a:latin typeface="Bookman Old Style" pitchFamily="18" charset="0"/>
               </a:rPr>
-              <a:t>Block </a:t>
-            </a:r>
-            <a:r>
-              <a:rPr lang="en-US" sz="2000" i="1" dirty="0" smtClean="0">
-                <a:solidFill>
-                  <a:schemeClr val="tx1">
-                    <a:lumMod val="65000"/>
-                    <a:lumOff val="35000"/>
-                  </a:schemeClr>
-                </a:solidFill>
-                <a:latin typeface="Bookman Old Style" pitchFamily="18" charset="0"/>
-              </a:rPr>
-              <a:t>1.3</a:t>
+              <a:t>Block 1.3</a:t>
             </a:r>
             <a:endParaRPr lang="en-US" sz="2000" dirty="0"/>
           </a:p>
@@ -5756,7 +5679,7 @@
         </p:nvSpPr>
         <p:spPr>
           <a:xfrm>
-            <a:off x="642910" y="285728"/>
+            <a:off x="571472" y="285728"/>
             <a:ext cx="7281890" cy="989034"/>
           </a:xfrm>
         </p:spPr>
@@ -5764,12 +5687,12 @@
           <a:bodyPr/>
           <a:lstStyle/>
           <a:p>
-            <a:pPr algn="just"/>
+            <a:pPr algn="ctr"/>
             <a:r>
               <a:rPr lang="en-US" dirty="0" smtClean="0">
                 <a:latin typeface="Bookman Old Style" pitchFamily="18" charset="0"/>
               </a:rPr>
-              <a:t>References</a:t>
+              <a:t>CONCLUSION</a:t>
             </a:r>
             <a:endParaRPr lang="en-US" dirty="0">
               <a:latin typeface="Bookman Old Style" pitchFamily="18" charset="0"/>
@@ -5787,7 +5710,12 @@
             <p:ph sz="quarter" idx="1"/>
           </p:nvPr>
         </p:nvSpPr>
-        <p:spPr/>
+        <p:spPr>
+          <a:xfrm>
+            <a:off x="457200" y="1600200"/>
+            <a:ext cx="7901014" cy="4873752"/>
+          </a:xfrm>
+        </p:spPr>
         <p:txBody>
           <a:bodyPr>
             <a:normAutofit/>
@@ -5795,8 +5723,8 @@
           <a:lstStyle/>
           <a:p>
             <a:pPr algn="just">
-              <a:buFont typeface="Wingdings" pitchFamily="2" charset="2"/>
-              <a:buChar char="v"/>
+              <a:buFont typeface="Courier New" pitchFamily="49" charset="0"/>
+              <a:buChar char="o"/>
             </a:pPr>
             <a:endParaRPr lang="en-US" sz="2800" dirty="0" smtClean="0">
               <a:latin typeface="Bookman Old Style" pitchFamily="18" charset="0"/>
@@ -5805,15 +5733,27 @@
           <a:p>
             <a:pPr algn="just">
               <a:buFont typeface="Wingdings" pitchFamily="2" charset="2"/>
-              <a:buChar char="v"/>
+              <a:buChar char="q"/>
             </a:pPr>
             <a:r>
               <a:rPr lang="en-US" sz="2800" dirty="0" smtClean="0">
                 <a:latin typeface="Bookman Old Style" pitchFamily="18" charset="0"/>
               </a:rPr>
-              <a:t>List of references used in the study – the sources we worked with.</a:t>
-            </a:r>
-            <a:endParaRPr lang="en-US" sz="2800" dirty="0">
+              <a:t>Chapter 5 provides the </a:t>
+            </a:r>
+            <a:r>
+              <a:rPr lang="en-US" sz="2800" i="1" u="sng" dirty="0" smtClean="0">
+                <a:latin typeface="Bookman Old Style" pitchFamily="18" charset="0"/>
+              </a:rPr>
+              <a:t>Conclusions</a:t>
+            </a:r>
+            <a:r>
+              <a:rPr lang="en-US" sz="2800" dirty="0" smtClean="0">
+                <a:latin typeface="Bookman Old Style" pitchFamily="18" charset="0"/>
+              </a:rPr>
+              <a:t> and a summary of our study.</a:t>
+            </a:r>
+            <a:endParaRPr lang="en-US" sz="2800" u="sng" dirty="0">
               <a:latin typeface="Bookman Old Style" pitchFamily="18" charset="0"/>
             </a:endParaRPr>
           </a:p>
@@ -5856,8 +5796,8 @@
         </p:nvSpPr>
         <p:spPr>
           <a:xfrm>
-            <a:off x="714348" y="285728"/>
-            <a:ext cx="7467600" cy="1143000"/>
+            <a:off x="611560" y="332656"/>
+            <a:ext cx="7253286" cy="1000132"/>
           </a:xfrm>
         </p:spPr>
         <p:txBody>
@@ -5866,28 +5806,13 @@
           </a:bodyPr>
           <a:lstStyle/>
           <a:p>
-            <a:pPr algn="ctr"/>
-            <a:r>
-              <a:rPr lang="en-US" sz="4800" dirty="0" smtClean="0">
-                <a:effectLst>
-                  <a:outerShdw blurRad="38100" dist="38100" dir="2700000" algn="tl">
-                    <a:srgbClr val="000000">
-                      <a:alpha val="43137"/>
-                    </a:srgbClr>
-                  </a:outerShdw>
-                </a:effectLst>
+            <a:r>
+              <a:rPr lang="en-US" sz="3200" dirty="0" smtClean="0">
                 <a:latin typeface="Bookman Old Style" pitchFamily="18" charset="0"/>
               </a:rPr>
-              <a:t>Overview</a:t>
-            </a:r>
-            <a:endParaRPr lang="en-US" sz="4800" dirty="0">
-              <a:effectLst>
-                <a:outerShdw blurRad="38100" dist="38100" dir="2700000" algn="tl">
-                  <a:srgbClr val="000000">
-                    <a:alpha val="43137"/>
-                  </a:srgbClr>
-                </a:outerShdw>
-              </a:effectLst>
+              <a:t>Summary</a:t>
+            </a:r>
+            <a:endParaRPr lang="en-US" sz="3200" dirty="0">
               <a:latin typeface="Bookman Old Style" pitchFamily="18" charset="0"/>
             </a:endParaRPr>
           </a:p>
@@ -5903,67 +5828,39 @@
             <p:ph sz="quarter" idx="1"/>
           </p:nvPr>
         </p:nvSpPr>
-        <p:spPr/>
-        <p:txBody>
-          <a:bodyPr/>
-          <a:lstStyle/>
-          <a:p>
-            <a:pPr algn="just">
-              <a:buFont typeface="Wingdings" pitchFamily="2" charset="2"/>
-              <a:buChar char="q"/>
-            </a:pPr>
-            <a:r>
-              <a:rPr lang="en-US" dirty="0" smtClean="0">
-                <a:latin typeface="Bookman Old Style" pitchFamily="18" charset="0"/>
-              </a:rPr>
-              <a:t>The title of the report is</a:t>
-            </a:r>
-            <a:r>
-              <a:rPr lang="ru-RU" dirty="0" smtClean="0">
-                <a:latin typeface="Bookman Old Style" pitchFamily="18" charset="0"/>
-              </a:rPr>
-              <a:t> «</a:t>
-            </a:r>
-            <a:r>
-              <a:rPr lang="en-US" i="1" dirty="0" smtClean="0">
-                <a:latin typeface="Bookman Old Style" pitchFamily="18" charset="0"/>
-              </a:rPr>
-              <a:t>Lower bound, upper bound and chromatic number computation based on graph properties </a:t>
-            </a:r>
-            <a:r>
-              <a:rPr lang="ru-RU" dirty="0" smtClean="0">
-                <a:latin typeface="Bookman Old Style" pitchFamily="18" charset="0"/>
-              </a:rPr>
-              <a:t>»</a:t>
-            </a:r>
-            <a:r>
-              <a:rPr lang="en-US" dirty="0" smtClean="0">
-                <a:latin typeface="Bookman Old Style" pitchFamily="18" charset="0"/>
-              </a:rPr>
-              <a:t> . </a:t>
-            </a:r>
-          </a:p>
-          <a:p>
-            <a:pPr algn="just">
-              <a:buFont typeface="Wingdings" pitchFamily="2" charset="2"/>
-              <a:buChar char="q"/>
-            </a:pPr>
-            <a:endParaRPr lang="en-US" dirty="0" smtClean="0">
-              <a:latin typeface="Bookman Old Style" pitchFamily="18" charset="0"/>
-            </a:endParaRPr>
-          </a:p>
-          <a:p>
-            <a:pPr algn="just">
-              <a:buFont typeface="Wingdings" pitchFamily="2" charset="2"/>
-              <a:buChar char="q"/>
-            </a:pPr>
-            <a:r>
-              <a:rPr lang="en-US" dirty="0" smtClean="0">
-                <a:latin typeface="Bookman Old Style" pitchFamily="18" charset="0"/>
-              </a:rPr>
-              <a:t>It has a Summary, 5 chapters and Reference. </a:t>
-            </a:r>
-            <a:endParaRPr lang="en-US" dirty="0">
+        <p:spPr>
+          <a:xfrm>
+            <a:off x="395536" y="1484784"/>
+            <a:ext cx="7829576" cy="4873752"/>
+          </a:xfrm>
+        </p:spPr>
+        <p:txBody>
+          <a:bodyPr>
+            <a:normAutofit/>
+          </a:bodyPr>
+          <a:lstStyle/>
+          <a:p>
+            <a:endParaRPr lang="en-US" sz="2800" dirty="0"/>
+          </a:p>
+          <a:p>
+            <a:r>
+              <a:rPr lang="en-US" sz="2800" dirty="0" smtClean="0"/>
+              <a:t>Multiple algorithms focused on both upper and lower bounds. This was the base of our research.</a:t>
+            </a:r>
+          </a:p>
+          <a:p>
+            <a:endParaRPr lang="en-US" sz="2800" dirty="0"/>
+          </a:p>
+          <a:p>
+            <a:r>
+              <a:rPr lang="en-US" sz="2800" dirty="0"/>
+              <a:t>F</a:t>
+            </a:r>
+            <a:r>
+              <a:rPr lang="en-US" sz="2800" dirty="0" smtClean="0"/>
+              <a:t>ocus on special graphs, using tailored heuristic and exact algorithms.</a:t>
+            </a:r>
+            <a:endParaRPr lang="en-US" sz="2800" dirty="0">
               <a:latin typeface="Bookman Old Style" pitchFamily="18" charset="0"/>
             </a:endParaRPr>
           </a:p>
@@ -6006,8 +5903,8 @@
         </p:nvSpPr>
         <p:spPr>
           <a:xfrm>
-            <a:off x="642910" y="285728"/>
-            <a:ext cx="7253286" cy="1000132"/>
+            <a:off x="500034" y="428604"/>
+            <a:ext cx="7467600" cy="846158"/>
           </a:xfrm>
         </p:spPr>
         <p:txBody>
@@ -6016,11 +5913,12 @@
           </a:bodyPr>
           <a:lstStyle/>
           <a:p>
+            <a:pPr algn="ctr"/>
             <a:r>
               <a:rPr lang="en-US" sz="3200" dirty="0" smtClean="0">
                 <a:latin typeface="Bookman Old Style" pitchFamily="18" charset="0"/>
               </a:rPr>
-              <a:t>Summary</a:t>
+              <a:t>BACKGROUND</a:t>
             </a:r>
             <a:endParaRPr lang="en-US" sz="3200" dirty="0">
               <a:latin typeface="Bookman Old Style" pitchFamily="18" charset="0"/>
@@ -6041,7 +5939,7 @@
         <p:spPr>
           <a:xfrm>
             <a:off x="457200" y="1600200"/>
-            <a:ext cx="7829576" cy="4873752"/>
+            <a:ext cx="7686700" cy="4873752"/>
           </a:xfrm>
         </p:spPr>
         <p:txBody>
@@ -6050,26 +5948,77 @@
           </a:bodyPr>
           <a:lstStyle/>
           <a:p>
-            <a:pPr algn="just"/>
-            <a:endParaRPr lang="en-US" sz="2800" dirty="0" smtClean="0">
+            <a:pPr algn="just">
+              <a:buFont typeface="Wingdings" pitchFamily="2" charset="2"/>
+              <a:buChar char="Ø"/>
+            </a:pPr>
+            <a:endParaRPr lang="en-US" dirty="0" smtClean="0">
               <a:latin typeface="Bookman Old Style" pitchFamily="18" charset="0"/>
             </a:endParaRPr>
           </a:p>
           <a:p>
-            <a:pPr algn="just"/>
-            <a:r>
-              <a:rPr lang="en-US" sz="2800" dirty="0" smtClean="0">
+            <a:pPr algn="just">
+              <a:buFont typeface="Wingdings" pitchFamily="2" charset="2"/>
+              <a:buChar char="Ø"/>
+            </a:pPr>
+            <a:r>
+              <a:rPr lang="en-US" dirty="0" smtClean="0">
                 <a:latin typeface="Bookman Old Style" pitchFamily="18" charset="0"/>
               </a:rPr>
-              <a:t>T</a:t>
-            </a:r>
-            <a:r>
-              <a:rPr lang="en-US" sz="2800" dirty="0" smtClean="0">
+              <a:t>- Bipartite graph</a:t>
+            </a:r>
+          </a:p>
+          <a:p>
+            <a:pPr algn="just">
+              <a:buFont typeface="Wingdings" pitchFamily="2" charset="2"/>
+              <a:buChar char="Ø"/>
+            </a:pPr>
+            <a:r>
+              <a:rPr lang="en-US" dirty="0" smtClean="0">
                 <a:latin typeface="Bookman Old Style" pitchFamily="18" charset="0"/>
               </a:rPr>
-              <a:t>he summary briefly mentions the aim of the report, the methods used for research and the main findings.</a:t>
-            </a:r>
-            <a:endParaRPr lang="en-US" sz="2800" dirty="0">
+              <a:t>- Chordal graph</a:t>
+            </a:r>
+          </a:p>
+          <a:p>
+            <a:pPr algn="just">
+              <a:buFont typeface="Wingdings" pitchFamily="2" charset="2"/>
+              <a:buChar char="Ø"/>
+            </a:pPr>
+            <a:r>
+              <a:rPr lang="en-US" dirty="0" smtClean="0">
+                <a:latin typeface="Bookman Old Style" pitchFamily="18" charset="0"/>
+              </a:rPr>
+              <a:t>- Connected and </a:t>
+            </a:r>
+            <a:r>
+              <a:rPr lang="en-US" dirty="0" err="1" smtClean="0">
+                <a:latin typeface="Bookman Old Style" pitchFamily="18" charset="0"/>
+              </a:rPr>
+              <a:t>biconnected</a:t>
+            </a:r>
+            <a:r>
+              <a:rPr lang="en-US" dirty="0" smtClean="0">
+                <a:latin typeface="Bookman Old Style" pitchFamily="18" charset="0"/>
+              </a:rPr>
+              <a:t> components</a:t>
+            </a:r>
+            <a:endParaRPr lang="en-US" dirty="0" smtClean="0">
+              <a:latin typeface="Bookman Old Style" pitchFamily="18" charset="0"/>
+            </a:endParaRPr>
+          </a:p>
+          <a:p>
+            <a:pPr algn="just">
+              <a:buFont typeface="Wingdings" pitchFamily="2" charset="2"/>
+              <a:buChar char="Ø"/>
+            </a:pPr>
+            <a:r>
+              <a:rPr lang="en-US" dirty="0" smtClean="0">
+                <a:latin typeface="Bookman Old Style" pitchFamily="18" charset="0"/>
+              </a:rPr>
+              <a:t> </a:t>
+            </a:r>
+            <a:endParaRPr lang="en-US" dirty="0" smtClean="0">
               <a:latin typeface="Bookman Old Style" pitchFamily="18" charset="0"/>
             </a:endParaRPr>
           </a:p>
@@ -6102,7 +6051,7 @@
       </p:grpSpPr>
       <p:sp>
         <p:nvSpPr>
-          <p:cNvPr id="2" name="Заголовок 1"/>
+          <p:cNvPr id="2" name="Title 1"/>
           <p:cNvSpPr>
             <a:spLocks noGrp="1"/>
           </p:cNvSpPr>
@@ -6110,10 +6059,34 @@
             <p:ph type="title"/>
           </p:nvPr>
         </p:nvSpPr>
+        <p:spPr/>
+        <p:txBody>
+          <a:bodyPr/>
+          <a:lstStyle/>
+          <a:p>
+            <a:pPr algn="ctr"/>
+            <a:r>
+              <a:rPr lang="en-US" dirty="0" smtClean="0"/>
+              <a:t>OBJECTIVES</a:t>
+            </a:r>
+            <a:endParaRPr lang="en-US" dirty="0"/>
+          </a:p>
+        </p:txBody>
+      </p:sp>
+      <p:sp>
+        <p:nvSpPr>
+          <p:cNvPr id="3" name="Content Placeholder 2"/>
+          <p:cNvSpPr>
+            <a:spLocks noGrp="1"/>
+          </p:cNvSpPr>
+          <p:nvPr>
+            <p:ph sz="quarter" idx="1"/>
+          </p:nvPr>
+        </p:nvSpPr>
         <p:spPr>
           <a:xfrm>
-            <a:off x="500034" y="428604"/>
-            <a:ext cx="7467600" cy="846158"/>
+            <a:off x="611560" y="1495310"/>
+            <a:ext cx="7467600" cy="4873752"/>
           </a:xfrm>
         </p:spPr>
         <p:txBody>
@@ -6123,164 +6096,533 @@
           <a:lstStyle/>
           <a:p>
             <a:r>
-              <a:rPr lang="en-US" sz="3200" dirty="0" smtClean="0">
-                <a:latin typeface="Bookman Old Style" pitchFamily="18" charset="0"/>
-              </a:rPr>
-              <a:t>Chapter 1</a:t>
-            </a:r>
-            <a:endParaRPr lang="en-US" sz="3200" dirty="0">
-              <a:latin typeface="Bookman Old Style" pitchFamily="18" charset="0"/>
-            </a:endParaRPr>
-          </a:p>
-        </p:txBody>
-      </p:sp>
-      <p:sp>
-        <p:nvSpPr>
-          <p:cNvPr id="3" name="Содержимое 2"/>
-          <p:cNvSpPr>
-            <a:spLocks noGrp="1"/>
-          </p:cNvSpPr>
-          <p:nvPr>
-            <p:ph sz="quarter" idx="1"/>
-          </p:nvPr>
+              <a:rPr lang="en-US" dirty="0" smtClean="0"/>
+              <a:t>Special graphs = efficient chromatic number computation?</a:t>
+            </a:r>
+          </a:p>
+          <a:p>
+            <a:endParaRPr lang="en-US" dirty="0"/>
+          </a:p>
+          <a:p>
+            <a:endParaRPr lang="en-US" dirty="0" smtClean="0"/>
+          </a:p>
+          <a:p>
+            <a:endParaRPr lang="en-US" dirty="0"/>
+          </a:p>
+          <a:p>
+            <a:endParaRPr lang="en-US" dirty="0" smtClean="0"/>
+          </a:p>
+          <a:p>
+            <a:endParaRPr lang="en-US" dirty="0"/>
+          </a:p>
+        </p:txBody>
+      </p:sp>
+      <p:sp>
+        <p:nvSpPr>
+          <p:cNvPr id="5" name="Title 1"/>
+          <p:cNvSpPr txBox="1">
+            <a:spLocks/>
+          </p:cNvSpPr>
+          <p:nvPr/>
         </p:nvSpPr>
         <p:spPr>
           <a:xfrm>
-            <a:off x="457200" y="1600200"/>
-            <a:ext cx="7686700" cy="4873752"/>
-          </a:xfrm>
-        </p:spPr>
-        <p:txBody>
-          <a:bodyPr/>
-          <a:lstStyle/>
-          <a:p>
-            <a:pPr algn="just">
+            <a:off x="611560" y="1927104"/>
+            <a:ext cx="7467600" cy="1143000"/>
+          </a:xfrm>
+          <a:prstGeom prst="rect">
+            <a:avLst/>
+          </a:prstGeom>
+        </p:spPr>
+        <p:txBody>
+          <a:bodyPr vert="horz" anchor="b">
+            <a:normAutofit/>
+          </a:bodyPr>
+          <a:lstStyle>
+            <a:lvl1pPr algn="l" rtl="0" eaLnBrk="1" latinLnBrk="0" hangingPunct="1">
+              <a:spcBef>
+                <a:spcPct val="0"/>
+              </a:spcBef>
               <a:buNone/>
+              <a:defRPr kumimoji="0" sz="3000" b="0" kern="1200" cap="small" baseline="0">
+                <a:solidFill>
+                  <a:schemeClr val="tx2"/>
+                </a:solidFill>
+                <a:latin typeface="+mj-lt"/>
+                <a:ea typeface="+mj-ea"/>
+                <a:cs typeface="+mj-cs"/>
+              </a:defRPr>
+            </a:lvl1pPr>
+          </a:lstStyle>
+          <a:p>
+            <a:pPr algn="ctr"/>
+            <a:r>
+              <a:rPr lang="en-US" dirty="0" smtClean="0"/>
+              <a:t>RESULTS</a:t>
+            </a:r>
+            <a:endParaRPr lang="en-US" dirty="0"/>
+          </a:p>
+        </p:txBody>
+      </p:sp>
+      <p:sp>
+        <p:nvSpPr>
+          <p:cNvPr id="6" name="Content Placeholder 2"/>
+          <p:cNvSpPr txBox="1">
+            <a:spLocks/>
+          </p:cNvSpPr>
+          <p:nvPr/>
+        </p:nvSpPr>
+        <p:spPr>
+          <a:xfrm>
+            <a:off x="611560" y="3932186"/>
+            <a:ext cx="7467600" cy="3464551"/>
+          </a:xfrm>
+          <a:prstGeom prst="rect">
+            <a:avLst/>
+          </a:prstGeom>
+        </p:spPr>
+        <p:txBody>
+          <a:bodyPr vert="horz">
+            <a:normAutofit/>
+          </a:bodyPr>
+          <a:lstStyle>
+            <a:lvl1pPr marL="274320" indent="-274320" algn="l" rtl="0" eaLnBrk="1" latinLnBrk="0" hangingPunct="1">
+              <a:spcBef>
+                <a:spcPts val="600"/>
+              </a:spcBef>
+              <a:buClr>
+                <a:schemeClr val="accent1"/>
+              </a:buClr>
+              <a:buSzPct val="70000"/>
+              <a:buFont typeface="Wingdings"/>
+              <a:buChar char=""/>
+              <a:defRPr kumimoji="0" sz="2400" kern="1200">
+                <a:solidFill>
+                  <a:schemeClr val="tx1"/>
+                </a:solidFill>
+                <a:latin typeface="+mn-lt"/>
+                <a:ea typeface="+mn-ea"/>
+                <a:cs typeface="+mn-cs"/>
+              </a:defRPr>
+            </a:lvl1pPr>
+            <a:lvl2pPr marL="640080" indent="-274320" algn="l" rtl="0" eaLnBrk="1" latinLnBrk="0" hangingPunct="1">
+              <a:spcBef>
+                <a:spcPct val="20000"/>
+              </a:spcBef>
+              <a:buClr>
+                <a:schemeClr val="accent1"/>
+              </a:buClr>
+              <a:buSzPct val="80000"/>
+              <a:buFont typeface="Wingdings 2"/>
+              <a:buChar char=""/>
+              <a:defRPr kumimoji="0" sz="2100" kern="1200">
+                <a:solidFill>
+                  <a:schemeClr val="tx1"/>
+                </a:solidFill>
+                <a:latin typeface="+mn-lt"/>
+                <a:ea typeface="+mn-ea"/>
+                <a:cs typeface="+mn-cs"/>
+              </a:defRPr>
+            </a:lvl2pPr>
+            <a:lvl3pPr marL="914400" indent="-182880" algn="l" rtl="0" eaLnBrk="1" latinLnBrk="0" hangingPunct="1">
+              <a:spcBef>
+                <a:spcPct val="20000"/>
+              </a:spcBef>
+              <a:buClr>
+                <a:schemeClr val="accent1">
+                  <a:shade val="75000"/>
+                </a:schemeClr>
+              </a:buClr>
+              <a:buSzPct val="60000"/>
+              <a:buFont typeface="Wingdings"/>
+              <a:buChar char=""/>
+              <a:defRPr kumimoji="0" sz="1800" kern="1200">
+                <a:solidFill>
+                  <a:schemeClr val="tx1"/>
+                </a:solidFill>
+                <a:latin typeface="+mn-lt"/>
+                <a:ea typeface="+mn-ea"/>
+                <a:cs typeface="+mn-cs"/>
+              </a:defRPr>
+            </a:lvl3pPr>
+            <a:lvl4pPr marL="1188720" indent="-182880" algn="l" rtl="0" eaLnBrk="1" latinLnBrk="0" hangingPunct="1">
+              <a:spcBef>
+                <a:spcPct val="20000"/>
+              </a:spcBef>
+              <a:buClr>
+                <a:schemeClr val="accent1">
+                  <a:tint val="60000"/>
+                </a:schemeClr>
+              </a:buClr>
+              <a:buSzPct val="60000"/>
+              <a:buFont typeface="Wingdings"/>
+              <a:buChar char=""/>
+              <a:defRPr kumimoji="0" sz="1800" kern="1200">
+                <a:solidFill>
+                  <a:schemeClr val="tx1"/>
+                </a:solidFill>
+                <a:latin typeface="+mn-lt"/>
+                <a:ea typeface="+mn-ea"/>
+                <a:cs typeface="+mn-cs"/>
+              </a:defRPr>
+            </a:lvl4pPr>
+            <a:lvl5pPr marL="1463040" indent="-182880" algn="l" rtl="0" eaLnBrk="1" latinLnBrk="0" hangingPunct="1">
+              <a:spcBef>
+                <a:spcPct val="20000"/>
+              </a:spcBef>
+              <a:buClr>
+                <a:schemeClr val="accent2">
+                  <a:tint val="60000"/>
+                </a:schemeClr>
+              </a:buClr>
+              <a:buSzPct val="68000"/>
+              <a:buFont typeface="Wingdings 2"/>
+              <a:buChar char=""/>
+              <a:defRPr kumimoji="0" sz="1600" kern="1200">
+                <a:solidFill>
+                  <a:schemeClr val="tx1"/>
+                </a:solidFill>
+                <a:latin typeface="+mn-lt"/>
+                <a:ea typeface="+mn-ea"/>
+                <a:cs typeface="+mn-cs"/>
+              </a:defRPr>
+            </a:lvl5pPr>
+            <a:lvl6pPr marL="1737360" indent="-182880" algn="l" rtl="0" eaLnBrk="1" latinLnBrk="0" hangingPunct="1">
+              <a:spcBef>
+                <a:spcPct val="20000"/>
+              </a:spcBef>
+              <a:buClr>
+                <a:schemeClr val="accent1"/>
+              </a:buClr>
+              <a:buChar char="•"/>
+              <a:defRPr kumimoji="0" sz="1600" kern="1200">
+                <a:solidFill>
+                  <a:schemeClr val="tx2"/>
+                </a:solidFill>
+                <a:latin typeface="+mn-lt"/>
+                <a:ea typeface="+mn-ea"/>
+                <a:cs typeface="+mn-cs"/>
+              </a:defRPr>
+            </a:lvl6pPr>
+            <a:lvl7pPr marL="2011680" indent="-182880" algn="l" rtl="0" eaLnBrk="1" latinLnBrk="0" hangingPunct="1">
+              <a:spcBef>
+                <a:spcPct val="20000"/>
+              </a:spcBef>
+              <a:buClr>
+                <a:schemeClr val="accent1">
+                  <a:tint val="60000"/>
+                </a:schemeClr>
+              </a:buClr>
+              <a:buSzPct val="60000"/>
+              <a:buFont typeface="Wingdings"/>
+              <a:buChar char=""/>
+              <a:defRPr kumimoji="0" sz="1400" kern="1200" baseline="0">
+                <a:solidFill>
+                  <a:schemeClr val="tx2"/>
+                </a:solidFill>
+                <a:latin typeface="+mn-lt"/>
+                <a:ea typeface="+mn-ea"/>
+                <a:cs typeface="+mn-cs"/>
+              </a:defRPr>
+            </a:lvl7pPr>
+            <a:lvl8pPr marL="2286000" indent="-182880" algn="l" rtl="0" eaLnBrk="1" latinLnBrk="0" hangingPunct="1">
+              <a:spcBef>
+                <a:spcPct val="20000"/>
+              </a:spcBef>
+              <a:buClr>
+                <a:schemeClr val="accent2"/>
+              </a:buClr>
+              <a:buChar char="•"/>
+              <a:defRPr kumimoji="0" sz="1400" kern="1200" cap="small" baseline="0">
+                <a:solidFill>
+                  <a:schemeClr val="tx2"/>
+                </a:solidFill>
+                <a:latin typeface="+mn-lt"/>
+                <a:ea typeface="+mn-ea"/>
+                <a:cs typeface="+mn-cs"/>
+              </a:defRPr>
+            </a:lvl8pPr>
+            <a:lvl9pPr marL="2560320" indent="-182880" algn="l" rtl="0" eaLnBrk="1" latinLnBrk="0" hangingPunct="1">
+              <a:spcBef>
+                <a:spcPct val="20000"/>
+              </a:spcBef>
+              <a:buClr>
+                <a:schemeClr val="accent1">
+                  <a:shade val="75000"/>
+                </a:schemeClr>
+              </a:buClr>
+              <a:buChar char="•"/>
+              <a:defRPr kumimoji="0" sz="1400" kern="1200" baseline="0">
+                <a:solidFill>
+                  <a:schemeClr val="tx2"/>
+                </a:solidFill>
+                <a:latin typeface="+mn-lt"/>
+                <a:ea typeface="+mn-ea"/>
+                <a:cs typeface="+mn-cs"/>
+              </a:defRPr>
+            </a:lvl9pPr>
+          </a:lstStyle>
+          <a:p>
+            <a:pPr marL="0" marR="0" lvl="0" indent="0" defTabSz="914400" eaLnBrk="1" fontAlgn="auto" latinLnBrk="0" hangingPunct="1">
+              <a:lnSpc>
+                <a:spcPct val="100000"/>
+              </a:lnSpc>
+              <a:spcBef>
+                <a:spcPts val="0"/>
+              </a:spcBef>
+              <a:spcAft>
+                <a:spcPts val="0"/>
+              </a:spcAft>
+              <a:buClrTx/>
+              <a:buSzTx/>
+              <a:buFontTx/>
+              <a:buNone/>
+              <a:tabLst/>
+              <a:defRPr/>
             </a:pPr>
-            <a:r>
-              <a:rPr lang="en-US" dirty="0" smtClean="0">
-                <a:latin typeface="Bookman Old Style" pitchFamily="18" charset="0"/>
-              </a:rPr>
-              <a:t>   Chapter 1 represents the </a:t>
-            </a:r>
-            <a:r>
-              <a:rPr lang="en-US" i="1" u="sng" dirty="0" smtClean="0">
-                <a:latin typeface="Bookman Old Style" pitchFamily="18" charset="0"/>
-              </a:rPr>
-              <a:t>Introduction</a:t>
-            </a:r>
-            <a:r>
-              <a:rPr lang="en-US" dirty="0" smtClean="0">
-                <a:latin typeface="Bookman Old Style" pitchFamily="18" charset="0"/>
-              </a:rPr>
-              <a:t>.</a:t>
-            </a:r>
-          </a:p>
-          <a:p>
-            <a:pPr algn="just">
-              <a:buFont typeface="Wingdings" pitchFamily="2" charset="2"/>
-              <a:buChar char="Ø"/>
-            </a:pPr>
-            <a:endParaRPr lang="en-US" dirty="0" smtClean="0">
-              <a:latin typeface="Bookman Old Style" pitchFamily="18" charset="0"/>
-            </a:endParaRPr>
-          </a:p>
-          <a:p>
-            <a:pPr algn="just">
-              <a:buFont typeface="Wingdings" pitchFamily="2" charset="2"/>
-              <a:buChar char="Ø"/>
-            </a:pPr>
-            <a:r>
-              <a:rPr lang="en-US" dirty="0" smtClean="0">
-                <a:latin typeface="Bookman Old Style" pitchFamily="18" charset="0"/>
-              </a:rPr>
-              <a:t>1.1 </a:t>
-            </a:r>
-            <a:r>
-              <a:rPr lang="en-US" i="1" dirty="0" smtClean="0">
-                <a:latin typeface="Bookman Old Style" pitchFamily="18" charset="0"/>
-              </a:rPr>
-              <a:t>Background</a:t>
-            </a:r>
-            <a:r>
-              <a:rPr lang="en-US" dirty="0" smtClean="0">
-                <a:latin typeface="Bookman Old Style" pitchFamily="18" charset="0"/>
-              </a:rPr>
-              <a:t> – description of the research question;</a:t>
-            </a:r>
-          </a:p>
-          <a:p>
-            <a:pPr algn="just">
-              <a:buFont typeface="Wingdings" pitchFamily="2" charset="2"/>
-              <a:buChar char="Ø"/>
-            </a:pPr>
-            <a:endParaRPr lang="en-US" dirty="0" smtClean="0">
-              <a:latin typeface="Bookman Old Style" pitchFamily="18" charset="0"/>
-            </a:endParaRPr>
-          </a:p>
-          <a:p>
-            <a:pPr algn="just">
-              <a:buFont typeface="Wingdings" pitchFamily="2" charset="2"/>
-              <a:buChar char="Ø"/>
-            </a:pPr>
-            <a:r>
-              <a:rPr lang="en-US" dirty="0" smtClean="0">
-                <a:latin typeface="Bookman Old Style" pitchFamily="18" charset="0"/>
-              </a:rPr>
-              <a:t>1.2 </a:t>
-            </a:r>
-            <a:r>
-              <a:rPr lang="en-US" i="1" dirty="0" smtClean="0">
-                <a:latin typeface="Bookman Old Style" pitchFamily="18" charset="0"/>
-              </a:rPr>
-              <a:t>Objectives </a:t>
-            </a:r>
-            <a:r>
-              <a:rPr lang="en-US" dirty="0" smtClean="0">
-                <a:latin typeface="Bookman Old Style" pitchFamily="18" charset="0"/>
-              </a:rPr>
-              <a:t>– our main goals;</a:t>
-            </a:r>
-          </a:p>
-          <a:p>
-            <a:pPr algn="just">
-              <a:buFont typeface="Wingdings" pitchFamily="2" charset="2"/>
-              <a:buChar char="Ø"/>
-            </a:pPr>
-            <a:endParaRPr lang="en-US" dirty="0" smtClean="0">
-              <a:latin typeface="Bookman Old Style" pitchFamily="18" charset="0"/>
-            </a:endParaRPr>
-          </a:p>
-          <a:p>
-            <a:pPr algn="just">
-              <a:buFont typeface="Wingdings" pitchFamily="2" charset="2"/>
-              <a:buChar char="Ø"/>
-            </a:pPr>
-            <a:r>
-              <a:rPr lang="en-US" dirty="0" smtClean="0">
-                <a:latin typeface="Bookman Old Style" pitchFamily="18" charset="0"/>
-              </a:rPr>
-              <a:t>1.3 </a:t>
-            </a:r>
-            <a:r>
-              <a:rPr lang="en-US" i="1" dirty="0" smtClean="0">
-                <a:latin typeface="Bookman Old Style" pitchFamily="18" charset="0"/>
-              </a:rPr>
-              <a:t>Main results </a:t>
-            </a:r>
-            <a:r>
-              <a:rPr lang="en-US" dirty="0" smtClean="0">
-                <a:latin typeface="Bookman Old Style" pitchFamily="18" charset="0"/>
-              </a:rPr>
-              <a:t>– some of the results  achieved so far.</a:t>
-            </a:r>
-            <a:endParaRPr lang="en-US" dirty="0">
-              <a:latin typeface="Bookman Old Style" pitchFamily="18" charset="0"/>
-            </a:endParaRPr>
-          </a:p>
-        </p:txBody>
-      </p:sp>
+            <a:endParaRPr lang="en-US" dirty="0"/>
+          </a:p>
+        </p:txBody>
+      </p:sp>
+      <p:sp>
+        <p:nvSpPr>
+          <p:cNvPr id="8" name="Content Placeholder 2"/>
+          <p:cNvSpPr txBox="1">
+            <a:spLocks/>
+          </p:cNvSpPr>
+          <p:nvPr/>
+        </p:nvSpPr>
+        <p:spPr>
+          <a:xfrm>
+            <a:off x="765920" y="3645024"/>
+            <a:ext cx="7467600" cy="4873752"/>
+          </a:xfrm>
+          <a:prstGeom prst="rect">
+            <a:avLst/>
+          </a:prstGeom>
+        </p:spPr>
+        <p:txBody>
+          <a:bodyPr vert="horz">
+            <a:normAutofit/>
+          </a:bodyPr>
+          <a:lstStyle>
+            <a:lvl1pPr marL="274320" indent="-274320" algn="l" rtl="0" eaLnBrk="1" latinLnBrk="0" hangingPunct="1">
+              <a:spcBef>
+                <a:spcPts val="600"/>
+              </a:spcBef>
+              <a:buClr>
+                <a:schemeClr val="accent1"/>
+              </a:buClr>
+              <a:buSzPct val="70000"/>
+              <a:buFont typeface="Wingdings"/>
+              <a:buChar char=""/>
+              <a:defRPr kumimoji="0" sz="2400" kern="1200">
+                <a:solidFill>
+                  <a:schemeClr val="tx1"/>
+                </a:solidFill>
+                <a:latin typeface="+mn-lt"/>
+                <a:ea typeface="+mn-ea"/>
+                <a:cs typeface="+mn-cs"/>
+              </a:defRPr>
+            </a:lvl1pPr>
+            <a:lvl2pPr marL="640080" indent="-274320" algn="l" rtl="0" eaLnBrk="1" latinLnBrk="0" hangingPunct="1">
+              <a:spcBef>
+                <a:spcPct val="20000"/>
+              </a:spcBef>
+              <a:buClr>
+                <a:schemeClr val="accent1"/>
+              </a:buClr>
+              <a:buSzPct val="80000"/>
+              <a:buFont typeface="Wingdings 2"/>
+              <a:buChar char=""/>
+              <a:defRPr kumimoji="0" sz="2100" kern="1200">
+                <a:solidFill>
+                  <a:schemeClr val="tx1"/>
+                </a:solidFill>
+                <a:latin typeface="+mn-lt"/>
+                <a:ea typeface="+mn-ea"/>
+                <a:cs typeface="+mn-cs"/>
+              </a:defRPr>
+            </a:lvl2pPr>
+            <a:lvl3pPr marL="914400" indent="-182880" algn="l" rtl="0" eaLnBrk="1" latinLnBrk="0" hangingPunct="1">
+              <a:spcBef>
+                <a:spcPct val="20000"/>
+              </a:spcBef>
+              <a:buClr>
+                <a:schemeClr val="accent1">
+                  <a:shade val="75000"/>
+                </a:schemeClr>
+              </a:buClr>
+              <a:buSzPct val="60000"/>
+              <a:buFont typeface="Wingdings"/>
+              <a:buChar char=""/>
+              <a:defRPr kumimoji="0" sz="1800" kern="1200">
+                <a:solidFill>
+                  <a:schemeClr val="tx1"/>
+                </a:solidFill>
+                <a:latin typeface="+mn-lt"/>
+                <a:ea typeface="+mn-ea"/>
+                <a:cs typeface="+mn-cs"/>
+              </a:defRPr>
+            </a:lvl3pPr>
+            <a:lvl4pPr marL="1188720" indent="-182880" algn="l" rtl="0" eaLnBrk="1" latinLnBrk="0" hangingPunct="1">
+              <a:spcBef>
+                <a:spcPct val="20000"/>
+              </a:spcBef>
+              <a:buClr>
+                <a:schemeClr val="accent1">
+                  <a:tint val="60000"/>
+                </a:schemeClr>
+              </a:buClr>
+              <a:buSzPct val="60000"/>
+              <a:buFont typeface="Wingdings"/>
+              <a:buChar char=""/>
+              <a:defRPr kumimoji="0" sz="1800" kern="1200">
+                <a:solidFill>
+                  <a:schemeClr val="tx1"/>
+                </a:solidFill>
+                <a:latin typeface="+mn-lt"/>
+                <a:ea typeface="+mn-ea"/>
+                <a:cs typeface="+mn-cs"/>
+              </a:defRPr>
+            </a:lvl4pPr>
+            <a:lvl5pPr marL="1463040" indent="-182880" algn="l" rtl="0" eaLnBrk="1" latinLnBrk="0" hangingPunct="1">
+              <a:spcBef>
+                <a:spcPct val="20000"/>
+              </a:spcBef>
+              <a:buClr>
+                <a:schemeClr val="accent2">
+                  <a:tint val="60000"/>
+                </a:schemeClr>
+              </a:buClr>
+              <a:buSzPct val="68000"/>
+              <a:buFont typeface="Wingdings 2"/>
+              <a:buChar char=""/>
+              <a:defRPr kumimoji="0" sz="1600" kern="1200">
+                <a:solidFill>
+                  <a:schemeClr val="tx1"/>
+                </a:solidFill>
+                <a:latin typeface="+mn-lt"/>
+                <a:ea typeface="+mn-ea"/>
+                <a:cs typeface="+mn-cs"/>
+              </a:defRPr>
+            </a:lvl5pPr>
+            <a:lvl6pPr marL="1737360" indent="-182880" algn="l" rtl="0" eaLnBrk="1" latinLnBrk="0" hangingPunct="1">
+              <a:spcBef>
+                <a:spcPct val="20000"/>
+              </a:spcBef>
+              <a:buClr>
+                <a:schemeClr val="accent1"/>
+              </a:buClr>
+              <a:buChar char="•"/>
+              <a:defRPr kumimoji="0" sz="1600" kern="1200">
+                <a:solidFill>
+                  <a:schemeClr val="tx2"/>
+                </a:solidFill>
+                <a:latin typeface="+mn-lt"/>
+                <a:ea typeface="+mn-ea"/>
+                <a:cs typeface="+mn-cs"/>
+              </a:defRPr>
+            </a:lvl6pPr>
+            <a:lvl7pPr marL="2011680" indent="-182880" algn="l" rtl="0" eaLnBrk="1" latinLnBrk="0" hangingPunct="1">
+              <a:spcBef>
+                <a:spcPct val="20000"/>
+              </a:spcBef>
+              <a:buClr>
+                <a:schemeClr val="accent1">
+                  <a:tint val="60000"/>
+                </a:schemeClr>
+              </a:buClr>
+              <a:buSzPct val="60000"/>
+              <a:buFont typeface="Wingdings"/>
+              <a:buChar char=""/>
+              <a:defRPr kumimoji="0" sz="1400" kern="1200" baseline="0">
+                <a:solidFill>
+                  <a:schemeClr val="tx2"/>
+                </a:solidFill>
+                <a:latin typeface="+mn-lt"/>
+                <a:ea typeface="+mn-ea"/>
+                <a:cs typeface="+mn-cs"/>
+              </a:defRPr>
+            </a:lvl7pPr>
+            <a:lvl8pPr marL="2286000" indent="-182880" algn="l" rtl="0" eaLnBrk="1" latinLnBrk="0" hangingPunct="1">
+              <a:spcBef>
+                <a:spcPct val="20000"/>
+              </a:spcBef>
+              <a:buClr>
+                <a:schemeClr val="accent2"/>
+              </a:buClr>
+              <a:buChar char="•"/>
+              <a:defRPr kumimoji="0" sz="1400" kern="1200" cap="small" baseline="0">
+                <a:solidFill>
+                  <a:schemeClr val="tx2"/>
+                </a:solidFill>
+                <a:latin typeface="+mn-lt"/>
+                <a:ea typeface="+mn-ea"/>
+                <a:cs typeface="+mn-cs"/>
+              </a:defRPr>
+            </a:lvl8pPr>
+            <a:lvl9pPr marL="2560320" indent="-182880" algn="l" rtl="0" eaLnBrk="1" latinLnBrk="0" hangingPunct="1">
+              <a:spcBef>
+                <a:spcPct val="20000"/>
+              </a:spcBef>
+              <a:buClr>
+                <a:schemeClr val="accent1">
+                  <a:shade val="75000"/>
+                </a:schemeClr>
+              </a:buClr>
+              <a:buChar char="•"/>
+              <a:defRPr kumimoji="0" sz="1400" kern="1200" baseline="0">
+                <a:solidFill>
+                  <a:schemeClr val="tx2"/>
+                </a:solidFill>
+                <a:latin typeface="+mn-lt"/>
+                <a:ea typeface="+mn-ea"/>
+                <a:cs typeface="+mn-cs"/>
+              </a:defRPr>
+            </a:lvl9pPr>
+          </a:lstStyle>
+          <a:p>
+            <a:endParaRPr lang="en-US" dirty="0"/>
+          </a:p>
+        </p:txBody>
+      </p:sp>
+      <p:pic>
+        <p:nvPicPr>
+          <p:cNvPr id="9" name="Picture 8"/>
+          <p:cNvPicPr>
+            <a:picLocks noChangeAspect="1"/>
+          </p:cNvPicPr>
+          <p:nvPr/>
+        </p:nvPicPr>
+        <p:blipFill>
+          <a:blip r:embed="rId2">
+            <a:extLst>
+              <a:ext uri="{28A0092B-C50C-407E-A947-70E740481C1C}">
+                <a14:useLocalDpi xmlns:a14="http://schemas.microsoft.com/office/drawing/2010/main" val="0"/>
+              </a:ext>
+            </a:extLst>
+          </a:blip>
+          <a:stretch>
+            <a:fillRect/>
+          </a:stretch>
+        </p:blipFill>
+        <p:spPr>
+          <a:xfrm>
+            <a:off x="1115616" y="3479025"/>
+            <a:ext cx="6516216" cy="2890037"/>
+          </a:xfrm>
+          <a:prstGeom prst="rect">
+            <a:avLst/>
+          </a:prstGeom>
+        </p:spPr>
+      </p:pic>
     </p:spTree>
+    <p:extLst>
+      <p:ext uri="{BB962C8B-B14F-4D97-AF65-F5344CB8AC3E}">
+        <p14:creationId xmlns:p14="http://schemas.microsoft.com/office/powerpoint/2010/main" val="1464060003"/>
+      </p:ext>
+    </p:extLst>
   </p:cSld>
   <p:clrMapOvr>
     <a:masterClrMapping/>
@@ -6325,11 +6667,12 @@
           <a:bodyPr/>
           <a:lstStyle/>
           <a:p>
+            <a:pPr algn="ctr"/>
             <a:r>
               <a:rPr lang="en-US" dirty="0" smtClean="0">
                 <a:latin typeface="Bookman Old Style" pitchFamily="18" charset="0"/>
               </a:rPr>
-              <a:t>Chapter 2</a:t>
+              <a:t>Exact algorithm</a:t>
             </a:r>
             <a:endParaRPr lang="en-US" dirty="0">
               <a:latin typeface="Bookman Old Style" pitchFamily="18" charset="0"/>
@@ -6364,104 +6707,39 @@
               <a:rPr lang="en-US" dirty="0" smtClean="0">
                 <a:latin typeface="Bookman Old Style" pitchFamily="18" charset="0"/>
               </a:rPr>
-              <a:t>   Chapter 2 specifies the </a:t>
-            </a:r>
-            <a:r>
-              <a:rPr lang="en-US" i="1" u="sng" dirty="0" smtClean="0">
-                <a:latin typeface="Bookman Old Style" pitchFamily="18" charset="0"/>
-              </a:rPr>
-              <a:t>Methods</a:t>
+              <a:t>   </a:t>
             </a:r>
             <a:r>
               <a:rPr lang="en-US" dirty="0" smtClean="0">
                 <a:latin typeface="Bookman Old Style" pitchFamily="18" charset="0"/>
               </a:rPr>
-              <a:t> used to carry out the project step by step and a short description of each of them.</a:t>
-            </a:r>
-          </a:p>
-          <a:p>
-            <a:pPr algn="just"/>
-            <a:endParaRPr lang="en-US" dirty="0" smtClean="0">
-              <a:latin typeface="Bookman Old Style" pitchFamily="18" charset="0"/>
-            </a:endParaRPr>
+              <a:t>- Backtracking for the chromatic number</a:t>
+            </a:r>
           </a:p>
           <a:p>
             <a:pPr algn="just">
               <a:buNone/>
             </a:pPr>
+            <a:endParaRPr lang="en-US" dirty="0">
+              <a:latin typeface="Bookman Old Style" pitchFamily="18" charset="0"/>
+            </a:endParaRPr>
+          </a:p>
+          <a:p>
+            <a:pPr algn="just">
+              <a:buNone/>
+            </a:pPr>
+            <a:r>
+              <a:rPr lang="en-US" dirty="0">
+                <a:latin typeface="Bookman Old Style" pitchFamily="18" charset="0"/>
+              </a:rPr>
+              <a:t> </a:t>
+            </a:r>
             <a:r>
               <a:rPr lang="en-US" dirty="0" smtClean="0">
                 <a:latin typeface="Bookman Old Style" pitchFamily="18" charset="0"/>
               </a:rPr>
-              <a:t>   Sections of Chapter 2:</a:t>
-            </a:r>
-          </a:p>
-          <a:p>
-            <a:pPr algn="just">
-              <a:buNone/>
-            </a:pPr>
-            <a:endParaRPr lang="en-US" dirty="0" smtClean="0">
-              <a:latin typeface="Bookman Old Style" pitchFamily="18" charset="0"/>
-            </a:endParaRPr>
-          </a:p>
-          <a:p>
-            <a:pPr algn="just">
-              <a:buFont typeface="Wingdings" pitchFamily="2" charset="2"/>
-              <a:buChar char="ü"/>
-            </a:pPr>
-            <a:r>
-              <a:rPr lang="en-US" dirty="0" smtClean="0">
-                <a:latin typeface="Bookman Old Style" pitchFamily="18" charset="0"/>
-              </a:rPr>
-              <a:t>2.1 Backtracking for the Chromatic Number;</a:t>
-            </a:r>
-          </a:p>
-          <a:p>
-            <a:pPr algn="just">
-              <a:buFont typeface="Wingdings" pitchFamily="2" charset="2"/>
-              <a:buChar char="ü"/>
-            </a:pPr>
-            <a:r>
-              <a:rPr lang="en-US" dirty="0" smtClean="0">
-                <a:latin typeface="Bookman Old Style" pitchFamily="18" charset="0"/>
-              </a:rPr>
-              <a:t>2.2 Backtracking for the Lower Bound;</a:t>
-            </a:r>
-          </a:p>
-          <a:p>
-            <a:pPr algn="just">
-              <a:buFont typeface="Wingdings" pitchFamily="2" charset="2"/>
-              <a:buChar char="ü"/>
-            </a:pPr>
-            <a:r>
-              <a:rPr lang="en-US" dirty="0" smtClean="0">
-                <a:latin typeface="Bookman Old Style" pitchFamily="18" charset="0"/>
-              </a:rPr>
-              <a:t>2.3 Welsh-Powell Algorithm;</a:t>
-            </a:r>
-          </a:p>
-          <a:p>
-            <a:pPr algn="just">
-              <a:buFont typeface="Wingdings" pitchFamily="2" charset="2"/>
-              <a:buChar char="ü"/>
-            </a:pPr>
-            <a:r>
-              <a:rPr lang="en-US" dirty="0" smtClean="0">
-                <a:latin typeface="Bookman Old Style" pitchFamily="18" charset="0"/>
-              </a:rPr>
-              <a:t>2.4 Recursive Largest First Algorithm (RLF);</a:t>
-            </a:r>
-          </a:p>
-          <a:p>
-            <a:pPr algn="just">
-              <a:buNone/>
-            </a:pPr>
-            <a:endParaRPr lang="en-US" dirty="0" smtClean="0">
-              <a:latin typeface="Bookman Old Style" pitchFamily="18" charset="0"/>
-            </a:endParaRPr>
-          </a:p>
-          <a:p>
-            <a:pPr algn="just"/>
+              <a:t>  - Backtracking for the clique number (the lower bound)</a:t>
+            </a:r>
             <a:endParaRPr lang="en-US" dirty="0">
               <a:latin typeface="Bookman Old Style" pitchFamily="18" charset="0"/>
             </a:endParaRPr>
@@ -6495,7 +6773,30 @@
       </p:grpSpPr>
       <p:sp>
         <p:nvSpPr>
-          <p:cNvPr id="3" name="Содержимое 2"/>
+          <p:cNvPr id="2" name="Title 1"/>
+          <p:cNvSpPr>
+            <a:spLocks noGrp="1"/>
+          </p:cNvSpPr>
+          <p:nvPr>
+            <p:ph type="title"/>
+          </p:nvPr>
+        </p:nvSpPr>
+        <p:spPr/>
+        <p:txBody>
+          <a:bodyPr/>
+          <a:lstStyle/>
+          <a:p>
+            <a:r>
+              <a:rPr lang="en-US" dirty="0" smtClean="0"/>
+              <a:t>HEURISTIC ALGORITHMS</a:t>
+            </a:r>
+            <a:endParaRPr lang="en-US" dirty="0"/>
+          </a:p>
+        </p:txBody>
+      </p:sp>
+      <p:sp>
+        <p:nvSpPr>
+          <p:cNvPr id="3" name="Content Placeholder 2"/>
           <p:cNvSpPr>
             <a:spLocks noGrp="1"/>
           </p:cNvSpPr>
@@ -6503,147 +6804,43 @@
             <p:ph sz="quarter" idx="1"/>
           </p:nvPr>
         </p:nvSpPr>
-        <p:spPr>
-          <a:xfrm>
-            <a:off x="457200" y="428604"/>
-            <a:ext cx="7901014" cy="6045348"/>
-          </a:xfrm>
-        </p:spPr>
-        <p:txBody>
-          <a:bodyPr>
-            <a:normAutofit/>
-          </a:bodyPr>
-          <a:lstStyle/>
-          <a:p>
-            <a:pPr algn="just">
-              <a:buFont typeface="Wingdings" pitchFamily="2" charset="2"/>
-              <a:buChar char="ü"/>
-            </a:pPr>
-            <a:r>
-              <a:rPr lang="en-US" dirty="0" smtClean="0">
-                <a:latin typeface="Bookman Old Style" pitchFamily="18" charset="0"/>
-              </a:rPr>
-              <a:t>2.5 Special graph properties and their uses:</a:t>
-            </a:r>
-          </a:p>
-          <a:p>
-            <a:pPr algn="just">
-              <a:buNone/>
-            </a:pPr>
-            <a:endParaRPr lang="en-US" dirty="0" smtClean="0">
-              <a:latin typeface="Bookman Old Style" pitchFamily="18" charset="0"/>
-            </a:endParaRPr>
-          </a:p>
-          <a:p>
-            <a:pPr lvl="1" algn="just">
-              <a:buFont typeface="Wingdings" pitchFamily="2" charset="2"/>
-              <a:buChar char="v"/>
-            </a:pPr>
-            <a:r>
-              <a:rPr lang="en-US" sz="2400" dirty="0" smtClean="0">
-                <a:latin typeface="Bookman Old Style" pitchFamily="18" charset="0"/>
-              </a:rPr>
-              <a:t> </a:t>
-            </a:r>
-            <a:r>
-              <a:rPr lang="en-US" sz="2400" dirty="0" smtClean="0">
-                <a:latin typeface="Bookman Old Style" pitchFamily="18" charset="0"/>
-              </a:rPr>
-              <a:t>2.5.1 Bipartite graphs;</a:t>
-            </a:r>
-          </a:p>
-          <a:p>
-            <a:pPr lvl="1" algn="just">
-              <a:buFont typeface="Wingdings" pitchFamily="2" charset="2"/>
-              <a:buChar char="v"/>
-            </a:pPr>
-            <a:r>
-              <a:rPr lang="en-US" sz="2400" dirty="0" smtClean="0">
-                <a:latin typeface="Bookman Old Style" pitchFamily="18" charset="0"/>
-              </a:rPr>
-              <a:t> 2.5.2 Perfect graph and </a:t>
-            </a:r>
-            <a:r>
-              <a:rPr lang="en-US" sz="2400" dirty="0" err="1" smtClean="0">
-                <a:latin typeface="Bookman Old Style" pitchFamily="18" charset="0"/>
-              </a:rPr>
-              <a:t>Cordal</a:t>
-            </a:r>
-            <a:r>
-              <a:rPr lang="en-US" sz="2400" dirty="0" smtClean="0">
-                <a:latin typeface="Bookman Old Style" pitchFamily="18" charset="0"/>
-              </a:rPr>
-              <a:t> graph;</a:t>
-            </a:r>
-          </a:p>
-          <a:p>
-            <a:pPr lvl="1" algn="just">
-              <a:buFont typeface="Wingdings" pitchFamily="2" charset="2"/>
-              <a:buChar char="v"/>
-            </a:pPr>
-            <a:r>
-              <a:rPr lang="en-US" sz="2400" dirty="0" smtClean="0">
-                <a:latin typeface="Bookman Old Style" pitchFamily="18" charset="0"/>
-              </a:rPr>
-              <a:t> </a:t>
-            </a:r>
-            <a:r>
-              <a:rPr lang="en-US" sz="2400" dirty="0" smtClean="0">
-                <a:latin typeface="Bookman Old Style" pitchFamily="18" charset="0"/>
-              </a:rPr>
-              <a:t>2.5.3 </a:t>
-            </a:r>
-            <a:r>
-              <a:rPr lang="en-US" sz="2400" dirty="0" smtClean="0">
-                <a:latin typeface="Bookman Old Style" pitchFamily="18" charset="0"/>
-              </a:rPr>
-              <a:t>Connected components, </a:t>
-            </a:r>
-            <a:r>
-              <a:rPr lang="en-US" sz="2400" dirty="0" err="1" smtClean="0">
-                <a:latin typeface="Bookman Old Style" pitchFamily="18" charset="0"/>
-              </a:rPr>
-              <a:t>biconnected</a:t>
-            </a:r>
-            <a:r>
-              <a:rPr lang="en-US" sz="2400" dirty="0" smtClean="0">
-                <a:latin typeface="Bookman Old Style" pitchFamily="18" charset="0"/>
-              </a:rPr>
-              <a:t> components, and the divide-and-conquer </a:t>
-            </a:r>
-            <a:r>
-              <a:rPr lang="en-US" sz="2400" dirty="0" smtClean="0">
-                <a:latin typeface="Bookman Old Style" pitchFamily="18" charset="0"/>
-              </a:rPr>
-              <a:t>strategy;</a:t>
-            </a:r>
-          </a:p>
-          <a:p>
-            <a:pPr algn="just">
-              <a:buNone/>
-            </a:pPr>
-            <a:endParaRPr lang="en-US" dirty="0" smtClean="0">
-              <a:latin typeface="Bookman Old Style" pitchFamily="18" charset="0"/>
-            </a:endParaRPr>
-          </a:p>
-          <a:p>
-            <a:pPr algn="just">
-              <a:buFont typeface="Wingdings" pitchFamily="2" charset="2"/>
-              <a:buChar char="ü"/>
-            </a:pPr>
-            <a:r>
-              <a:rPr lang="en-US" dirty="0" smtClean="0">
-                <a:latin typeface="Bookman Old Style" pitchFamily="18" charset="0"/>
-              </a:rPr>
-              <a:t>2.6 Our Method.</a:t>
-            </a:r>
-            <a:endParaRPr lang="en-US" dirty="0">
-              <a:latin typeface="Bookman Old Style" pitchFamily="18" charset="0"/>
-            </a:endParaRPr>
+        <p:spPr/>
+        <p:txBody>
+          <a:bodyPr/>
+          <a:lstStyle/>
+          <a:p>
+            <a:r>
+              <a:rPr lang="en-US" dirty="0" smtClean="0"/>
+              <a:t>Greedy algorithm</a:t>
+            </a:r>
+          </a:p>
+          <a:p>
+            <a:endParaRPr lang="en-US" dirty="0"/>
+          </a:p>
+          <a:p>
+            <a:r>
+              <a:rPr lang="en-US" dirty="0" smtClean="0"/>
+              <a:t>Welsh-Powell algorithm</a:t>
+            </a:r>
+          </a:p>
+          <a:p>
+            <a:endParaRPr lang="en-US" dirty="0"/>
+          </a:p>
+          <a:p>
+            <a:r>
+              <a:rPr lang="en-US" dirty="0" smtClean="0"/>
+              <a:t>Recursive Largest First Algorithm</a:t>
+            </a:r>
+            <a:endParaRPr lang="en-US" dirty="0"/>
           </a:p>
         </p:txBody>
       </p:sp>
     </p:spTree>
+    <p:extLst>
+      <p:ext uri="{BB962C8B-B14F-4D97-AF65-F5344CB8AC3E}">
+        <p14:creationId xmlns:p14="http://schemas.microsoft.com/office/powerpoint/2010/main" val="19526577"/>
+      </p:ext>
+    </p:extLst>
   </p:cSld>
   <p:clrMapOvr>
     <a:masterClrMapping/>
@@ -6670,7 +6867,7 @@
       </p:grpSpPr>
       <p:sp>
         <p:nvSpPr>
-          <p:cNvPr id="2" name="Заголовок 1"/>
+          <p:cNvPr id="2" name="Title 1"/>
           <p:cNvSpPr>
             <a:spLocks noGrp="1"/>
           </p:cNvSpPr>
@@ -6678,31 +6875,22 @@
             <p:ph type="title"/>
           </p:nvPr>
         </p:nvSpPr>
-        <p:spPr>
-          <a:xfrm>
-            <a:off x="500034" y="285728"/>
-            <a:ext cx="7467600" cy="989034"/>
-          </a:xfrm>
-        </p:spPr>
+        <p:spPr/>
         <p:txBody>
           <a:bodyPr/>
           <a:lstStyle/>
           <a:p>
             <a:r>
-              <a:rPr lang="en-US" dirty="0" smtClean="0">
-                <a:latin typeface="Bookman Old Style" pitchFamily="18" charset="0"/>
-              </a:rPr>
-              <a:t>Chapter 3</a:t>
-            </a:r>
-            <a:endParaRPr lang="en-US" dirty="0">
-              <a:latin typeface="Bookman Old Style" pitchFamily="18" charset="0"/>
-            </a:endParaRPr>
-          </a:p>
-        </p:txBody>
-      </p:sp>
-      <p:sp>
-        <p:nvSpPr>
-          <p:cNvPr id="3" name="Содержимое 2"/>
+              <a:rPr lang="en-US" dirty="0" smtClean="0"/>
+              <a:t>SPECIAL GRAPHS AND THEIR PROPERTIES</a:t>
+            </a:r>
+            <a:endParaRPr lang="en-US" dirty="0"/>
+          </a:p>
+        </p:txBody>
+      </p:sp>
+      <p:sp>
+        <p:nvSpPr>
+          <p:cNvPr id="3" name="Content Placeholder 2"/>
           <p:cNvSpPr>
             <a:spLocks noGrp="1"/>
           </p:cNvSpPr>
@@ -6710,89 +6898,51 @@
             <p:ph sz="quarter" idx="1"/>
           </p:nvPr>
         </p:nvSpPr>
-        <p:spPr>
-          <a:xfrm>
-            <a:off x="457200" y="1600200"/>
-            <a:ext cx="7972452" cy="4873752"/>
-          </a:xfrm>
-        </p:spPr>
+        <p:spPr/>
         <p:txBody>
           <a:bodyPr/>
           <a:lstStyle/>
           <a:p>
-            <a:pPr algn="just">
-              <a:buNone/>
-            </a:pPr>
-            <a:r>
-              <a:rPr lang="en-US" dirty="0" smtClean="0">
-                <a:latin typeface="Bookman Old Style" pitchFamily="18" charset="0"/>
-              </a:rPr>
-              <a:t>   Chapter 3 describes the </a:t>
-            </a:r>
-            <a:r>
-              <a:rPr lang="en-US" i="1" u="sng" dirty="0" smtClean="0">
-                <a:latin typeface="Bookman Old Style" pitchFamily="18" charset="0"/>
-              </a:rPr>
-              <a:t>Experiments</a:t>
-            </a:r>
-            <a:r>
-              <a:rPr lang="en-US" i="1" dirty="0" smtClean="0">
-                <a:latin typeface="Bookman Old Style" pitchFamily="18" charset="0"/>
-              </a:rPr>
-              <a:t> </a:t>
-            </a:r>
-            <a:r>
-              <a:rPr lang="en-US" dirty="0" smtClean="0">
-                <a:latin typeface="Bookman Old Style" pitchFamily="18" charset="0"/>
-              </a:rPr>
-              <a:t>and tests we performed in order to compare algorithm performance.</a:t>
-            </a:r>
-          </a:p>
-          <a:p>
-            <a:pPr algn="just"/>
-            <a:endParaRPr lang="en-US" dirty="0" smtClean="0">
-              <a:latin typeface="Bookman Old Style" pitchFamily="18" charset="0"/>
-            </a:endParaRPr>
-          </a:p>
-          <a:p>
-            <a:pPr algn="just">
-              <a:buFont typeface="Wingdings" pitchFamily="2" charset="2"/>
-              <a:buChar char="§"/>
-            </a:pPr>
-            <a:r>
-              <a:rPr lang="en-US" dirty="0" smtClean="0">
-                <a:latin typeface="Bookman Old Style" pitchFamily="18" charset="0"/>
-              </a:rPr>
-              <a:t>1. Running the algorithms before applying any graph property test;</a:t>
-            </a:r>
-          </a:p>
-          <a:p>
-            <a:pPr algn="just">
-              <a:buFont typeface="Wingdings" pitchFamily="2" charset="2"/>
-              <a:buChar char="§"/>
-            </a:pPr>
-            <a:endParaRPr lang="en-US" dirty="0" smtClean="0">
-              <a:latin typeface="Bookman Old Style" pitchFamily="18" charset="0"/>
-            </a:endParaRPr>
-          </a:p>
-          <a:p>
-            <a:pPr algn="just">
-              <a:buFont typeface="Wingdings" pitchFamily="2" charset="2"/>
-              <a:buChar char="§"/>
-            </a:pPr>
-            <a:r>
-              <a:rPr lang="en-US" dirty="0" smtClean="0">
-                <a:latin typeface="Bookman Old Style" pitchFamily="18" charset="0"/>
-              </a:rPr>
-              <a:t>2. Running the algorithms after applying all the graph property tests.</a:t>
-            </a:r>
-            <a:endParaRPr lang="en-US" dirty="0">
-              <a:latin typeface="Bookman Old Style" pitchFamily="18" charset="0"/>
-            </a:endParaRPr>
+            <a:r>
+              <a:rPr lang="en-US" dirty="0" smtClean="0"/>
+              <a:t>Bipartite graph: chromatic number &lt;= 2</a:t>
+            </a:r>
+          </a:p>
+          <a:p>
+            <a:endParaRPr lang="en-US" dirty="0"/>
+          </a:p>
+          <a:p>
+            <a:r>
+              <a:rPr lang="en-US" dirty="0" smtClean="0"/>
+              <a:t>Chordal graph: chromatic number = clique number</a:t>
+            </a:r>
+          </a:p>
+          <a:p>
+            <a:endParaRPr lang="en-US" dirty="0"/>
+          </a:p>
+          <a:p>
+            <a:r>
+              <a:rPr lang="en-US" dirty="0" smtClean="0"/>
+              <a:t>Connected and </a:t>
+            </a:r>
+            <a:r>
+              <a:rPr lang="en-US" dirty="0" err="1" smtClean="0"/>
+              <a:t>biconnected</a:t>
+            </a:r>
+            <a:r>
+              <a:rPr lang="en-US" dirty="0" smtClean="0"/>
+              <a:t> components: divide and conquer</a:t>
+            </a:r>
+            <a:endParaRPr lang="en-US" dirty="0"/>
           </a:p>
         </p:txBody>
       </p:sp>
     </p:spTree>
+    <p:extLst>
+      <p:ext uri="{BB962C8B-B14F-4D97-AF65-F5344CB8AC3E}">
+        <p14:creationId xmlns:p14="http://schemas.microsoft.com/office/powerpoint/2010/main" val="614107986"/>
+      </p:ext>
+    </p:extLst>
   </p:cSld>
   <p:clrMapOvr>
     <a:masterClrMapping/>
@@ -6830,19 +6980,18 @@
         <p:spPr>
           <a:xfrm>
             <a:off x="500034" y="285728"/>
-            <a:ext cx="7467600" cy="917596"/>
+            <a:ext cx="7467600" cy="989034"/>
           </a:xfrm>
         </p:spPr>
         <p:txBody>
           <a:bodyPr/>
           <a:lstStyle/>
           <a:p>
-            <a:pPr algn="just"/>
             <a:r>
               <a:rPr lang="en-US" dirty="0" smtClean="0">
                 <a:latin typeface="Bookman Old Style" pitchFamily="18" charset="0"/>
               </a:rPr>
-              <a:t>Chapter 4</a:t>
+              <a:t>EXPERIMENTS</a:t>
             </a:r>
             <a:endParaRPr lang="en-US" dirty="0">
               <a:latin typeface="Bookman Old Style" pitchFamily="18" charset="0"/>
@@ -6863,41 +7012,53 @@
         <p:spPr>
           <a:xfrm>
             <a:off x="457200" y="1600200"/>
-            <a:ext cx="7901014" cy="4873752"/>
-          </a:xfrm>
-        </p:spPr>
-        <p:txBody>
-          <a:bodyPr>
-            <a:normAutofit/>
-          </a:bodyPr>
-          <a:lstStyle/>
-          <a:p>
-            <a:pPr algn="just"/>
-            <a:endParaRPr lang="en-US" sz="2800" dirty="0" smtClean="0">
+            <a:ext cx="7972452" cy="4873752"/>
+          </a:xfrm>
+        </p:spPr>
+        <p:txBody>
+          <a:bodyPr/>
+          <a:lstStyle/>
+          <a:p>
+            <a:pPr algn="just">
+              <a:buNone/>
+            </a:pPr>
+            <a:endParaRPr lang="en-US" dirty="0" smtClean="0">
               <a:latin typeface="Bookman Old Style" pitchFamily="18" charset="0"/>
             </a:endParaRPr>
           </a:p>
           <a:p>
-            <a:pPr algn="just"/>
-            <a:r>
-              <a:rPr lang="en-US" sz="2800" dirty="0" smtClean="0">
+            <a:pPr algn="just">
+              <a:buFont typeface="Wingdings" pitchFamily="2" charset="2"/>
+              <a:buChar char="§"/>
+            </a:pPr>
+            <a:r>
+              <a:rPr lang="en-US" dirty="0" smtClean="0">
                 <a:latin typeface="Bookman Old Style" pitchFamily="18" charset="0"/>
               </a:rPr>
-              <a:t>Chapter 4 involves the </a:t>
-            </a:r>
-            <a:r>
-              <a:rPr lang="en-US" sz="2800" i="1" u="sng" dirty="0" smtClean="0">
+              <a:t>1. Running the algorithms before applying any graph property test;</a:t>
+            </a:r>
+          </a:p>
+          <a:p>
+            <a:pPr algn="just">
+              <a:buFont typeface="Wingdings" pitchFamily="2" charset="2"/>
+              <a:buChar char="§"/>
+            </a:pPr>
+            <a:endParaRPr lang="en-US" dirty="0" smtClean="0">
+              <a:latin typeface="Bookman Old Style" pitchFamily="18" charset="0"/>
+            </a:endParaRPr>
+          </a:p>
+          <a:p>
+            <a:pPr algn="just">
+              <a:buFont typeface="Wingdings" pitchFamily="2" charset="2"/>
+              <a:buChar char="§"/>
+            </a:pPr>
+            <a:r>
+              <a:rPr lang="en-US" dirty="0" smtClean="0">
                 <a:latin typeface="Bookman Old Style" pitchFamily="18" charset="0"/>
               </a:rPr>
-              <a:t>Results</a:t>
-            </a:r>
-            <a:r>
-              <a:rPr lang="en-US" sz="2800" dirty="0" smtClean="0">
-                <a:latin typeface="Bookman Old Style" pitchFamily="18" charset="0"/>
-              </a:rPr>
-              <a:t> of all the experiments described in Chapter 3.</a:t>
-            </a:r>
-            <a:endParaRPr lang="en-US" sz="2800" dirty="0">
+              <a:t>2. Running the algorithms after applying all the graph property tests.</a:t>
+            </a:r>
+            <a:endParaRPr lang="en-US" dirty="0">
               <a:latin typeface="Bookman Old Style" pitchFamily="18" charset="0"/>
             </a:endParaRPr>
           </a:p>
@@ -6940,8 +7101,8 @@
         </p:nvSpPr>
         <p:spPr>
           <a:xfrm>
-            <a:off x="571472" y="285728"/>
-            <a:ext cx="7281890" cy="989034"/>
+            <a:off x="500034" y="285728"/>
+            <a:ext cx="7467600" cy="917596"/>
           </a:xfrm>
         </p:spPr>
         <p:txBody>
@@ -6953,7 +7114,7 @@
               <a:rPr lang="en-US" dirty="0" smtClean="0">
                 <a:latin typeface="Bookman Old Style" pitchFamily="18" charset="0"/>
               </a:rPr>
-              <a:t>Chapter 5</a:t>
+              <a:t>RESULTS</a:t>
             </a:r>
             <a:endParaRPr lang="en-US" dirty="0">
               <a:latin typeface="Bookman Old Style" pitchFamily="18" charset="0"/>
@@ -6983,38 +7144,32 @@
           </a:bodyPr>
           <a:lstStyle/>
           <a:p>
-            <a:pPr algn="just">
-              <a:buFont typeface="Courier New" pitchFamily="49" charset="0"/>
-              <a:buChar char="o"/>
-            </a:pPr>
+            <a:pPr algn="just"/>
             <a:endParaRPr lang="en-US" sz="2800" dirty="0" smtClean="0">
               <a:latin typeface="Bookman Old Style" pitchFamily="18" charset="0"/>
             </a:endParaRPr>
           </a:p>
           <a:p>
-            <a:pPr algn="just">
-              <a:buFont typeface="Wingdings" pitchFamily="2" charset="2"/>
-              <a:buChar char="q"/>
-            </a:pPr>
+            <a:pPr algn="just"/>
             <a:r>
               <a:rPr lang="en-US" sz="2800" dirty="0" smtClean="0">
                 <a:latin typeface="Bookman Old Style" pitchFamily="18" charset="0"/>
               </a:rPr>
-              <a:t>Chapter 5 provides the </a:t>
+              <a:t>Chapter 4 involves the </a:t>
             </a:r>
             <a:r>
               <a:rPr lang="en-US" sz="2800" i="1" u="sng" dirty="0" smtClean="0">
                 <a:latin typeface="Bookman Old Style" pitchFamily="18" charset="0"/>
               </a:rPr>
-              <a:t>Conclusions</a:t>
+              <a:t>Results</a:t>
             </a:r>
             <a:r>
               <a:rPr lang="en-US" sz="2800" dirty="0" smtClean="0">
                 <a:latin typeface="Bookman Old Style" pitchFamily="18" charset="0"/>
               </a:rPr>
-              <a:t> and a summary of our study.</a:t>
-            </a:r>
-            <a:endParaRPr lang="en-US" sz="2800" u="sng" dirty="0">
+              <a:t> of all the experiments described in Chapter 3.</a:t>
+            </a:r>
+            <a:endParaRPr lang="en-US" sz="2800" dirty="0">
               <a:latin typeface="Bookman Old Style" pitchFamily="18" charset="0"/>
             </a:endParaRPr>
           </a:p>

--- a/pres3.pptx
+++ b/pres3.pptx
@@ -217,7 +217,7 @@
           <a:p>
             <a:fld id="{61C5533E-7C2F-4B7D-93ED-44A6B2C21C15}" type="datetimeFigureOut">
               <a:rPr lang="en-US" smtClean="0"/>
-              <a:t>1/17/19</a:t>
+              <a:t>1/18/19</a:t>
             </a:fld>
             <a:endParaRPr lang="en-US"/>
           </a:p>
@@ -620,7 +620,7 @@
             <a:fld id="{5B106E36-FD25-4E2D-B0AA-010F637433A0}" type="datetimeFigureOut">
               <a:rPr lang="ru-RU" smtClean="0"/>
               <a:pPr/>
-              <a:t>17.01.2019</a:t>
+              <a:t>18.01.2019</a:t>
             </a:fld>
             <a:endParaRPr lang="ru-RU"/>
           </a:p>
@@ -1491,7 +1491,7 @@
             <a:fld id="{5B106E36-FD25-4E2D-B0AA-010F637433A0}" type="datetimeFigureOut">
               <a:rPr lang="ru-RU" smtClean="0"/>
               <a:pPr/>
-              <a:t>17.01.2019</a:t>
+              <a:t>18.01.2019</a:t>
             </a:fld>
             <a:endParaRPr lang="ru-RU"/>
           </a:p>
@@ -1668,7 +1668,7 @@
             <a:fld id="{5B106E36-FD25-4E2D-B0AA-010F637433A0}" type="datetimeFigureOut">
               <a:rPr lang="ru-RU" smtClean="0"/>
               <a:pPr/>
-              <a:t>17.01.2019</a:t>
+              <a:t>18.01.2019</a:t>
             </a:fld>
             <a:endParaRPr lang="ru-RU"/>
           </a:p>
@@ -1840,7 +1840,7 @@
             <a:fld id="{5B106E36-FD25-4E2D-B0AA-010F637433A0}" type="datetimeFigureOut">
               <a:rPr lang="ru-RU" smtClean="0"/>
               <a:pPr/>
-              <a:t>17.01.2019</a:t>
+              <a:t>18.01.2019</a:t>
             </a:fld>
             <a:endParaRPr lang="ru-RU"/>
           </a:p>
@@ -2052,7 +2052,7 @@
             <a:fld id="{5B106E36-FD25-4E2D-B0AA-010F637433A0}" type="datetimeFigureOut">
               <a:rPr lang="ru-RU" smtClean="0"/>
               <a:pPr/>
-              <a:t>17.01.2019</a:t>
+              <a:t>18.01.2019</a:t>
             </a:fld>
             <a:endParaRPr lang="ru-RU"/>
           </a:p>
@@ -2868,7 +2868,7 @@
             <a:fld id="{5B106E36-FD25-4E2D-B0AA-010F637433A0}" type="datetimeFigureOut">
               <a:rPr lang="ru-RU" smtClean="0"/>
               <a:pPr/>
-              <a:t>17.01.2019</a:t>
+              <a:t>18.01.2019</a:t>
             </a:fld>
             <a:endParaRPr lang="ru-RU"/>
           </a:p>
@@ -3106,7 +3106,7 @@
             <a:fld id="{5B106E36-FD25-4E2D-B0AA-010F637433A0}" type="datetimeFigureOut">
               <a:rPr lang="ru-RU" smtClean="0"/>
               <a:pPr/>
-              <a:t>17.01.2019</a:t>
+              <a:t>18.01.2019</a:t>
             </a:fld>
             <a:endParaRPr lang="ru-RU"/>
           </a:p>
@@ -3431,7 +3431,7 @@
             <a:fld id="{5B106E36-FD25-4E2D-B0AA-010F637433A0}" type="datetimeFigureOut">
               <a:rPr lang="ru-RU" smtClean="0"/>
               <a:pPr/>
-              <a:t>17.01.2019</a:t>
+              <a:t>18.01.2019</a:t>
             </a:fld>
             <a:endParaRPr lang="ru-RU"/>
           </a:p>
@@ -3523,7 +3523,7 @@
             <a:fld id="{5B106E36-FD25-4E2D-B0AA-010F637433A0}" type="datetimeFigureOut">
               <a:rPr lang="ru-RU" smtClean="0"/>
               <a:pPr/>
-              <a:t>17.01.2019</a:t>
+              <a:t>18.01.2019</a:t>
             </a:fld>
             <a:endParaRPr lang="ru-RU"/>
           </a:p>
@@ -4042,7 +4042,7 @@
             <a:fld id="{5B106E36-FD25-4E2D-B0AA-010F637433A0}" type="datetimeFigureOut">
               <a:rPr lang="ru-RU" smtClean="0"/>
               <a:pPr/>
-              <a:t>17.01.2019</a:t>
+              <a:t>18.01.2019</a:t>
             </a:fld>
             <a:endParaRPr lang="ru-RU"/>
           </a:p>
@@ -4555,7 +4555,7 @@
             <a:fld id="{5B106E36-FD25-4E2D-B0AA-010F637433A0}" type="datetimeFigureOut">
               <a:rPr lang="ru-RU" smtClean="0"/>
               <a:pPr/>
-              <a:t>17.01.2019</a:t>
+              <a:t>18.01.2019</a:t>
             </a:fld>
             <a:endParaRPr lang="ru-RU"/>
           </a:p>
@@ -4802,7 +4802,7 @@
             <a:fld id="{5B106E36-FD25-4E2D-B0AA-010F637433A0}" type="datetimeFigureOut">
               <a:rPr lang="ru-RU" smtClean="0"/>
               <a:pPr/>
-              <a:t>17.01.2019</a:t>
+              <a:t>18.01.2019</a:t>
             </a:fld>
             <a:endParaRPr lang="ru-RU"/>
           </a:p>
@@ -6003,9 +6003,6 @@
               </a:rPr>
               <a:t> components</a:t>
             </a:r>
-            <a:endParaRPr lang="en-US" dirty="0" smtClean="0">
-              <a:latin typeface="Bookman Old Style" pitchFamily="18" charset="0"/>
-            </a:endParaRPr>
           </a:p>
           <a:p>
             <a:pPr algn="just">
@@ -6018,9 +6015,6 @@
               </a:rPr>
               <a:t> </a:t>
             </a:r>
-            <a:endParaRPr lang="en-US" dirty="0" smtClean="0">
-              <a:latin typeface="Bookman Old Style" pitchFamily="18" charset="0"/>
-            </a:endParaRPr>
           </a:p>
         </p:txBody>
       </p:sp>
@@ -6589,7 +6583,7 @@
       </p:sp>
       <p:pic>
         <p:nvPicPr>
-          <p:cNvPr id="9" name="Picture 8"/>
+          <p:cNvPr id="4" name="Picture 3"/>
           <p:cNvPicPr>
             <a:picLocks noChangeAspect="1"/>
           </p:cNvPicPr>
@@ -6609,8 +6603,8 @@
         </p:blipFill>
         <p:spPr>
           <a:xfrm>
-            <a:off x="1115616" y="3479025"/>
-            <a:ext cx="6516216" cy="2890037"/>
+            <a:off x="611560" y="3108407"/>
+            <a:ext cx="7378080" cy="3260655"/>
           </a:xfrm>
           <a:prstGeom prst="rect">
             <a:avLst/>
@@ -6707,13 +6701,7 @@
               <a:rPr lang="en-US" dirty="0" smtClean="0">
                 <a:latin typeface="Bookman Old Style" pitchFamily="18" charset="0"/>
               </a:rPr>
-              <a:t>   </a:t>
-            </a:r>
-            <a:r>
-              <a:rPr lang="en-US" dirty="0" smtClean="0">
-                <a:latin typeface="Bookman Old Style" pitchFamily="18" charset="0"/>
-              </a:rPr>
-              <a:t>- Backtracking for the chromatic number</a:t>
+              <a:t>   - Backtracking for the chromatic number</a:t>
             </a:r>
           </a:p>
           <a:p>

--- a/pres3.pptx
+++ b/pres3.pptx
@@ -217,7 +217,7 @@
           <a:p>
             <a:fld id="{61C5533E-7C2F-4B7D-93ED-44A6B2C21C15}" type="datetimeFigureOut">
               <a:rPr lang="en-US" smtClean="0"/>
-              <a:t>1/18/19</a:t>
+              <a:t>1/23/19</a:t>
             </a:fld>
             <a:endParaRPr lang="en-US"/>
           </a:p>
@@ -620,7 +620,7 @@
             <a:fld id="{5B106E36-FD25-4E2D-B0AA-010F637433A0}" type="datetimeFigureOut">
               <a:rPr lang="ru-RU" smtClean="0"/>
               <a:pPr/>
-              <a:t>18.01.2019</a:t>
+              <a:t>23.01.2019</a:t>
             </a:fld>
             <a:endParaRPr lang="ru-RU"/>
           </a:p>
@@ -1491,7 +1491,7 @@
             <a:fld id="{5B106E36-FD25-4E2D-B0AA-010F637433A0}" type="datetimeFigureOut">
               <a:rPr lang="ru-RU" smtClean="0"/>
               <a:pPr/>
-              <a:t>18.01.2019</a:t>
+              <a:t>23.01.2019</a:t>
             </a:fld>
             <a:endParaRPr lang="ru-RU"/>
           </a:p>
@@ -1668,7 +1668,7 @@
             <a:fld id="{5B106E36-FD25-4E2D-B0AA-010F637433A0}" type="datetimeFigureOut">
               <a:rPr lang="ru-RU" smtClean="0"/>
               <a:pPr/>
-              <a:t>18.01.2019</a:t>
+              <a:t>23.01.2019</a:t>
             </a:fld>
             <a:endParaRPr lang="ru-RU"/>
           </a:p>
@@ -1840,7 +1840,7 @@
             <a:fld id="{5B106E36-FD25-4E2D-B0AA-010F637433A0}" type="datetimeFigureOut">
               <a:rPr lang="ru-RU" smtClean="0"/>
               <a:pPr/>
-              <a:t>18.01.2019</a:t>
+              <a:t>23.01.2019</a:t>
             </a:fld>
             <a:endParaRPr lang="ru-RU"/>
           </a:p>
@@ -2052,7 +2052,7 @@
             <a:fld id="{5B106E36-FD25-4E2D-B0AA-010F637433A0}" type="datetimeFigureOut">
               <a:rPr lang="ru-RU" smtClean="0"/>
               <a:pPr/>
-              <a:t>18.01.2019</a:t>
+              <a:t>23.01.2019</a:t>
             </a:fld>
             <a:endParaRPr lang="ru-RU"/>
           </a:p>
@@ -2868,7 +2868,7 @@
             <a:fld id="{5B106E36-FD25-4E2D-B0AA-010F637433A0}" type="datetimeFigureOut">
               <a:rPr lang="ru-RU" smtClean="0"/>
               <a:pPr/>
-              <a:t>18.01.2019</a:t>
+              <a:t>23.01.2019</a:t>
             </a:fld>
             <a:endParaRPr lang="ru-RU"/>
           </a:p>
@@ -3106,7 +3106,7 @@
             <a:fld id="{5B106E36-FD25-4E2D-B0AA-010F637433A0}" type="datetimeFigureOut">
               <a:rPr lang="ru-RU" smtClean="0"/>
               <a:pPr/>
-              <a:t>18.01.2019</a:t>
+              <a:t>23.01.2019</a:t>
             </a:fld>
             <a:endParaRPr lang="ru-RU"/>
           </a:p>
@@ -3431,7 +3431,7 @@
             <a:fld id="{5B106E36-FD25-4E2D-B0AA-010F637433A0}" type="datetimeFigureOut">
               <a:rPr lang="ru-RU" smtClean="0"/>
               <a:pPr/>
-              <a:t>18.01.2019</a:t>
+              <a:t>23.01.2019</a:t>
             </a:fld>
             <a:endParaRPr lang="ru-RU"/>
           </a:p>
@@ -3523,7 +3523,7 @@
             <a:fld id="{5B106E36-FD25-4E2D-B0AA-010F637433A0}" type="datetimeFigureOut">
               <a:rPr lang="ru-RU" smtClean="0"/>
               <a:pPr/>
-              <a:t>18.01.2019</a:t>
+              <a:t>23.01.2019</a:t>
             </a:fld>
             <a:endParaRPr lang="ru-RU"/>
           </a:p>
@@ -4042,7 +4042,7 @@
             <a:fld id="{5B106E36-FD25-4E2D-B0AA-010F637433A0}" type="datetimeFigureOut">
               <a:rPr lang="ru-RU" smtClean="0"/>
               <a:pPr/>
-              <a:t>18.01.2019</a:t>
+              <a:t>23.01.2019</a:t>
             </a:fld>
             <a:endParaRPr lang="ru-RU"/>
           </a:p>
@@ -4555,7 +4555,7 @@
             <a:fld id="{5B106E36-FD25-4E2D-B0AA-010F637433A0}" type="datetimeFigureOut">
               <a:rPr lang="ru-RU" smtClean="0"/>
               <a:pPr/>
-              <a:t>18.01.2019</a:t>
+              <a:t>23.01.2019</a:t>
             </a:fld>
             <a:endParaRPr lang="ru-RU"/>
           </a:p>
@@ -4802,7 +4802,7 @@
             <a:fld id="{5B106E36-FD25-4E2D-B0AA-010F637433A0}" type="datetimeFigureOut">
               <a:rPr lang="ru-RU" smtClean="0"/>
               <a:pPr/>
-              <a:t>18.01.2019</a:t>
+              <a:t>23.01.2019</a:t>
             </a:fld>
             <a:endParaRPr lang="ru-RU"/>
           </a:p>
@@ -5647,6 +5647,13 @@
   <p:clrMapOvr>
     <a:masterClrMapping/>
   </p:clrMapOvr>
+  <p:timing>
+    <p:tnLst>
+      <p:par>
+        <p:cTn id="1" dur="indefinite" restart="never" nodeType="tmRoot"/>
+      </p:par>
+    </p:tnLst>
+  </p:timing>
 </p:sld>
 </file>
 
@@ -5679,7 +5686,7 @@
         </p:nvSpPr>
         <p:spPr>
           <a:xfrm>
-            <a:off x="571472" y="285728"/>
+            <a:off x="457200" y="332656"/>
             <a:ext cx="7281890" cy="989034"/>
           </a:xfrm>
         </p:spPr>
@@ -5722,38 +5729,42 @@
           </a:bodyPr>
           <a:lstStyle/>
           <a:p>
-            <a:pPr algn="just">
+            <a:pPr marL="0" marR="0" lvl="0" indent="0" algn="just" defTabSz="914400" eaLnBrk="1" fontAlgn="auto" latinLnBrk="0" hangingPunct="1">
+              <a:lnSpc>
+                <a:spcPct val="100000"/>
+              </a:lnSpc>
+              <a:spcBef>
+                <a:spcPts val="0"/>
+              </a:spcBef>
+              <a:spcAft>
+                <a:spcPts val="0"/>
+              </a:spcAft>
+              <a:buClrTx/>
+              <a:buSzTx/>
               <a:buFont typeface="Courier New" pitchFamily="49" charset="0"/>
-              <a:buChar char="o"/>
-            </a:pPr>
-            <a:endParaRPr lang="en-US" sz="2800" dirty="0" smtClean="0">
-              <a:latin typeface="Bookman Old Style" pitchFamily="18" charset="0"/>
-            </a:endParaRPr>
-          </a:p>
-          <a:p>
-            <a:pPr algn="just">
-              <a:buFont typeface="Wingdings" pitchFamily="2" charset="2"/>
-              <a:buChar char="q"/>
+              <a:buNone/>
+              <a:tabLst/>
+              <a:defRPr/>
             </a:pPr>
             <a:r>
               <a:rPr lang="en-US" sz="2800" dirty="0" smtClean="0">
                 <a:latin typeface="Bookman Old Style" pitchFamily="18" charset="0"/>
               </a:rPr>
-              <a:t>Chapter 5 provides the </a:t>
-            </a:r>
-            <a:r>
-              <a:rPr lang="en-US" sz="2800" i="1" u="sng" dirty="0" smtClean="0">
+              <a:t>For special graphs such as: bipartite graphs, chordal graphs,   disconnected and non-</a:t>
+            </a:r>
+            <a:r>
+              <a:rPr lang="en-US" sz="2800" dirty="0" err="1" smtClean="0">
                 <a:latin typeface="Bookman Old Style" pitchFamily="18" charset="0"/>
               </a:rPr>
-              <a:t>Conclusions</a:t>
+              <a:t>biconnected</a:t>
             </a:r>
             <a:r>
               <a:rPr lang="en-US" sz="2800" dirty="0" smtClean="0">
                 <a:latin typeface="Bookman Old Style" pitchFamily="18" charset="0"/>
               </a:rPr>
-              <a:t> and a summary of our study.</a:t>
-            </a:r>
-            <a:endParaRPr lang="en-US" sz="2800" u="sng" dirty="0">
+              <a:t> graphs, the graph property tests do facilitate the chromatic number computation in terms of time consumed.</a:t>
+            </a:r>
+            <a:endParaRPr lang="en-US" sz="2800" dirty="0" smtClean="0">
               <a:latin typeface="Bookman Old Style" pitchFamily="18" charset="0"/>
             </a:endParaRPr>
           </a:p>
@@ -5764,6 +5775,13 @@
   <p:clrMapOvr>
     <a:masterClrMapping/>
   </p:clrMapOvr>
+  <p:timing>
+    <p:tnLst>
+      <p:par>
+        <p:cTn id="1" dur="indefinite" restart="never" nodeType="tmRoot"/>
+      </p:par>
+    </p:tnLst>
+  </p:timing>
 </p:sld>
 </file>
 
@@ -5810,7 +5828,7 @@
               <a:rPr lang="en-US" sz="3200" dirty="0" smtClean="0">
                 <a:latin typeface="Bookman Old Style" pitchFamily="18" charset="0"/>
               </a:rPr>
-              <a:t>Summary</a:t>
+              <a:t>Summary (to the end)</a:t>
             </a:r>
             <a:endParaRPr lang="en-US" sz="3200" dirty="0">
               <a:latin typeface="Bookman Old Style" pitchFamily="18" charset="0"/>
@@ -5871,6 +5889,13 @@
   <p:clrMapOvr>
     <a:masterClrMapping/>
   </p:clrMapOvr>
+  <p:timing>
+    <p:tnLst>
+      <p:par>
+        <p:cTn id="1" dur="indefinite" restart="never" nodeType="tmRoot"/>
+      </p:par>
+    </p:tnLst>
+  </p:timing>
 </p:sld>
 </file>
 
@@ -6001,20 +6026,17 @@
               <a:rPr lang="en-US" dirty="0" smtClean="0">
                 <a:latin typeface="Bookman Old Style" pitchFamily="18" charset="0"/>
               </a:rPr>
-              <a:t> components</a:t>
-            </a:r>
-          </a:p>
-          <a:p>
-            <a:pPr algn="just">
-              <a:buFont typeface="Wingdings" pitchFamily="2" charset="2"/>
-              <a:buChar char="Ø"/>
-            </a:pPr>
+              <a:t> </a:t>
+            </a:r>
             <a:r>
               <a:rPr lang="en-US" dirty="0" smtClean="0">
                 <a:latin typeface="Bookman Old Style" pitchFamily="18" charset="0"/>
               </a:rPr>
-              <a:t> </a:t>
-            </a:r>
+              <a:t>components</a:t>
+            </a:r>
+            <a:endParaRPr lang="en-US" dirty="0" smtClean="0">
+              <a:latin typeface="Bookman Old Style" pitchFamily="18" charset="0"/>
+            </a:endParaRPr>
           </a:p>
         </p:txBody>
       </p:sp>
@@ -6023,6 +6045,13 @@
   <p:clrMapOvr>
     <a:masterClrMapping/>
   </p:clrMapOvr>
+  <p:timing>
+    <p:tnLst>
+      <p:par>
+        <p:cTn id="1" dur="indefinite" restart="never" nodeType="tmRoot"/>
+      </p:par>
+    </p:tnLst>
+  </p:timing>
 </p:sld>
 </file>
 
@@ -6091,7 +6120,34 @@
           <a:p>
             <a:r>
               <a:rPr lang="en-US" dirty="0" smtClean="0"/>
-              <a:t>Special graphs = efficient chromatic number computation?</a:t>
+              <a:t>How to tighten the gap between the </a:t>
+            </a:r>
+            <a:r>
+              <a:rPr lang="en-US" dirty="0" err="1" smtClean="0"/>
+              <a:t>upperbound</a:t>
+            </a:r>
+            <a:r>
+              <a:rPr lang="en-US" dirty="0" smtClean="0"/>
+              <a:t> and the </a:t>
+            </a:r>
+            <a:r>
+              <a:rPr lang="en-US" dirty="0" err="1" smtClean="0"/>
+              <a:t>lowerbound</a:t>
+            </a:r>
+            <a:r>
+              <a:rPr lang="en-US" dirty="0" smtClean="0"/>
+              <a:t>?</a:t>
+            </a:r>
+            <a:endParaRPr lang="en-US" dirty="0" smtClean="0"/>
+          </a:p>
+          <a:p>
+            <a:r>
+              <a:rPr lang="en-US" dirty="0" smtClean="0"/>
+              <a:t>Special </a:t>
+            </a:r>
+            <a:r>
+              <a:rPr lang="en-US" dirty="0" smtClean="0"/>
+              <a:t>graphs = efficient chromatic number computation?</a:t>
             </a:r>
           </a:p>
           <a:p>
@@ -6107,53 +6163,6 @@
             <a:endParaRPr lang="en-US" dirty="0" smtClean="0"/>
           </a:p>
           <a:p>
-            <a:endParaRPr lang="en-US" dirty="0"/>
-          </a:p>
-        </p:txBody>
-      </p:sp>
-      <p:sp>
-        <p:nvSpPr>
-          <p:cNvPr id="5" name="Title 1"/>
-          <p:cNvSpPr txBox="1">
-            <a:spLocks/>
-          </p:cNvSpPr>
-          <p:nvPr/>
-        </p:nvSpPr>
-        <p:spPr>
-          <a:xfrm>
-            <a:off x="611560" y="1927104"/>
-            <a:ext cx="7467600" cy="1143000"/>
-          </a:xfrm>
-          <a:prstGeom prst="rect">
-            <a:avLst/>
-          </a:prstGeom>
-        </p:spPr>
-        <p:txBody>
-          <a:bodyPr vert="horz" anchor="b">
-            <a:normAutofit/>
-          </a:bodyPr>
-          <a:lstStyle>
-            <a:lvl1pPr algn="l" rtl="0" eaLnBrk="1" latinLnBrk="0" hangingPunct="1">
-              <a:spcBef>
-                <a:spcPct val="0"/>
-              </a:spcBef>
-              <a:buNone/>
-              <a:defRPr kumimoji="0" sz="3000" b="0" kern="1200" cap="small" baseline="0">
-                <a:solidFill>
-                  <a:schemeClr val="tx2"/>
-                </a:solidFill>
-                <a:latin typeface="+mj-lt"/>
-                <a:ea typeface="+mj-ea"/>
-                <a:cs typeface="+mj-cs"/>
-              </a:defRPr>
-            </a:lvl1pPr>
-          </a:lstStyle>
-          <a:p>
-            <a:pPr algn="ctr"/>
-            <a:r>
-              <a:rPr lang="en-US" dirty="0" smtClean="0"/>
-              <a:t>RESULTS</a:t>
-            </a:r>
             <a:endParaRPr lang="en-US" dirty="0"/>
           </a:p>
         </p:txBody>
@@ -6581,36 +6590,6 @@
           </a:p>
         </p:txBody>
       </p:sp>
-      <p:pic>
-        <p:nvPicPr>
-          <p:cNvPr id="4" name="Picture 3"/>
-          <p:cNvPicPr>
-            <a:picLocks noChangeAspect="1"/>
-          </p:cNvPicPr>
-          <p:nvPr/>
-        </p:nvPicPr>
-        <p:blipFill>
-          <a:blip r:embed="rId2">
-            <a:extLst>
-              <a:ext uri="{28A0092B-C50C-407E-A947-70E740481C1C}">
-                <a14:useLocalDpi xmlns:a14="http://schemas.microsoft.com/office/drawing/2010/main" val="0"/>
-              </a:ext>
-            </a:extLst>
-          </a:blip>
-          <a:stretch>
-            <a:fillRect/>
-          </a:stretch>
-        </p:blipFill>
-        <p:spPr>
-          <a:xfrm>
-            <a:off x="611560" y="3108407"/>
-            <a:ext cx="7378080" cy="3260655"/>
-          </a:xfrm>
-          <a:prstGeom prst="rect">
-            <a:avLst/>
-          </a:prstGeom>
-        </p:spPr>
-      </p:pic>
     </p:spTree>
     <p:extLst>
       <p:ext uri="{BB962C8B-B14F-4D97-AF65-F5344CB8AC3E}">
@@ -6621,6 +6600,13 @@
   <p:clrMapOvr>
     <a:masterClrMapping/>
   </p:clrMapOvr>
+  <p:timing>
+    <p:tnLst>
+      <p:par>
+        <p:cTn id="1" dur="indefinite" restart="never" nodeType="tmRoot"/>
+      </p:par>
+    </p:tnLst>
+  </p:timing>
 </p:sld>
 </file>
 
@@ -6739,6 +6725,13 @@
   <p:clrMapOvr>
     <a:masterClrMapping/>
   </p:clrMapOvr>
+  <p:timing>
+    <p:tnLst>
+      <p:par>
+        <p:cTn id="1" dur="indefinite" restart="never" nodeType="tmRoot"/>
+      </p:par>
+    </p:tnLst>
+  </p:timing>
 </p:sld>
 </file>
 
@@ -6833,6 +6826,13 @@
   <p:clrMapOvr>
     <a:masterClrMapping/>
   </p:clrMapOvr>
+  <p:timing>
+    <p:tnLst>
+      <p:par>
+        <p:cTn id="1" dur="indefinite" restart="never" nodeType="tmRoot"/>
+      </p:par>
+    </p:tnLst>
+  </p:timing>
 </p:sld>
 </file>
 
@@ -6935,6 +6935,13 @@
   <p:clrMapOvr>
     <a:masterClrMapping/>
   </p:clrMapOvr>
+  <p:timing>
+    <p:tnLst>
+      <p:par>
+        <p:cTn id="1" dur="indefinite" restart="never" nodeType="tmRoot"/>
+      </p:par>
+    </p:tnLst>
+  </p:timing>
 </p:sld>
 </file>
 
@@ -7044,7 +7051,34 @@
               <a:rPr lang="en-US" dirty="0" smtClean="0">
                 <a:latin typeface="Bookman Old Style" pitchFamily="18" charset="0"/>
               </a:rPr>
-              <a:t>2. Running the algorithms after applying all the graph property tests.</a:t>
+              <a:t>2. Running the algorithms after applying all the graph property tests</a:t>
+            </a:r>
+            <a:r>
+              <a:rPr lang="en-US" dirty="0" smtClean="0">
+                <a:latin typeface="Bookman Old Style" pitchFamily="18" charset="0"/>
+              </a:rPr>
+              <a:t>.</a:t>
+            </a:r>
+          </a:p>
+          <a:p>
+            <a:pPr algn="just">
+              <a:buFont typeface="Wingdings" pitchFamily="2" charset="2"/>
+              <a:buChar char="§"/>
+            </a:pPr>
+            <a:endParaRPr lang="en-US" dirty="0">
+              <a:latin typeface="Bookman Old Style" pitchFamily="18" charset="0"/>
+            </a:endParaRPr>
+          </a:p>
+          <a:p>
+            <a:pPr algn="just">
+              <a:buFont typeface="Wingdings" pitchFamily="2" charset="2"/>
+              <a:buChar char="§"/>
+            </a:pPr>
+            <a:r>
+              <a:rPr lang="en-US" dirty="0" smtClean="0">
+                <a:latin typeface="Bookman Old Style" pitchFamily="18" charset="0"/>
+              </a:rPr>
+              <a:t>3. Tested graphs: Steven’s graphs for phase 1 and phase 3</a:t>
             </a:r>
             <a:endParaRPr lang="en-US" dirty="0">
               <a:latin typeface="Bookman Old Style" pitchFamily="18" charset="0"/>
@@ -7057,6 +7091,13 @@
   <p:clrMapOvr>
     <a:masterClrMapping/>
   </p:clrMapOvr>
+  <p:timing>
+    <p:tnLst>
+      <p:par>
+        <p:cTn id="1" dur="indefinite" restart="never" nodeType="tmRoot"/>
+      </p:par>
+    </p:tnLst>
+  </p:timing>
 </p:sld>
 </file>
 
@@ -7110,64 +7151,3962 @@
           </a:p>
         </p:txBody>
       </p:sp>
-      <p:sp>
-        <p:nvSpPr>
-          <p:cNvPr id="3" name="Содержимое 2"/>
-          <p:cNvSpPr>
-            <a:spLocks noGrp="1"/>
-          </p:cNvSpPr>
+      <p:graphicFrame>
+        <p:nvGraphicFramePr>
+          <p:cNvPr id="6" name="Table 5"/>
+          <p:cNvGraphicFramePr>
+            <a:graphicFrameLocks noGrp="1"/>
+          </p:cNvGraphicFramePr>
           <p:nvPr>
-            <p:ph sz="quarter" idx="1"/>
+            <p:extLst>
+              <p:ext uri="{D42A27DB-BD31-4B8C-83A1-F6EECF244321}">
+                <p14:modId xmlns:p14="http://schemas.microsoft.com/office/powerpoint/2010/main" val="541907446"/>
+              </p:ext>
+            </p:extLst>
           </p:nvPr>
-        </p:nvSpPr>
-        <p:spPr>
-          <a:xfrm>
-            <a:off x="457200" y="1600200"/>
-            <a:ext cx="7901014" cy="4873752"/>
-          </a:xfrm>
-        </p:spPr>
-        <p:txBody>
-          <a:bodyPr>
-            <a:normAutofit/>
-          </a:bodyPr>
-          <a:lstStyle/>
-          <a:p>
-            <a:pPr algn="just"/>
-            <a:endParaRPr lang="en-US" sz="2800" dirty="0" smtClean="0">
-              <a:latin typeface="Bookman Old Style" pitchFamily="18" charset="0"/>
-            </a:endParaRPr>
-          </a:p>
-          <a:p>
-            <a:pPr algn="just"/>
-            <a:r>
-              <a:rPr lang="en-US" sz="2800" dirty="0" smtClean="0">
-                <a:latin typeface="Bookman Old Style" pitchFamily="18" charset="0"/>
-              </a:rPr>
-              <a:t>Chapter 4 involves the </a:t>
-            </a:r>
-            <a:r>
-              <a:rPr lang="en-US" sz="2800" i="1" u="sng" dirty="0" smtClean="0">
-                <a:latin typeface="Bookman Old Style" pitchFamily="18" charset="0"/>
-              </a:rPr>
-              <a:t>Results</a:t>
-            </a:r>
-            <a:r>
-              <a:rPr lang="en-US" sz="2800" dirty="0" smtClean="0">
-                <a:latin typeface="Bookman Old Style" pitchFamily="18" charset="0"/>
-              </a:rPr>
-              <a:t> of all the experiments described in Chapter 3.</a:t>
-            </a:r>
-            <a:endParaRPr lang="en-US" sz="2800" dirty="0">
-              <a:latin typeface="Bookman Old Style" pitchFamily="18" charset="0"/>
-            </a:endParaRPr>
-          </a:p>
-        </p:txBody>
-      </p:sp>
+        </p:nvGraphicFramePr>
+        <p:xfrm>
+          <a:off x="827584" y="1727200"/>
+          <a:ext cx="7478216" cy="3433010"/>
+        </p:xfrm>
+        <a:graphic>
+          <a:graphicData uri="http://schemas.openxmlformats.org/drawingml/2006/table">
+            <a:tbl>
+              <a:tblPr>
+                <a:tableStyleId>{5C22544A-7EE6-4342-B048-85BDC9FD1C3A}</a:tableStyleId>
+              </a:tblPr>
+              <a:tblGrid>
+                <a:gridCol w="508456"/>
+                <a:gridCol w="1288527"/>
+                <a:gridCol w="497840"/>
+                <a:gridCol w="944432"/>
+                <a:gridCol w="1076213"/>
+                <a:gridCol w="1076213"/>
+                <a:gridCol w="966395"/>
+                <a:gridCol w="1120140"/>
+              </a:tblGrid>
+              <a:tr h="156185">
+                <a:tc>
+                  <a:txBody>
+                    <a:bodyPr/>
+                    <a:lstStyle/>
+                    <a:p>
+                      <a:pPr algn="ctr" fontAlgn="ctr"/>
+                      <a:r>
+                        <a:rPr lang="en-US" sz="900" u="none" strike="noStrike">
+                          <a:effectLst/>
+                        </a:rPr>
+                        <a:t>Graph</a:t>
+                      </a:r>
+                      <a:endParaRPr lang="en-US" sz="900" b="0" i="0" u="none" strike="noStrike">
+                        <a:solidFill>
+                          <a:srgbClr val="000000"/>
+                        </a:solidFill>
+                        <a:effectLst/>
+                        <a:latin typeface="Calibri" charset="0"/>
+                      </a:endParaRPr>
+                    </a:p>
+                  </a:txBody>
+                  <a:tcPr marL="4881" marR="4881" marT="4881" marB="0" anchor="ctr"/>
+                </a:tc>
+                <a:tc>
+                  <a:txBody>
+                    <a:bodyPr/>
+                    <a:lstStyle/>
+                    <a:p>
+                      <a:pPr algn="ctr" fontAlgn="ctr"/>
+                      <a:r>
+                        <a:rPr lang="en-US" sz="900" u="none" strike="noStrike">
+                          <a:effectLst/>
+                        </a:rPr>
+                        <a:t>V</a:t>
+                      </a:r>
+                      <a:endParaRPr lang="en-US" sz="900" b="0" i="0" u="none" strike="noStrike">
+                        <a:solidFill>
+                          <a:srgbClr val="000000"/>
+                        </a:solidFill>
+                        <a:effectLst/>
+                        <a:latin typeface="Calibri" charset="0"/>
+                      </a:endParaRPr>
+                    </a:p>
+                  </a:txBody>
+                  <a:tcPr marL="4881" marR="4881" marT="4881" marB="0" anchor="ctr"/>
+                </a:tc>
+                <a:tc>
+                  <a:txBody>
+                    <a:bodyPr/>
+                    <a:lstStyle/>
+                    <a:p>
+                      <a:pPr algn="ctr" fontAlgn="ctr"/>
+                      <a:r>
+                        <a:rPr lang="en-US" sz="900" u="none" strike="noStrike">
+                          <a:effectLst/>
+                        </a:rPr>
+                        <a:t>E</a:t>
+                      </a:r>
+                      <a:endParaRPr lang="en-US" sz="900" b="0" i="0" u="none" strike="noStrike">
+                        <a:solidFill>
+                          <a:srgbClr val="000000"/>
+                        </a:solidFill>
+                        <a:effectLst/>
+                        <a:latin typeface="Calibri" charset="0"/>
+                      </a:endParaRPr>
+                    </a:p>
+                  </a:txBody>
+                  <a:tcPr marL="4881" marR="4881" marT="4881" marB="0" anchor="ctr"/>
+                </a:tc>
+                <a:tc>
+                  <a:txBody>
+                    <a:bodyPr/>
+                    <a:lstStyle/>
+                    <a:p>
+                      <a:pPr algn="ctr" fontAlgn="ctr"/>
+                      <a:r>
+                        <a:rPr lang="en-US" sz="900" u="none" strike="noStrike">
+                          <a:effectLst/>
+                        </a:rPr>
+                        <a:t>Upper Bound RLF</a:t>
+                      </a:r>
+                      <a:endParaRPr lang="en-US" sz="900" b="0" i="0" u="none" strike="noStrike">
+                        <a:solidFill>
+                          <a:srgbClr val="000000"/>
+                        </a:solidFill>
+                        <a:effectLst/>
+                        <a:latin typeface="Calibri" charset="0"/>
+                      </a:endParaRPr>
+                    </a:p>
+                  </a:txBody>
+                  <a:tcPr marL="4881" marR="4881" marT="4881" marB="0" anchor="ctr"/>
+                </a:tc>
+                <a:tc>
+                  <a:txBody>
+                    <a:bodyPr/>
+                    <a:lstStyle/>
+                    <a:p>
+                      <a:pPr algn="ctr" fontAlgn="ctr"/>
+                      <a:r>
+                        <a:rPr lang="en-US" sz="900" u="none" strike="noStrike">
+                          <a:effectLst/>
+                        </a:rPr>
+                        <a:t>Upper Bound WP</a:t>
+                      </a:r>
+                      <a:endParaRPr lang="en-US" sz="900" b="0" i="0" u="none" strike="noStrike">
+                        <a:solidFill>
+                          <a:srgbClr val="000000"/>
+                        </a:solidFill>
+                        <a:effectLst/>
+                        <a:latin typeface="Calibri" charset="0"/>
+                      </a:endParaRPr>
+                    </a:p>
+                  </a:txBody>
+                  <a:tcPr marL="4881" marR="4881" marT="4881" marB="0" anchor="ctr"/>
+                </a:tc>
+                <a:tc>
+                  <a:txBody>
+                    <a:bodyPr/>
+                    <a:lstStyle/>
+                    <a:p>
+                      <a:pPr algn="ctr" fontAlgn="ctr"/>
+                      <a:r>
+                        <a:rPr lang="en-US" sz="900" u="none" strike="noStrike">
+                          <a:effectLst/>
+                        </a:rPr>
+                        <a:t>Upperbound Greedy</a:t>
+                      </a:r>
+                      <a:endParaRPr lang="en-US" sz="900" b="0" i="0" u="none" strike="noStrike">
+                        <a:solidFill>
+                          <a:srgbClr val="000000"/>
+                        </a:solidFill>
+                        <a:effectLst/>
+                        <a:latin typeface="Calibri" charset="0"/>
+                      </a:endParaRPr>
+                    </a:p>
+                  </a:txBody>
+                  <a:tcPr marL="4881" marR="4881" marT="4881" marB="0" anchor="ctr"/>
+                </a:tc>
+                <a:tc>
+                  <a:txBody>
+                    <a:bodyPr/>
+                    <a:lstStyle/>
+                    <a:p>
+                      <a:pPr algn="ctr" fontAlgn="ctr"/>
+                      <a:r>
+                        <a:rPr lang="en-US" sz="900" u="none" strike="noStrike">
+                          <a:effectLst/>
+                        </a:rPr>
+                        <a:t>Lower Bound</a:t>
+                      </a:r>
+                      <a:endParaRPr lang="en-US" sz="900" b="0" i="0" u="none" strike="noStrike">
+                        <a:solidFill>
+                          <a:srgbClr val="000000"/>
+                        </a:solidFill>
+                        <a:effectLst/>
+                        <a:latin typeface="Calibri" charset="0"/>
+                      </a:endParaRPr>
+                    </a:p>
+                  </a:txBody>
+                  <a:tcPr marL="4881" marR="4881" marT="4881" marB="0" anchor="ctr"/>
+                </a:tc>
+                <a:tc>
+                  <a:txBody>
+                    <a:bodyPr/>
+                    <a:lstStyle/>
+                    <a:p>
+                      <a:pPr algn="ctr" fontAlgn="ctr"/>
+                      <a:r>
+                        <a:rPr lang="en-US" sz="900" u="none" strike="noStrike">
+                          <a:effectLst/>
+                        </a:rPr>
+                        <a:t>Chromatic number</a:t>
+                      </a:r>
+                      <a:endParaRPr lang="en-US" sz="900" b="0" i="0" u="none" strike="noStrike">
+                        <a:solidFill>
+                          <a:srgbClr val="000000"/>
+                        </a:solidFill>
+                        <a:effectLst/>
+                        <a:latin typeface="Calibri" charset="0"/>
+                      </a:endParaRPr>
+                    </a:p>
+                  </a:txBody>
+                  <a:tcPr marL="4881" marR="4881" marT="4881" marB="0" anchor="ctr"/>
+                </a:tc>
+              </a:tr>
+              <a:tr h="156185">
+                <a:tc>
+                  <a:txBody>
+                    <a:bodyPr/>
+                    <a:lstStyle/>
+                    <a:p>
+                      <a:pPr algn="ctr" fontAlgn="ctr"/>
+                      <a:r>
+                        <a:rPr lang="en-US" sz="900" u="none" strike="noStrike">
+                          <a:effectLst/>
+                        </a:rPr>
+                        <a:t>1</a:t>
+                      </a:r>
+                      <a:endParaRPr lang="en-US" sz="900" b="0" i="0" u="none" strike="noStrike">
+                        <a:solidFill>
+                          <a:srgbClr val="000000"/>
+                        </a:solidFill>
+                        <a:effectLst/>
+                        <a:latin typeface="Calibri" charset="0"/>
+                      </a:endParaRPr>
+                    </a:p>
+                  </a:txBody>
+                  <a:tcPr marL="4881" marR="4881" marT="4881" marB="0" anchor="ctr"/>
+                </a:tc>
+                <a:tc>
+                  <a:txBody>
+                    <a:bodyPr/>
+                    <a:lstStyle/>
+                    <a:p>
+                      <a:pPr algn="ctr" fontAlgn="ctr"/>
+                      <a:r>
+                        <a:rPr lang="is-IS" sz="900" u="none" strike="noStrike">
+                          <a:effectLst/>
+                        </a:rPr>
+                        <a:t>212</a:t>
+                      </a:r>
+                      <a:endParaRPr lang="is-IS" sz="900" b="0" i="0" u="none" strike="noStrike">
+                        <a:solidFill>
+                          <a:srgbClr val="000000"/>
+                        </a:solidFill>
+                        <a:effectLst/>
+                        <a:latin typeface="Calibri" charset="0"/>
+                      </a:endParaRPr>
+                    </a:p>
+                  </a:txBody>
+                  <a:tcPr marL="4881" marR="4881" marT="4881" marB="0" anchor="ctr"/>
+                </a:tc>
+                <a:tc>
+                  <a:txBody>
+                    <a:bodyPr/>
+                    <a:lstStyle/>
+                    <a:p>
+                      <a:pPr algn="ctr" fontAlgn="ctr"/>
+                      <a:r>
+                        <a:rPr lang="is-IS" sz="900" u="none" strike="noStrike">
+                          <a:effectLst/>
+                        </a:rPr>
+                        <a:t>252</a:t>
+                      </a:r>
+                      <a:endParaRPr lang="is-IS" sz="900" b="0" i="0" u="none" strike="noStrike">
+                        <a:solidFill>
+                          <a:srgbClr val="000000"/>
+                        </a:solidFill>
+                        <a:effectLst/>
+                        <a:latin typeface="Calibri" charset="0"/>
+                      </a:endParaRPr>
+                    </a:p>
+                  </a:txBody>
+                  <a:tcPr marL="4881" marR="4881" marT="4881" marB="0" anchor="ctr"/>
+                </a:tc>
+                <a:tc>
+                  <a:txBody>
+                    <a:bodyPr/>
+                    <a:lstStyle/>
+                    <a:p>
+                      <a:pPr algn="ctr" fontAlgn="ctr"/>
+                      <a:r>
+                        <a:rPr lang="en-US" sz="900" u="none" strike="noStrike">
+                          <a:effectLst/>
+                        </a:rPr>
+                        <a:t>5</a:t>
+                      </a:r>
+                      <a:endParaRPr lang="en-US" sz="900" b="0" i="0" u="none" strike="noStrike">
+                        <a:solidFill>
+                          <a:srgbClr val="000000"/>
+                        </a:solidFill>
+                        <a:effectLst/>
+                        <a:latin typeface="Calibri" charset="0"/>
+                      </a:endParaRPr>
+                    </a:p>
+                  </a:txBody>
+                  <a:tcPr marL="4881" marR="4881" marT="4881" marB="0" anchor="ctr"/>
+                </a:tc>
+                <a:tc>
+                  <a:txBody>
+                    <a:bodyPr/>
+                    <a:lstStyle/>
+                    <a:p>
+                      <a:pPr algn="ctr" fontAlgn="ctr"/>
+                      <a:r>
+                        <a:rPr lang="en-US" sz="900" u="none" strike="noStrike">
+                          <a:effectLst/>
+                        </a:rPr>
+                        <a:t>3</a:t>
+                      </a:r>
+                      <a:endParaRPr lang="en-US" sz="900" b="0" i="0" u="none" strike="noStrike">
+                        <a:solidFill>
+                          <a:srgbClr val="000000"/>
+                        </a:solidFill>
+                        <a:effectLst/>
+                        <a:latin typeface="Calibri" charset="0"/>
+                      </a:endParaRPr>
+                    </a:p>
+                  </a:txBody>
+                  <a:tcPr marL="4881" marR="4881" marT="4881" marB="0" anchor="ctr"/>
+                </a:tc>
+                <a:tc>
+                  <a:txBody>
+                    <a:bodyPr/>
+                    <a:lstStyle/>
+                    <a:p>
+                      <a:pPr algn="ctr" fontAlgn="ctr"/>
+                      <a:r>
+                        <a:rPr lang="en-US" sz="900" u="none" strike="noStrike">
+                          <a:effectLst/>
+                        </a:rPr>
+                        <a:t>3</a:t>
+                      </a:r>
+                      <a:endParaRPr lang="en-US" sz="900" b="0" i="0" u="none" strike="noStrike">
+                        <a:solidFill>
+                          <a:srgbClr val="000000"/>
+                        </a:solidFill>
+                        <a:effectLst/>
+                        <a:latin typeface="Calibri" charset="0"/>
+                      </a:endParaRPr>
+                    </a:p>
+                  </a:txBody>
+                  <a:tcPr marL="4881" marR="4881" marT="4881" marB="0" anchor="ctr"/>
+                </a:tc>
+                <a:tc>
+                  <a:txBody>
+                    <a:bodyPr/>
+                    <a:lstStyle/>
+                    <a:p>
+                      <a:pPr algn="ctr" fontAlgn="ctr"/>
+                      <a:r>
+                        <a:rPr lang="en-US" sz="900" u="none" strike="noStrike">
+                          <a:effectLst/>
+                        </a:rPr>
+                        <a:t>3</a:t>
+                      </a:r>
+                      <a:endParaRPr lang="en-US" sz="900" b="0" i="0" u="none" strike="noStrike">
+                        <a:solidFill>
+                          <a:srgbClr val="000000"/>
+                        </a:solidFill>
+                        <a:effectLst/>
+                        <a:latin typeface="Calibri" charset="0"/>
+                      </a:endParaRPr>
+                    </a:p>
+                  </a:txBody>
+                  <a:tcPr marL="4881" marR="4881" marT="4881" marB="0" anchor="ctr"/>
+                </a:tc>
+                <a:tc>
+                  <a:txBody>
+                    <a:bodyPr/>
+                    <a:lstStyle/>
+                    <a:p>
+                      <a:pPr algn="ctr" fontAlgn="ctr"/>
+                      <a:r>
+                        <a:rPr lang="en-US" sz="900" u="none" strike="noStrike">
+                          <a:effectLst/>
+                        </a:rPr>
+                        <a:t>3</a:t>
+                      </a:r>
+                      <a:endParaRPr lang="en-US" sz="900" b="0" i="0" u="none" strike="noStrike">
+                        <a:solidFill>
+                          <a:srgbClr val="000000"/>
+                        </a:solidFill>
+                        <a:effectLst/>
+                        <a:latin typeface="Calibri" charset="0"/>
+                      </a:endParaRPr>
+                    </a:p>
+                  </a:txBody>
+                  <a:tcPr marL="4881" marR="4881" marT="4881" marB="0" anchor="ctr"/>
+                </a:tc>
+              </a:tr>
+              <a:tr h="186294">
+                <a:tc>
+                  <a:txBody>
+                    <a:bodyPr/>
+                    <a:lstStyle/>
+                    <a:p>
+                      <a:pPr algn="ctr" fontAlgn="ctr"/>
+                      <a:r>
+                        <a:rPr lang="is-IS" sz="900" u="none" strike="noStrike">
+                          <a:effectLst/>
+                        </a:rPr>
+                        <a:t>2</a:t>
+                      </a:r>
+                      <a:endParaRPr lang="is-IS" sz="900" b="0" i="0" u="none" strike="noStrike">
+                        <a:solidFill>
+                          <a:srgbClr val="000000"/>
+                        </a:solidFill>
+                        <a:effectLst/>
+                        <a:latin typeface="Calibri" charset="0"/>
+                      </a:endParaRPr>
+                    </a:p>
+                  </a:txBody>
+                  <a:tcPr marL="4881" marR="4881" marT="4881" marB="0" anchor="ctr"/>
+                </a:tc>
+                <a:tc>
+                  <a:txBody>
+                    <a:bodyPr/>
+                    <a:lstStyle/>
+                    <a:p>
+                      <a:pPr algn="ctr" fontAlgn="ctr"/>
+                      <a:r>
+                        <a:rPr lang="en-US" sz="900" u="none" strike="noStrike">
+                          <a:effectLst/>
+                        </a:rPr>
+                        <a:t>456</a:t>
+                      </a:r>
+                      <a:endParaRPr lang="en-US" sz="900" b="0" i="0" u="none" strike="noStrike">
+                        <a:solidFill>
+                          <a:srgbClr val="000000"/>
+                        </a:solidFill>
+                        <a:effectLst/>
+                        <a:latin typeface="Calibri" charset="0"/>
+                      </a:endParaRPr>
+                    </a:p>
+                  </a:txBody>
+                  <a:tcPr marL="4881" marR="4881" marT="4881" marB="0" anchor="ctr"/>
+                </a:tc>
+                <a:tc>
+                  <a:txBody>
+                    <a:bodyPr/>
+                    <a:lstStyle/>
+                    <a:p>
+                      <a:pPr algn="ctr" fontAlgn="ctr"/>
+                      <a:r>
+                        <a:rPr lang="fi-FI" sz="900" u="none" strike="noStrike">
+                          <a:effectLst/>
+                        </a:rPr>
+                        <a:t>1028</a:t>
+                      </a:r>
+                      <a:endParaRPr lang="fi-FI" sz="900" b="0" i="0" u="none" strike="noStrike">
+                        <a:solidFill>
+                          <a:srgbClr val="000000"/>
+                        </a:solidFill>
+                        <a:effectLst/>
+                        <a:latin typeface="Calibri" charset="0"/>
+                      </a:endParaRPr>
+                    </a:p>
+                  </a:txBody>
+                  <a:tcPr marL="4881" marR="4881" marT="4881" marB="0" anchor="ctr"/>
+                </a:tc>
+                <a:tc>
+                  <a:txBody>
+                    <a:bodyPr/>
+                    <a:lstStyle/>
+                    <a:p>
+                      <a:pPr algn="ctr" fontAlgn="ctr"/>
+                      <a:r>
+                        <a:rPr lang="en-US" sz="900" u="none" strike="noStrike">
+                          <a:effectLst/>
+                        </a:rPr>
+                        <a:t>6</a:t>
+                      </a:r>
+                      <a:endParaRPr lang="en-US" sz="900" b="0" i="0" u="none" strike="noStrike">
+                        <a:solidFill>
+                          <a:srgbClr val="000000"/>
+                        </a:solidFill>
+                        <a:effectLst/>
+                        <a:latin typeface="Calibri" charset="0"/>
+                      </a:endParaRPr>
+                    </a:p>
+                  </a:txBody>
+                  <a:tcPr marL="4881" marR="4881" marT="4881" marB="0" anchor="ctr"/>
+                </a:tc>
+                <a:tc>
+                  <a:txBody>
+                    <a:bodyPr/>
+                    <a:lstStyle/>
+                    <a:p>
+                      <a:pPr algn="ctr" fontAlgn="ctr"/>
+                      <a:r>
+                        <a:rPr lang="en-US" sz="900" u="none" strike="noStrike">
+                          <a:effectLst/>
+                        </a:rPr>
+                        <a:t>5</a:t>
+                      </a:r>
+                      <a:endParaRPr lang="en-US" sz="900" b="0" i="0" u="none" strike="noStrike">
+                        <a:solidFill>
+                          <a:srgbClr val="000000"/>
+                        </a:solidFill>
+                        <a:effectLst/>
+                        <a:latin typeface="Calibri" charset="0"/>
+                      </a:endParaRPr>
+                    </a:p>
+                  </a:txBody>
+                  <a:tcPr marL="4881" marR="4881" marT="4881" marB="0" anchor="ctr"/>
+                </a:tc>
+                <a:tc>
+                  <a:txBody>
+                    <a:bodyPr/>
+                    <a:lstStyle/>
+                    <a:p>
+                      <a:pPr algn="ctr" fontAlgn="ctr"/>
+                      <a:r>
+                        <a:rPr lang="en-US" sz="900" u="none" strike="noStrike">
+                          <a:effectLst/>
+                        </a:rPr>
+                        <a:t>5</a:t>
+                      </a:r>
+                      <a:endParaRPr lang="en-US" sz="900" b="0" i="0" u="none" strike="noStrike">
+                        <a:solidFill>
+                          <a:srgbClr val="000000"/>
+                        </a:solidFill>
+                        <a:effectLst/>
+                        <a:latin typeface="Calibri" charset="0"/>
+                      </a:endParaRPr>
+                    </a:p>
+                  </a:txBody>
+                  <a:tcPr marL="4881" marR="4881" marT="4881" marB="0" anchor="ctr"/>
+                </a:tc>
+                <a:tc>
+                  <a:txBody>
+                    <a:bodyPr/>
+                    <a:lstStyle/>
+                    <a:p>
+                      <a:pPr algn="ctr" fontAlgn="ctr"/>
+                      <a:r>
+                        <a:rPr lang="en-US" sz="900" u="none" strike="noStrike">
+                          <a:effectLst/>
+                        </a:rPr>
+                        <a:t>3</a:t>
+                      </a:r>
+                      <a:endParaRPr lang="en-US" sz="900" b="0" i="0" u="none" strike="noStrike">
+                        <a:solidFill>
+                          <a:srgbClr val="000000"/>
+                        </a:solidFill>
+                        <a:effectLst/>
+                        <a:latin typeface="Calibri" charset="0"/>
+                      </a:endParaRPr>
+                    </a:p>
+                  </a:txBody>
+                  <a:tcPr marL="4881" marR="4881" marT="4881" marB="0" anchor="ctr"/>
+                </a:tc>
+                <a:tc>
+                  <a:txBody>
+                    <a:bodyPr/>
+                    <a:lstStyle/>
+                    <a:p>
+                      <a:pPr algn="ctr" fontAlgn="ctr"/>
+                      <a:r>
+                        <a:rPr lang="mr-IN" sz="900" u="none" strike="noStrike">
+                          <a:effectLst/>
+                        </a:rPr>
+                        <a:t>[3,5]</a:t>
+                      </a:r>
+                      <a:endParaRPr lang="mr-IN" sz="900" b="0" i="0" u="none" strike="noStrike">
+                        <a:solidFill>
+                          <a:srgbClr val="000000"/>
+                        </a:solidFill>
+                        <a:effectLst/>
+                        <a:latin typeface="Calibri" charset="0"/>
+                      </a:endParaRPr>
+                    </a:p>
+                  </a:txBody>
+                  <a:tcPr marL="4881" marR="4881" marT="4881" marB="0" anchor="ctr"/>
+                </a:tc>
+              </a:tr>
+              <a:tr h="156185">
+                <a:tc>
+                  <a:txBody>
+                    <a:bodyPr/>
+                    <a:lstStyle/>
+                    <a:p>
+                      <a:pPr algn="ctr" fontAlgn="ctr"/>
+                      <a:r>
+                        <a:rPr lang="en-US" sz="900" u="none" strike="noStrike">
+                          <a:effectLst/>
+                        </a:rPr>
+                        <a:t>3</a:t>
+                      </a:r>
+                      <a:endParaRPr lang="en-US" sz="900" b="0" i="0" u="none" strike="noStrike">
+                        <a:solidFill>
+                          <a:srgbClr val="000000"/>
+                        </a:solidFill>
+                        <a:effectLst/>
+                        <a:latin typeface="Calibri" charset="0"/>
+                      </a:endParaRPr>
+                    </a:p>
+                  </a:txBody>
+                  <a:tcPr marL="4881" marR="4881" marT="4881" marB="0" anchor="ctr"/>
+                </a:tc>
+                <a:tc>
+                  <a:txBody>
+                    <a:bodyPr/>
+                    <a:lstStyle/>
+                    <a:p>
+                      <a:pPr algn="ctr" fontAlgn="ctr"/>
+                      <a:r>
+                        <a:rPr lang="is-IS" sz="900" u="none" strike="noStrike">
+                          <a:effectLst/>
+                        </a:rPr>
+                        <a:t>218</a:t>
+                      </a:r>
+                      <a:endParaRPr lang="is-IS" sz="900" b="0" i="0" u="none" strike="noStrike">
+                        <a:solidFill>
+                          <a:srgbClr val="000000"/>
+                        </a:solidFill>
+                        <a:effectLst/>
+                        <a:latin typeface="Calibri" charset="0"/>
+                      </a:endParaRPr>
+                    </a:p>
+                  </a:txBody>
+                  <a:tcPr marL="4881" marR="4881" marT="4881" marB="0" anchor="ctr"/>
+                </a:tc>
+                <a:tc>
+                  <a:txBody>
+                    <a:bodyPr/>
+                    <a:lstStyle/>
+                    <a:p>
+                      <a:pPr algn="ctr" fontAlgn="ctr"/>
+                      <a:r>
+                        <a:rPr lang="is-IS" sz="900" u="none" strike="noStrike">
+                          <a:effectLst/>
+                        </a:rPr>
+                        <a:t>1267</a:t>
+                      </a:r>
+                      <a:endParaRPr lang="is-IS" sz="900" b="0" i="0" u="none" strike="noStrike">
+                        <a:solidFill>
+                          <a:srgbClr val="000000"/>
+                        </a:solidFill>
+                        <a:effectLst/>
+                        <a:latin typeface="Calibri" charset="0"/>
+                      </a:endParaRPr>
+                    </a:p>
+                  </a:txBody>
+                  <a:tcPr marL="4881" marR="4881" marT="4881" marB="0" anchor="ctr"/>
+                </a:tc>
+                <a:tc>
+                  <a:txBody>
+                    <a:bodyPr/>
+                    <a:lstStyle/>
+                    <a:p>
+                      <a:pPr algn="ctr" fontAlgn="ctr"/>
+                      <a:r>
+                        <a:rPr lang="en-US" sz="900" u="none" strike="noStrike">
+                          <a:effectLst/>
+                        </a:rPr>
+                        <a:t>10</a:t>
+                      </a:r>
+                      <a:endParaRPr lang="en-US" sz="900" b="0" i="0" u="none" strike="noStrike">
+                        <a:solidFill>
+                          <a:srgbClr val="000000"/>
+                        </a:solidFill>
+                        <a:effectLst/>
+                        <a:latin typeface="Calibri" charset="0"/>
+                      </a:endParaRPr>
+                    </a:p>
+                  </a:txBody>
+                  <a:tcPr marL="4881" marR="4881" marT="4881" marB="0" anchor="ctr"/>
+                </a:tc>
+                <a:tc>
+                  <a:txBody>
+                    <a:bodyPr/>
+                    <a:lstStyle/>
+                    <a:p>
+                      <a:pPr algn="ctr" fontAlgn="ctr"/>
+                      <a:r>
+                        <a:rPr lang="en-US" sz="900" u="none" strike="noStrike">
+                          <a:effectLst/>
+                        </a:rPr>
+                        <a:t>8</a:t>
+                      </a:r>
+                      <a:endParaRPr lang="en-US" sz="900" b="0" i="0" u="none" strike="noStrike">
+                        <a:solidFill>
+                          <a:srgbClr val="000000"/>
+                        </a:solidFill>
+                        <a:effectLst/>
+                        <a:latin typeface="Calibri" charset="0"/>
+                      </a:endParaRPr>
+                    </a:p>
+                  </a:txBody>
+                  <a:tcPr marL="4881" marR="4881" marT="4881" marB="0" anchor="ctr"/>
+                </a:tc>
+                <a:tc>
+                  <a:txBody>
+                    <a:bodyPr/>
+                    <a:lstStyle/>
+                    <a:p>
+                      <a:pPr algn="ctr" fontAlgn="ctr"/>
+                      <a:r>
+                        <a:rPr lang="en-US" sz="900" u="none" strike="noStrike">
+                          <a:effectLst/>
+                        </a:rPr>
+                        <a:t>7</a:t>
+                      </a:r>
+                      <a:endParaRPr lang="en-US" sz="900" b="0" i="0" u="none" strike="noStrike">
+                        <a:solidFill>
+                          <a:srgbClr val="000000"/>
+                        </a:solidFill>
+                        <a:effectLst/>
+                        <a:latin typeface="Calibri" charset="0"/>
+                      </a:endParaRPr>
+                    </a:p>
+                  </a:txBody>
+                  <a:tcPr marL="4881" marR="4881" marT="4881" marB="0" anchor="ctr"/>
+                </a:tc>
+                <a:tc>
+                  <a:txBody>
+                    <a:bodyPr/>
+                    <a:lstStyle/>
+                    <a:p>
+                      <a:pPr algn="ctr" fontAlgn="ctr"/>
+                      <a:r>
+                        <a:rPr lang="en-US" sz="900" u="none" strike="noStrike">
+                          <a:effectLst/>
+                        </a:rPr>
+                        <a:t>6</a:t>
+                      </a:r>
+                      <a:endParaRPr lang="en-US" sz="900" b="0" i="0" u="none" strike="noStrike">
+                        <a:solidFill>
+                          <a:srgbClr val="000000"/>
+                        </a:solidFill>
+                        <a:effectLst/>
+                        <a:latin typeface="Calibri" charset="0"/>
+                      </a:endParaRPr>
+                    </a:p>
+                  </a:txBody>
+                  <a:tcPr marL="4881" marR="4881" marT="4881" marB="0" anchor="ctr"/>
+                </a:tc>
+                <a:tc>
+                  <a:txBody>
+                    <a:bodyPr/>
+                    <a:lstStyle/>
+                    <a:p>
+                      <a:pPr algn="ctr" fontAlgn="b"/>
+                      <a:r>
+                        <a:rPr lang="mr-IN" sz="900" u="none" strike="noStrike">
+                          <a:effectLst/>
+                        </a:rPr>
+                        <a:t>[6,7]</a:t>
+                      </a:r>
+                      <a:endParaRPr lang="mr-IN" sz="900" b="0" i="0" u="none" strike="noStrike">
+                        <a:solidFill>
+                          <a:srgbClr val="000000"/>
+                        </a:solidFill>
+                        <a:effectLst/>
+                        <a:latin typeface="Calibri" charset="0"/>
+                      </a:endParaRPr>
+                    </a:p>
+                  </a:txBody>
+                  <a:tcPr marL="4881" marR="4881" marT="4881" marB="0" anchor="b"/>
+                </a:tc>
+              </a:tr>
+              <a:tr h="156185">
+                <a:tc>
+                  <a:txBody>
+                    <a:bodyPr/>
+                    <a:lstStyle/>
+                    <a:p>
+                      <a:pPr algn="ctr" fontAlgn="ctr"/>
+                      <a:r>
+                        <a:rPr lang="en-US" sz="900" u="none" strike="noStrike">
+                          <a:effectLst/>
+                        </a:rPr>
+                        <a:t>4</a:t>
+                      </a:r>
+                      <a:endParaRPr lang="en-US" sz="900" b="0" i="0" u="none" strike="noStrike">
+                        <a:solidFill>
+                          <a:srgbClr val="000000"/>
+                        </a:solidFill>
+                        <a:effectLst/>
+                        <a:latin typeface="Calibri" charset="0"/>
+                      </a:endParaRPr>
+                    </a:p>
+                  </a:txBody>
+                  <a:tcPr marL="4881" marR="4881" marT="4881" marB="0" anchor="ctr"/>
+                </a:tc>
+                <a:tc>
+                  <a:txBody>
+                    <a:bodyPr/>
+                    <a:lstStyle/>
+                    <a:p>
+                      <a:pPr algn="ctr" fontAlgn="ctr"/>
+                      <a:r>
+                        <a:rPr lang="is-IS" sz="900" u="none" strike="noStrike">
+                          <a:effectLst/>
+                        </a:rPr>
+                        <a:t>107</a:t>
+                      </a:r>
+                      <a:endParaRPr lang="is-IS" sz="900" b="0" i="0" u="none" strike="noStrike">
+                        <a:solidFill>
+                          <a:srgbClr val="000000"/>
+                        </a:solidFill>
+                        <a:effectLst/>
+                        <a:latin typeface="Calibri" charset="0"/>
+                      </a:endParaRPr>
+                    </a:p>
+                  </a:txBody>
+                  <a:tcPr marL="4881" marR="4881" marT="4881" marB="0" anchor="ctr"/>
+                </a:tc>
+                <a:tc>
+                  <a:txBody>
+                    <a:bodyPr/>
+                    <a:lstStyle/>
+                    <a:p>
+                      <a:pPr algn="ctr" fontAlgn="ctr"/>
+                      <a:r>
+                        <a:rPr lang="uk-UA" sz="900" u="none" strike="noStrike">
+                          <a:effectLst/>
+                        </a:rPr>
+                        <a:t>516</a:t>
+                      </a:r>
+                      <a:endParaRPr lang="uk-UA" sz="900" b="0" i="0" u="none" strike="noStrike">
+                        <a:solidFill>
+                          <a:srgbClr val="000000"/>
+                        </a:solidFill>
+                        <a:effectLst/>
+                        <a:latin typeface="Calibri" charset="0"/>
+                      </a:endParaRPr>
+                    </a:p>
+                  </a:txBody>
+                  <a:tcPr marL="4881" marR="4881" marT="4881" marB="0" anchor="ctr"/>
+                </a:tc>
+                <a:tc>
+                  <a:txBody>
+                    <a:bodyPr/>
+                    <a:lstStyle/>
+                    <a:p>
+                      <a:pPr algn="ctr" fontAlgn="ctr"/>
+                      <a:r>
+                        <a:rPr lang="en-US" sz="900" u="none" strike="noStrike">
+                          <a:effectLst/>
+                        </a:rPr>
+                        <a:t>9</a:t>
+                      </a:r>
+                      <a:endParaRPr lang="en-US" sz="900" b="0" i="0" u="none" strike="noStrike">
+                        <a:solidFill>
+                          <a:srgbClr val="000000"/>
+                        </a:solidFill>
+                        <a:effectLst/>
+                        <a:latin typeface="Calibri" charset="0"/>
+                      </a:endParaRPr>
+                    </a:p>
+                  </a:txBody>
+                  <a:tcPr marL="4881" marR="4881" marT="4881" marB="0" anchor="ctr"/>
+                </a:tc>
+                <a:tc>
+                  <a:txBody>
+                    <a:bodyPr/>
+                    <a:lstStyle/>
+                    <a:p>
+                      <a:pPr algn="ctr" fontAlgn="ctr"/>
+                      <a:r>
+                        <a:rPr lang="en-US" sz="900" u="none" strike="noStrike">
+                          <a:effectLst/>
+                        </a:rPr>
+                        <a:t>7</a:t>
+                      </a:r>
+                      <a:endParaRPr lang="en-US" sz="900" b="0" i="0" u="none" strike="noStrike">
+                        <a:solidFill>
+                          <a:srgbClr val="000000"/>
+                        </a:solidFill>
+                        <a:effectLst/>
+                        <a:latin typeface="Calibri" charset="0"/>
+                      </a:endParaRPr>
+                    </a:p>
+                  </a:txBody>
+                  <a:tcPr marL="4881" marR="4881" marT="4881" marB="0" anchor="ctr"/>
+                </a:tc>
+                <a:tc>
+                  <a:txBody>
+                    <a:bodyPr/>
+                    <a:lstStyle/>
+                    <a:p>
+                      <a:pPr algn="ctr" fontAlgn="ctr"/>
+                      <a:r>
+                        <a:rPr lang="en-US" sz="900" u="none" strike="noStrike">
+                          <a:effectLst/>
+                        </a:rPr>
+                        <a:t>6</a:t>
+                      </a:r>
+                      <a:endParaRPr lang="en-US" sz="900" b="0" i="0" u="none" strike="noStrike">
+                        <a:solidFill>
+                          <a:srgbClr val="000000"/>
+                        </a:solidFill>
+                        <a:effectLst/>
+                        <a:latin typeface="Calibri" charset="0"/>
+                      </a:endParaRPr>
+                    </a:p>
+                  </a:txBody>
+                  <a:tcPr marL="4881" marR="4881" marT="4881" marB="0" anchor="ctr"/>
+                </a:tc>
+                <a:tc>
+                  <a:txBody>
+                    <a:bodyPr/>
+                    <a:lstStyle/>
+                    <a:p>
+                      <a:pPr algn="ctr" fontAlgn="ctr"/>
+                      <a:r>
+                        <a:rPr lang="en-US" sz="900" u="none" strike="noStrike">
+                          <a:effectLst/>
+                        </a:rPr>
+                        <a:t>4</a:t>
+                      </a:r>
+                      <a:endParaRPr lang="en-US" sz="900" b="0" i="0" u="none" strike="noStrike">
+                        <a:solidFill>
+                          <a:srgbClr val="000000"/>
+                        </a:solidFill>
+                        <a:effectLst/>
+                        <a:latin typeface="Calibri" charset="0"/>
+                      </a:endParaRPr>
+                    </a:p>
+                  </a:txBody>
+                  <a:tcPr marL="4881" marR="4881" marT="4881" marB="0" anchor="ctr"/>
+                </a:tc>
+                <a:tc>
+                  <a:txBody>
+                    <a:bodyPr/>
+                    <a:lstStyle/>
+                    <a:p>
+                      <a:pPr algn="ctr" fontAlgn="ctr"/>
+                      <a:r>
+                        <a:rPr lang="mr-IN" sz="900" u="none" strike="noStrike">
+                          <a:effectLst/>
+                        </a:rPr>
+                        <a:t>[4,6]</a:t>
+                      </a:r>
+                      <a:endParaRPr lang="mr-IN" sz="900" b="0" i="0" u="none" strike="noStrike">
+                        <a:solidFill>
+                          <a:srgbClr val="000000"/>
+                        </a:solidFill>
+                        <a:effectLst/>
+                        <a:latin typeface="Calibri" charset="0"/>
+                      </a:endParaRPr>
+                    </a:p>
+                  </a:txBody>
+                  <a:tcPr marL="4881" marR="4881" marT="4881" marB="0" anchor="ctr"/>
+                </a:tc>
+              </a:tr>
+              <a:tr h="156185">
+                <a:tc>
+                  <a:txBody>
+                    <a:bodyPr/>
+                    <a:lstStyle/>
+                    <a:p>
+                      <a:pPr algn="ctr" fontAlgn="ctr"/>
+                      <a:r>
+                        <a:rPr lang="en-US" sz="900" u="none" strike="noStrike">
+                          <a:effectLst/>
+                        </a:rPr>
+                        <a:t>5</a:t>
+                      </a:r>
+                      <a:endParaRPr lang="en-US" sz="900" b="0" i="0" u="none" strike="noStrike">
+                        <a:solidFill>
+                          <a:srgbClr val="000000"/>
+                        </a:solidFill>
+                        <a:effectLst/>
+                        <a:latin typeface="Calibri" charset="0"/>
+                      </a:endParaRPr>
+                    </a:p>
+                  </a:txBody>
+                  <a:tcPr marL="4881" marR="4881" marT="4881" marB="0" anchor="ctr"/>
+                </a:tc>
+                <a:tc>
+                  <a:txBody>
+                    <a:bodyPr/>
+                    <a:lstStyle/>
+                    <a:p>
+                      <a:pPr algn="ctr" fontAlgn="ctr"/>
+                      <a:r>
+                        <a:rPr lang="is-IS" sz="900" u="none" strike="noStrike">
+                          <a:effectLst/>
+                        </a:rPr>
+                        <a:t>4007</a:t>
+                      </a:r>
+                      <a:endParaRPr lang="is-IS" sz="900" b="0" i="0" u="none" strike="noStrike">
+                        <a:solidFill>
+                          <a:srgbClr val="000000"/>
+                        </a:solidFill>
+                        <a:effectLst/>
+                        <a:latin typeface="Calibri" charset="0"/>
+                      </a:endParaRPr>
+                    </a:p>
+                  </a:txBody>
+                  <a:tcPr marL="4881" marR="4881" marT="4881" marB="0" anchor="ctr"/>
+                </a:tc>
+                <a:tc>
+                  <a:txBody>
+                    <a:bodyPr/>
+                    <a:lstStyle/>
+                    <a:p>
+                      <a:pPr algn="ctr" fontAlgn="ctr"/>
+                      <a:r>
+                        <a:rPr lang="cs-CZ" sz="900" u="none" strike="noStrike">
+                          <a:effectLst/>
+                        </a:rPr>
+                        <a:t>1198933</a:t>
+                      </a:r>
+                      <a:endParaRPr lang="cs-CZ" sz="900" b="0" i="0" u="none" strike="noStrike">
+                        <a:solidFill>
+                          <a:srgbClr val="000000"/>
+                        </a:solidFill>
+                        <a:effectLst/>
+                        <a:latin typeface="Calibri" charset="0"/>
+                      </a:endParaRPr>
+                    </a:p>
+                  </a:txBody>
+                  <a:tcPr marL="4881" marR="4881" marT="4881" marB="0" anchor="ctr"/>
+                </a:tc>
+                <a:tc>
+                  <a:txBody>
+                    <a:bodyPr/>
+                    <a:lstStyle/>
+                    <a:p>
+                      <a:pPr algn="ctr" fontAlgn="ctr"/>
+                      <a:r>
+                        <a:rPr lang="is-IS" sz="900" u="none" strike="noStrike">
+                          <a:effectLst/>
+                        </a:rPr>
+                        <a:t>128</a:t>
+                      </a:r>
+                      <a:endParaRPr lang="is-IS" sz="900" b="0" i="0" u="none" strike="noStrike">
+                        <a:solidFill>
+                          <a:srgbClr val="000000"/>
+                        </a:solidFill>
+                        <a:effectLst/>
+                        <a:latin typeface="Calibri" charset="0"/>
+                      </a:endParaRPr>
+                    </a:p>
+                  </a:txBody>
+                  <a:tcPr marL="4881" marR="4881" marT="4881" marB="0" anchor="ctr"/>
+                </a:tc>
+                <a:tc>
+                  <a:txBody>
+                    <a:bodyPr/>
+                    <a:lstStyle/>
+                    <a:p>
+                      <a:pPr algn="ctr" fontAlgn="ctr"/>
+                      <a:r>
+                        <a:rPr lang="en-US" sz="900" u="none" strike="noStrike">
+                          <a:effectLst/>
+                        </a:rPr>
+                        <a:t>7</a:t>
+                      </a:r>
+                      <a:endParaRPr lang="en-US" sz="900" b="0" i="0" u="none" strike="noStrike">
+                        <a:solidFill>
+                          <a:srgbClr val="000000"/>
+                        </a:solidFill>
+                        <a:effectLst/>
+                        <a:latin typeface="Calibri" charset="0"/>
+                      </a:endParaRPr>
+                    </a:p>
+                  </a:txBody>
+                  <a:tcPr marL="4881" marR="4881" marT="4881" marB="0" anchor="ctr"/>
+                </a:tc>
+                <a:tc>
+                  <a:txBody>
+                    <a:bodyPr/>
+                    <a:lstStyle/>
+                    <a:p>
+                      <a:pPr algn="ctr" fontAlgn="ctr"/>
+                      <a:r>
+                        <a:rPr lang="en-US" sz="900" u="none" strike="noStrike">
+                          <a:effectLst/>
+                        </a:rPr>
+                        <a:t>4</a:t>
+                      </a:r>
+                      <a:endParaRPr lang="en-US" sz="900" b="0" i="0" u="none" strike="noStrike">
+                        <a:solidFill>
+                          <a:srgbClr val="000000"/>
+                        </a:solidFill>
+                        <a:effectLst/>
+                        <a:latin typeface="Calibri" charset="0"/>
+                      </a:endParaRPr>
+                    </a:p>
+                  </a:txBody>
+                  <a:tcPr marL="4881" marR="4881" marT="4881" marB="0" anchor="ctr"/>
+                </a:tc>
+                <a:tc>
+                  <a:txBody>
+                    <a:bodyPr/>
+                    <a:lstStyle/>
+                    <a:p>
+                      <a:pPr algn="ctr" fontAlgn="ctr"/>
+                      <a:r>
+                        <a:rPr lang="is-IS" sz="900" u="none" strike="noStrike">
+                          <a:effectLst/>
+                        </a:rPr>
+                        <a:t>2</a:t>
+                      </a:r>
+                      <a:endParaRPr lang="is-IS" sz="900" b="0" i="0" u="none" strike="noStrike">
+                        <a:solidFill>
+                          <a:srgbClr val="000000"/>
+                        </a:solidFill>
+                        <a:effectLst/>
+                        <a:latin typeface="Calibri" charset="0"/>
+                      </a:endParaRPr>
+                    </a:p>
+                  </a:txBody>
+                  <a:tcPr marL="4881" marR="4881" marT="4881" marB="0" anchor="ctr"/>
+                </a:tc>
+                <a:tc>
+                  <a:txBody>
+                    <a:bodyPr/>
+                    <a:lstStyle/>
+                    <a:p>
+                      <a:pPr algn="ctr" fontAlgn="ctr"/>
+                      <a:r>
+                        <a:rPr lang="is-IS" sz="900" u="none" strike="noStrike">
+                          <a:effectLst/>
+                        </a:rPr>
+                        <a:t>2</a:t>
+                      </a:r>
+                      <a:endParaRPr lang="is-IS" sz="900" b="0" i="0" u="none" strike="noStrike">
+                        <a:solidFill>
+                          <a:srgbClr val="000000"/>
+                        </a:solidFill>
+                        <a:effectLst/>
+                        <a:latin typeface="Calibri" charset="0"/>
+                      </a:endParaRPr>
+                    </a:p>
+                  </a:txBody>
+                  <a:tcPr marL="4881" marR="4881" marT="4881" marB="0" anchor="ctr"/>
+                </a:tc>
+              </a:tr>
+              <a:tr h="156185">
+                <a:tc>
+                  <a:txBody>
+                    <a:bodyPr/>
+                    <a:lstStyle/>
+                    <a:p>
+                      <a:pPr algn="ctr" fontAlgn="ctr"/>
+                      <a:r>
+                        <a:rPr lang="en-US" sz="900" u="none" strike="noStrike">
+                          <a:effectLst/>
+                        </a:rPr>
+                        <a:t>6</a:t>
+                      </a:r>
+                      <a:endParaRPr lang="en-US" sz="900" b="0" i="0" u="none" strike="noStrike">
+                        <a:solidFill>
+                          <a:srgbClr val="000000"/>
+                        </a:solidFill>
+                        <a:effectLst/>
+                        <a:latin typeface="Calibri" charset="0"/>
+                      </a:endParaRPr>
+                    </a:p>
+                  </a:txBody>
+                  <a:tcPr marL="4881" marR="4881" marT="4881" marB="0" anchor="ctr"/>
+                </a:tc>
+                <a:tc>
+                  <a:txBody>
+                    <a:bodyPr/>
+                    <a:lstStyle/>
+                    <a:p>
+                      <a:pPr algn="ctr" fontAlgn="ctr"/>
+                      <a:r>
+                        <a:rPr lang="is-IS" sz="900" u="none" strike="noStrike">
+                          <a:effectLst/>
+                        </a:rPr>
+                        <a:t>529</a:t>
+                      </a:r>
+                      <a:endParaRPr lang="is-IS" sz="900" b="0" i="0" u="none" strike="noStrike">
+                        <a:solidFill>
+                          <a:srgbClr val="000000"/>
+                        </a:solidFill>
+                        <a:effectLst/>
+                        <a:latin typeface="Calibri" charset="0"/>
+                      </a:endParaRPr>
+                    </a:p>
+                  </a:txBody>
+                  <a:tcPr marL="4881" marR="4881" marT="4881" marB="0" anchor="ctr"/>
+                </a:tc>
+                <a:tc>
+                  <a:txBody>
+                    <a:bodyPr/>
+                    <a:lstStyle/>
+                    <a:p>
+                      <a:pPr algn="ctr" fontAlgn="ctr"/>
+                      <a:r>
+                        <a:rPr lang="is-IS" sz="900" u="none" strike="noStrike">
+                          <a:effectLst/>
+                        </a:rPr>
+                        <a:t>271</a:t>
+                      </a:r>
+                      <a:endParaRPr lang="is-IS" sz="900" b="0" i="0" u="none" strike="noStrike">
+                        <a:solidFill>
+                          <a:srgbClr val="000000"/>
+                        </a:solidFill>
+                        <a:effectLst/>
+                        <a:latin typeface="Calibri" charset="0"/>
+                      </a:endParaRPr>
+                    </a:p>
+                  </a:txBody>
+                  <a:tcPr marL="4881" marR="4881" marT="4881" marB="0" anchor="ctr"/>
+                </a:tc>
+                <a:tc>
+                  <a:txBody>
+                    <a:bodyPr/>
+                    <a:lstStyle/>
+                    <a:p>
+                      <a:pPr algn="ctr" fontAlgn="ctr"/>
+                      <a:r>
+                        <a:rPr lang="en-US" sz="900" u="none" strike="noStrike">
+                          <a:effectLst/>
+                        </a:rPr>
+                        <a:t>3</a:t>
+                      </a:r>
+                      <a:endParaRPr lang="en-US" sz="900" b="0" i="0" u="none" strike="noStrike">
+                        <a:solidFill>
+                          <a:srgbClr val="000000"/>
+                        </a:solidFill>
+                        <a:effectLst/>
+                        <a:latin typeface="Calibri" charset="0"/>
+                      </a:endParaRPr>
+                    </a:p>
+                  </a:txBody>
+                  <a:tcPr marL="4881" marR="4881" marT="4881" marB="0" anchor="ctr"/>
+                </a:tc>
+                <a:tc>
+                  <a:txBody>
+                    <a:bodyPr/>
+                    <a:lstStyle/>
+                    <a:p>
+                      <a:pPr algn="ctr" fontAlgn="ctr"/>
+                      <a:r>
+                        <a:rPr lang="en-US" sz="900" u="none" strike="noStrike">
+                          <a:effectLst/>
+                        </a:rPr>
+                        <a:t>3</a:t>
+                      </a:r>
+                      <a:endParaRPr lang="en-US" sz="900" b="0" i="0" u="none" strike="noStrike">
+                        <a:solidFill>
+                          <a:srgbClr val="000000"/>
+                        </a:solidFill>
+                        <a:effectLst/>
+                        <a:latin typeface="Calibri" charset="0"/>
+                      </a:endParaRPr>
+                    </a:p>
+                  </a:txBody>
+                  <a:tcPr marL="4881" marR="4881" marT="4881" marB="0" anchor="ctr"/>
+                </a:tc>
+                <a:tc>
+                  <a:txBody>
+                    <a:bodyPr/>
+                    <a:lstStyle/>
+                    <a:p>
+                      <a:pPr algn="ctr" fontAlgn="ctr"/>
+                      <a:r>
+                        <a:rPr lang="en-US" sz="900" u="none" strike="noStrike">
+                          <a:effectLst/>
+                        </a:rPr>
+                        <a:t>3</a:t>
+                      </a:r>
+                      <a:endParaRPr lang="en-US" sz="900" b="0" i="0" u="none" strike="noStrike">
+                        <a:solidFill>
+                          <a:srgbClr val="000000"/>
+                        </a:solidFill>
+                        <a:effectLst/>
+                        <a:latin typeface="Calibri" charset="0"/>
+                      </a:endParaRPr>
+                    </a:p>
+                  </a:txBody>
+                  <a:tcPr marL="4881" marR="4881" marT="4881" marB="0" anchor="ctr"/>
+                </a:tc>
+                <a:tc>
+                  <a:txBody>
+                    <a:bodyPr/>
+                    <a:lstStyle/>
+                    <a:p>
+                      <a:pPr algn="ctr" fontAlgn="ctr"/>
+                      <a:r>
+                        <a:rPr lang="is-IS" sz="900" u="none" strike="noStrike">
+                          <a:effectLst/>
+                        </a:rPr>
+                        <a:t>2</a:t>
+                      </a:r>
+                      <a:endParaRPr lang="is-IS" sz="900" b="0" i="0" u="none" strike="noStrike">
+                        <a:solidFill>
+                          <a:srgbClr val="000000"/>
+                        </a:solidFill>
+                        <a:effectLst/>
+                        <a:latin typeface="Calibri" charset="0"/>
+                      </a:endParaRPr>
+                    </a:p>
+                  </a:txBody>
+                  <a:tcPr marL="4881" marR="4881" marT="4881" marB="0" anchor="ctr"/>
+                </a:tc>
+                <a:tc>
+                  <a:txBody>
+                    <a:bodyPr/>
+                    <a:lstStyle/>
+                    <a:p>
+                      <a:pPr algn="ctr" fontAlgn="ctr"/>
+                      <a:r>
+                        <a:rPr lang="en-US" sz="900" u="none" strike="noStrike">
+                          <a:effectLst/>
+                        </a:rPr>
+                        <a:t>3</a:t>
+                      </a:r>
+                      <a:endParaRPr lang="en-US" sz="900" b="0" i="0" u="none" strike="noStrike">
+                        <a:solidFill>
+                          <a:srgbClr val="000000"/>
+                        </a:solidFill>
+                        <a:effectLst/>
+                        <a:latin typeface="Calibri" charset="0"/>
+                      </a:endParaRPr>
+                    </a:p>
+                  </a:txBody>
+                  <a:tcPr marL="4881" marR="4881" marT="4881" marB="0" anchor="ctr"/>
+                </a:tc>
+              </a:tr>
+              <a:tr h="156185">
+                <a:tc>
+                  <a:txBody>
+                    <a:bodyPr/>
+                    <a:lstStyle/>
+                    <a:p>
+                      <a:pPr algn="ctr" fontAlgn="ctr"/>
+                      <a:r>
+                        <a:rPr lang="en-US" sz="900" u="none" strike="noStrike">
+                          <a:effectLst/>
+                        </a:rPr>
+                        <a:t>7</a:t>
+                      </a:r>
+                      <a:endParaRPr lang="en-US" sz="900" b="0" i="0" u="none" strike="noStrike">
+                        <a:solidFill>
+                          <a:srgbClr val="000000"/>
+                        </a:solidFill>
+                        <a:effectLst/>
+                        <a:latin typeface="Calibri" charset="0"/>
+                      </a:endParaRPr>
+                    </a:p>
+                  </a:txBody>
+                  <a:tcPr marL="4881" marR="4881" marT="4881" marB="0" anchor="ctr"/>
+                </a:tc>
+                <a:tc>
+                  <a:txBody>
+                    <a:bodyPr/>
+                    <a:lstStyle/>
+                    <a:p>
+                      <a:pPr algn="ctr" fontAlgn="ctr"/>
+                      <a:r>
+                        <a:rPr lang="en-US" sz="900" u="none" strike="noStrike">
+                          <a:effectLst/>
+                        </a:rPr>
+                        <a:t>43</a:t>
+                      </a:r>
+                      <a:endParaRPr lang="en-US" sz="900" b="0" i="0" u="none" strike="noStrike">
+                        <a:solidFill>
+                          <a:srgbClr val="000000"/>
+                        </a:solidFill>
+                        <a:effectLst/>
+                        <a:latin typeface="Calibri" charset="0"/>
+                      </a:endParaRPr>
+                    </a:p>
+                  </a:txBody>
+                  <a:tcPr marL="4881" marR="4881" marT="4881" marB="0" anchor="ctr"/>
+                </a:tc>
+                <a:tc>
+                  <a:txBody>
+                    <a:bodyPr/>
+                    <a:lstStyle/>
+                    <a:p>
+                      <a:pPr algn="ctr" fontAlgn="ctr"/>
+                      <a:r>
+                        <a:rPr lang="is-IS" sz="900" u="none" strike="noStrike">
+                          <a:effectLst/>
+                        </a:rPr>
+                        <a:t>529</a:t>
+                      </a:r>
+                      <a:endParaRPr lang="is-IS" sz="900" b="0" i="0" u="none" strike="noStrike">
+                        <a:solidFill>
+                          <a:srgbClr val="000000"/>
+                        </a:solidFill>
+                        <a:effectLst/>
+                        <a:latin typeface="Calibri" charset="0"/>
+                      </a:endParaRPr>
+                    </a:p>
+                  </a:txBody>
+                  <a:tcPr marL="4881" marR="4881" marT="4881" marB="0" anchor="ctr"/>
+                </a:tc>
+                <a:tc>
+                  <a:txBody>
+                    <a:bodyPr/>
+                    <a:lstStyle/>
+                    <a:p>
+                      <a:pPr algn="ctr" fontAlgn="ctr"/>
+                      <a:r>
+                        <a:rPr lang="is-IS" sz="900" u="none" strike="noStrike">
+                          <a:effectLst/>
+                        </a:rPr>
+                        <a:t>12</a:t>
+                      </a:r>
+                      <a:endParaRPr lang="is-IS" sz="900" b="0" i="0" u="none" strike="noStrike">
+                        <a:solidFill>
+                          <a:srgbClr val="000000"/>
+                        </a:solidFill>
+                        <a:effectLst/>
+                        <a:latin typeface="Calibri" charset="0"/>
+                      </a:endParaRPr>
+                    </a:p>
+                  </a:txBody>
+                  <a:tcPr marL="4881" marR="4881" marT="4881" marB="0" anchor="ctr"/>
+                </a:tc>
+                <a:tc>
+                  <a:txBody>
+                    <a:bodyPr/>
+                    <a:lstStyle/>
+                    <a:p>
+                      <a:pPr algn="ctr" fontAlgn="ctr"/>
+                      <a:r>
+                        <a:rPr lang="is-IS" sz="900" u="none" strike="noStrike">
+                          <a:effectLst/>
+                        </a:rPr>
+                        <a:t>12</a:t>
+                      </a:r>
+                      <a:endParaRPr lang="is-IS" sz="900" b="0" i="0" u="none" strike="noStrike">
+                        <a:solidFill>
+                          <a:srgbClr val="000000"/>
+                        </a:solidFill>
+                        <a:effectLst/>
+                        <a:latin typeface="Calibri" charset="0"/>
+                      </a:endParaRPr>
+                    </a:p>
+                  </a:txBody>
+                  <a:tcPr marL="4881" marR="4881" marT="4881" marB="0" anchor="ctr"/>
+                </a:tc>
+                <a:tc>
+                  <a:txBody>
+                    <a:bodyPr/>
+                    <a:lstStyle/>
+                    <a:p>
+                      <a:pPr algn="ctr" fontAlgn="ctr"/>
+                      <a:r>
+                        <a:rPr lang="is-IS" sz="900" u="none" strike="noStrike">
+                          <a:effectLst/>
+                        </a:rPr>
+                        <a:t>12</a:t>
+                      </a:r>
+                      <a:endParaRPr lang="is-IS" sz="900" b="0" i="0" u="none" strike="noStrike">
+                        <a:solidFill>
+                          <a:srgbClr val="000000"/>
+                        </a:solidFill>
+                        <a:effectLst/>
+                        <a:latin typeface="Calibri" charset="0"/>
+                      </a:endParaRPr>
+                    </a:p>
+                  </a:txBody>
+                  <a:tcPr marL="4881" marR="4881" marT="4881" marB="0" anchor="ctr"/>
+                </a:tc>
+                <a:tc>
+                  <a:txBody>
+                    <a:bodyPr/>
+                    <a:lstStyle/>
+                    <a:p>
+                      <a:pPr algn="ctr" fontAlgn="ctr"/>
+                      <a:r>
+                        <a:rPr lang="en-US" sz="900" u="none" strike="noStrike">
+                          <a:effectLst/>
+                        </a:rPr>
+                        <a:t>8</a:t>
+                      </a:r>
+                      <a:endParaRPr lang="en-US" sz="900" b="0" i="0" u="none" strike="noStrike">
+                        <a:solidFill>
+                          <a:srgbClr val="000000"/>
+                        </a:solidFill>
+                        <a:effectLst/>
+                        <a:latin typeface="Calibri" charset="0"/>
+                      </a:endParaRPr>
+                    </a:p>
+                  </a:txBody>
+                  <a:tcPr marL="4881" marR="4881" marT="4881" marB="0" anchor="ctr"/>
+                </a:tc>
+                <a:tc>
+                  <a:txBody>
+                    <a:bodyPr/>
+                    <a:lstStyle/>
+                    <a:p>
+                      <a:pPr algn="ctr" fontAlgn="ctr"/>
+                      <a:r>
+                        <a:rPr lang="pt-BR" sz="900" u="none" strike="noStrike">
+                          <a:effectLst/>
+                        </a:rPr>
+                        <a:t>[8,12]</a:t>
+                      </a:r>
+                      <a:endParaRPr lang="pt-BR" sz="900" b="0" i="0" u="none" strike="noStrike">
+                        <a:solidFill>
+                          <a:srgbClr val="000000"/>
+                        </a:solidFill>
+                        <a:effectLst/>
+                        <a:latin typeface="Calibri" charset="0"/>
+                      </a:endParaRPr>
+                    </a:p>
+                  </a:txBody>
+                  <a:tcPr marL="4881" marR="4881" marT="4881" marB="0" anchor="ctr"/>
+                </a:tc>
+              </a:tr>
+              <a:tr h="156185">
+                <a:tc>
+                  <a:txBody>
+                    <a:bodyPr/>
+                    <a:lstStyle/>
+                    <a:p>
+                      <a:pPr algn="ctr" fontAlgn="ctr"/>
+                      <a:r>
+                        <a:rPr lang="en-US" sz="900" u="none" strike="noStrike">
+                          <a:effectLst/>
+                        </a:rPr>
+                        <a:t>8</a:t>
+                      </a:r>
+                      <a:endParaRPr lang="en-US" sz="900" b="0" i="0" u="none" strike="noStrike">
+                        <a:solidFill>
+                          <a:srgbClr val="000000"/>
+                        </a:solidFill>
+                        <a:effectLst/>
+                        <a:latin typeface="Calibri" charset="0"/>
+                      </a:endParaRPr>
+                    </a:p>
+                  </a:txBody>
+                  <a:tcPr marL="4881" marR="4881" marT="4881" marB="0" anchor="ctr"/>
+                </a:tc>
+                <a:tc>
+                  <a:txBody>
+                    <a:bodyPr/>
+                    <a:lstStyle/>
+                    <a:p>
+                      <a:pPr algn="ctr" fontAlgn="ctr"/>
+                      <a:r>
+                        <a:rPr lang="is-IS" sz="900" u="none" strike="noStrike">
+                          <a:effectLst/>
+                        </a:rPr>
+                        <a:t>107</a:t>
+                      </a:r>
+                      <a:endParaRPr lang="is-IS" sz="900" b="0" i="0" u="none" strike="noStrike">
+                        <a:solidFill>
+                          <a:srgbClr val="000000"/>
+                        </a:solidFill>
+                        <a:effectLst/>
+                        <a:latin typeface="Calibri" charset="0"/>
+                      </a:endParaRPr>
+                    </a:p>
+                  </a:txBody>
+                  <a:tcPr marL="4881" marR="4881" marT="4881" marB="0" anchor="ctr"/>
+                </a:tc>
+                <a:tc>
+                  <a:txBody>
+                    <a:bodyPr/>
+                    <a:lstStyle/>
+                    <a:p>
+                      <a:pPr algn="ctr" fontAlgn="ctr"/>
+                      <a:r>
+                        <a:rPr lang="cs-CZ" sz="900" u="none" strike="noStrike">
+                          <a:effectLst/>
+                        </a:rPr>
+                        <a:t>4955</a:t>
+                      </a:r>
+                      <a:endParaRPr lang="cs-CZ" sz="900" b="0" i="0" u="none" strike="noStrike">
+                        <a:solidFill>
+                          <a:srgbClr val="000000"/>
+                        </a:solidFill>
+                        <a:effectLst/>
+                        <a:latin typeface="Calibri" charset="0"/>
+                      </a:endParaRPr>
+                    </a:p>
+                  </a:txBody>
+                  <a:tcPr marL="4881" marR="4881" marT="4881" marB="0" anchor="ctr"/>
+                </a:tc>
+                <a:tc>
+                  <a:txBody>
+                    <a:bodyPr/>
+                    <a:lstStyle/>
+                    <a:p>
+                      <a:pPr algn="ctr" fontAlgn="ctr"/>
+                      <a:r>
+                        <a:rPr lang="en-US" sz="900" u="none" strike="noStrike">
+                          <a:effectLst/>
+                        </a:rPr>
+                        <a:t>98</a:t>
+                      </a:r>
+                      <a:endParaRPr lang="en-US" sz="900" b="0" i="0" u="none" strike="noStrike">
+                        <a:solidFill>
+                          <a:srgbClr val="000000"/>
+                        </a:solidFill>
+                        <a:effectLst/>
+                        <a:latin typeface="Calibri" charset="0"/>
+                      </a:endParaRPr>
+                    </a:p>
+                  </a:txBody>
+                  <a:tcPr marL="4881" marR="4881" marT="4881" marB="0" anchor="ctr"/>
+                </a:tc>
+                <a:tc>
+                  <a:txBody>
+                    <a:bodyPr/>
+                    <a:lstStyle/>
+                    <a:p>
+                      <a:pPr algn="ctr" fontAlgn="ctr"/>
+                      <a:r>
+                        <a:rPr lang="en-US" sz="900" u="none" strike="noStrike">
+                          <a:effectLst/>
+                        </a:rPr>
+                        <a:t>98</a:t>
+                      </a:r>
+                      <a:endParaRPr lang="en-US" sz="900" b="0" i="0" u="none" strike="noStrike">
+                        <a:solidFill>
+                          <a:srgbClr val="000000"/>
+                        </a:solidFill>
+                        <a:effectLst/>
+                        <a:latin typeface="Calibri" charset="0"/>
+                      </a:endParaRPr>
+                    </a:p>
+                  </a:txBody>
+                  <a:tcPr marL="4881" marR="4881" marT="4881" marB="0" anchor="ctr"/>
+                </a:tc>
+                <a:tc>
+                  <a:txBody>
+                    <a:bodyPr/>
+                    <a:lstStyle/>
+                    <a:p>
+                      <a:pPr algn="ctr" fontAlgn="ctr"/>
+                      <a:r>
+                        <a:rPr lang="en-US" sz="900" u="none" strike="noStrike">
+                          <a:effectLst/>
+                        </a:rPr>
+                        <a:t>98</a:t>
+                      </a:r>
+                      <a:endParaRPr lang="en-US" sz="900" b="0" i="0" u="none" strike="noStrike">
+                        <a:solidFill>
+                          <a:srgbClr val="000000"/>
+                        </a:solidFill>
+                        <a:effectLst/>
+                        <a:latin typeface="Calibri" charset="0"/>
+                      </a:endParaRPr>
+                    </a:p>
+                  </a:txBody>
+                  <a:tcPr marL="4881" marR="4881" marT="4881" marB="0" anchor="ctr"/>
+                </a:tc>
+                <a:tc>
+                  <a:txBody>
+                    <a:bodyPr/>
+                    <a:lstStyle/>
+                    <a:p>
+                      <a:pPr algn="ctr" fontAlgn="ctr"/>
+                      <a:r>
+                        <a:rPr lang="en-US" sz="900" u="none" strike="noStrike">
+                          <a:effectLst/>
+                        </a:rPr>
+                        <a:t>98</a:t>
+                      </a:r>
+                      <a:endParaRPr lang="en-US" sz="900" b="0" i="0" u="none" strike="noStrike">
+                        <a:solidFill>
+                          <a:srgbClr val="000000"/>
+                        </a:solidFill>
+                        <a:effectLst/>
+                        <a:latin typeface="Calibri" charset="0"/>
+                      </a:endParaRPr>
+                    </a:p>
+                  </a:txBody>
+                  <a:tcPr marL="4881" marR="4881" marT="4881" marB="0" anchor="ctr"/>
+                </a:tc>
+                <a:tc>
+                  <a:txBody>
+                    <a:bodyPr/>
+                    <a:lstStyle/>
+                    <a:p>
+                      <a:pPr algn="ctr" fontAlgn="ctr"/>
+                      <a:r>
+                        <a:rPr lang="en-US" sz="900" u="none" strike="noStrike">
+                          <a:effectLst/>
+                        </a:rPr>
+                        <a:t>98</a:t>
+                      </a:r>
+                      <a:endParaRPr lang="en-US" sz="900" b="0" i="0" u="none" strike="noStrike">
+                        <a:solidFill>
+                          <a:srgbClr val="000000"/>
+                        </a:solidFill>
+                        <a:effectLst/>
+                        <a:latin typeface="Calibri" charset="0"/>
+                      </a:endParaRPr>
+                    </a:p>
+                  </a:txBody>
+                  <a:tcPr marL="4881" marR="4881" marT="4881" marB="0" anchor="ctr"/>
+                </a:tc>
+              </a:tr>
+              <a:tr h="156185">
+                <a:tc>
+                  <a:txBody>
+                    <a:bodyPr/>
+                    <a:lstStyle/>
+                    <a:p>
+                      <a:pPr algn="ctr" fontAlgn="ctr"/>
+                      <a:r>
+                        <a:rPr lang="en-US" sz="900" u="none" strike="noStrike">
+                          <a:effectLst/>
+                        </a:rPr>
+                        <a:t>9</a:t>
+                      </a:r>
+                      <a:endParaRPr lang="en-US" sz="900" b="0" i="0" u="none" strike="noStrike">
+                        <a:solidFill>
+                          <a:srgbClr val="000000"/>
+                        </a:solidFill>
+                        <a:effectLst/>
+                        <a:latin typeface="Calibri" charset="0"/>
+                      </a:endParaRPr>
+                    </a:p>
+                  </a:txBody>
+                  <a:tcPr marL="4881" marR="4881" marT="4881" marB="0" anchor="ctr"/>
+                </a:tc>
+                <a:tc>
+                  <a:txBody>
+                    <a:bodyPr/>
+                    <a:lstStyle/>
+                    <a:p>
+                      <a:pPr algn="ctr" fontAlgn="ctr"/>
+                      <a:r>
+                        <a:rPr lang="is-IS" sz="900" u="none" strike="noStrike">
+                          <a:effectLst/>
+                        </a:rPr>
+                        <a:t>206</a:t>
+                      </a:r>
+                      <a:endParaRPr lang="is-IS" sz="900" b="0" i="0" u="none" strike="noStrike">
+                        <a:solidFill>
+                          <a:srgbClr val="000000"/>
+                        </a:solidFill>
+                        <a:effectLst/>
+                        <a:latin typeface="Calibri" charset="0"/>
+                      </a:endParaRPr>
+                    </a:p>
+                  </a:txBody>
+                  <a:tcPr marL="4881" marR="4881" marT="4881" marB="0" anchor="ctr"/>
+                </a:tc>
+                <a:tc>
+                  <a:txBody>
+                    <a:bodyPr/>
+                    <a:lstStyle/>
+                    <a:p>
+                      <a:pPr algn="ctr" fontAlgn="ctr"/>
+                      <a:r>
+                        <a:rPr lang="en-US" sz="900" u="none" strike="noStrike">
+                          <a:effectLst/>
+                        </a:rPr>
+                        <a:t>961</a:t>
+                      </a:r>
+                      <a:endParaRPr lang="en-US" sz="900" b="0" i="0" u="none" strike="noStrike">
+                        <a:solidFill>
+                          <a:srgbClr val="000000"/>
+                        </a:solidFill>
+                        <a:effectLst/>
+                        <a:latin typeface="Calibri" charset="0"/>
+                      </a:endParaRPr>
+                    </a:p>
+                  </a:txBody>
+                  <a:tcPr marL="4881" marR="4881" marT="4881" marB="0" anchor="ctr"/>
+                </a:tc>
+                <a:tc>
+                  <a:txBody>
+                    <a:bodyPr/>
+                    <a:lstStyle/>
+                    <a:p>
+                      <a:pPr algn="ctr" fontAlgn="ctr"/>
+                      <a:r>
+                        <a:rPr lang="en-US" sz="900" u="none" strike="noStrike">
+                          <a:effectLst/>
+                        </a:rPr>
+                        <a:t>8</a:t>
+                      </a:r>
+                      <a:endParaRPr lang="en-US" sz="900" b="0" i="0" u="none" strike="noStrike">
+                        <a:solidFill>
+                          <a:srgbClr val="000000"/>
+                        </a:solidFill>
+                        <a:effectLst/>
+                        <a:latin typeface="Calibri" charset="0"/>
+                      </a:endParaRPr>
+                    </a:p>
+                  </a:txBody>
+                  <a:tcPr marL="4881" marR="4881" marT="4881" marB="0" anchor="ctr"/>
+                </a:tc>
+                <a:tc>
+                  <a:txBody>
+                    <a:bodyPr/>
+                    <a:lstStyle/>
+                    <a:p>
+                      <a:pPr algn="ctr" fontAlgn="ctr"/>
+                      <a:r>
+                        <a:rPr lang="en-US" sz="900" u="none" strike="noStrike">
+                          <a:effectLst/>
+                        </a:rPr>
+                        <a:t>7</a:t>
+                      </a:r>
+                      <a:endParaRPr lang="en-US" sz="900" b="0" i="0" u="none" strike="noStrike">
+                        <a:solidFill>
+                          <a:srgbClr val="000000"/>
+                        </a:solidFill>
+                        <a:effectLst/>
+                        <a:latin typeface="Calibri" charset="0"/>
+                      </a:endParaRPr>
+                    </a:p>
+                  </a:txBody>
+                  <a:tcPr marL="4881" marR="4881" marT="4881" marB="0" anchor="ctr"/>
+                </a:tc>
+                <a:tc>
+                  <a:txBody>
+                    <a:bodyPr/>
+                    <a:lstStyle/>
+                    <a:p>
+                      <a:pPr algn="ctr" fontAlgn="ctr"/>
+                      <a:r>
+                        <a:rPr lang="en-US" sz="900" u="none" strike="noStrike">
+                          <a:effectLst/>
+                        </a:rPr>
+                        <a:t>6</a:t>
+                      </a:r>
+                      <a:endParaRPr lang="en-US" sz="900" b="0" i="0" u="none" strike="noStrike">
+                        <a:solidFill>
+                          <a:srgbClr val="000000"/>
+                        </a:solidFill>
+                        <a:effectLst/>
+                        <a:latin typeface="Calibri" charset="0"/>
+                      </a:endParaRPr>
+                    </a:p>
+                  </a:txBody>
+                  <a:tcPr marL="4881" marR="4881" marT="4881" marB="0" anchor="ctr"/>
+                </a:tc>
+                <a:tc>
+                  <a:txBody>
+                    <a:bodyPr/>
+                    <a:lstStyle/>
+                    <a:p>
+                      <a:pPr algn="ctr" fontAlgn="ctr"/>
+                      <a:r>
+                        <a:rPr lang="en-US" sz="900" u="none" strike="noStrike">
+                          <a:effectLst/>
+                        </a:rPr>
+                        <a:t>3</a:t>
+                      </a:r>
+                      <a:endParaRPr lang="en-US" sz="900" b="0" i="0" u="none" strike="noStrike">
+                        <a:solidFill>
+                          <a:srgbClr val="000000"/>
+                        </a:solidFill>
+                        <a:effectLst/>
+                        <a:latin typeface="Calibri" charset="0"/>
+                      </a:endParaRPr>
+                    </a:p>
+                  </a:txBody>
+                  <a:tcPr marL="4881" marR="4881" marT="4881" marB="0" anchor="ctr"/>
+                </a:tc>
+                <a:tc>
+                  <a:txBody>
+                    <a:bodyPr/>
+                    <a:lstStyle/>
+                    <a:p>
+                      <a:pPr algn="ctr" fontAlgn="ctr"/>
+                      <a:r>
+                        <a:rPr lang="mr-IN" sz="900" u="none" strike="noStrike">
+                          <a:effectLst/>
+                        </a:rPr>
+                        <a:t>[3,6]</a:t>
+                      </a:r>
+                      <a:endParaRPr lang="mr-IN" sz="900" b="0" i="0" u="none" strike="noStrike">
+                        <a:solidFill>
+                          <a:srgbClr val="000000"/>
+                        </a:solidFill>
+                        <a:effectLst/>
+                        <a:latin typeface="Calibri" charset="0"/>
+                      </a:endParaRPr>
+                    </a:p>
+                  </a:txBody>
+                  <a:tcPr marL="4881" marR="4881" marT="4881" marB="0" anchor="ctr"/>
+                </a:tc>
+              </a:tr>
+              <a:tr h="156185">
+                <a:tc>
+                  <a:txBody>
+                    <a:bodyPr/>
+                    <a:lstStyle/>
+                    <a:p>
+                      <a:pPr algn="ctr" fontAlgn="ctr"/>
+                      <a:r>
+                        <a:rPr lang="en-US" sz="900" u="none" strike="noStrike">
+                          <a:effectLst/>
+                        </a:rPr>
+                        <a:t>10</a:t>
+                      </a:r>
+                      <a:endParaRPr lang="en-US" sz="900" b="0" i="0" u="none" strike="noStrike">
+                        <a:solidFill>
+                          <a:srgbClr val="000000"/>
+                        </a:solidFill>
+                        <a:effectLst/>
+                        <a:latin typeface="Calibri" charset="0"/>
+                      </a:endParaRPr>
+                    </a:p>
+                  </a:txBody>
+                  <a:tcPr marL="4881" marR="4881" marT="4881" marB="0" anchor="ctr"/>
+                </a:tc>
+                <a:tc>
+                  <a:txBody>
+                    <a:bodyPr/>
+                    <a:lstStyle/>
+                    <a:p>
+                      <a:pPr algn="ctr" fontAlgn="ctr"/>
+                      <a:r>
+                        <a:rPr lang="is-IS" sz="900" u="none" strike="noStrike">
+                          <a:effectLst/>
+                        </a:rPr>
+                        <a:t>166</a:t>
+                      </a:r>
+                      <a:endParaRPr lang="is-IS" sz="900" b="0" i="0" u="none" strike="noStrike">
+                        <a:solidFill>
+                          <a:srgbClr val="000000"/>
+                        </a:solidFill>
+                        <a:effectLst/>
+                        <a:latin typeface="Calibri" charset="0"/>
+                      </a:endParaRPr>
+                    </a:p>
+                  </a:txBody>
+                  <a:tcPr marL="4881" marR="4881" marT="4881" marB="0" anchor="ctr"/>
+                </a:tc>
+                <a:tc>
+                  <a:txBody>
+                    <a:bodyPr/>
+                    <a:lstStyle/>
+                    <a:p>
+                      <a:pPr algn="ctr" fontAlgn="ctr"/>
+                      <a:r>
+                        <a:rPr lang="cs-CZ" sz="900" u="none" strike="noStrike">
+                          <a:effectLst/>
+                        </a:rPr>
+                        <a:t>197</a:t>
+                      </a:r>
+                      <a:endParaRPr lang="cs-CZ" sz="900" b="0" i="0" u="none" strike="noStrike">
+                        <a:solidFill>
+                          <a:srgbClr val="000000"/>
+                        </a:solidFill>
+                        <a:effectLst/>
+                        <a:latin typeface="Calibri" charset="0"/>
+                      </a:endParaRPr>
+                    </a:p>
+                  </a:txBody>
+                  <a:tcPr marL="4881" marR="4881" marT="4881" marB="0" anchor="ctr"/>
+                </a:tc>
+                <a:tc>
+                  <a:txBody>
+                    <a:bodyPr/>
+                    <a:lstStyle/>
+                    <a:p>
+                      <a:pPr algn="ctr" fontAlgn="ctr"/>
+                      <a:r>
+                        <a:rPr lang="en-US" sz="900" u="none" strike="noStrike">
+                          <a:effectLst/>
+                        </a:rPr>
+                        <a:t>5</a:t>
+                      </a:r>
+                      <a:endParaRPr lang="en-US" sz="900" b="0" i="0" u="none" strike="noStrike">
+                        <a:solidFill>
+                          <a:srgbClr val="000000"/>
+                        </a:solidFill>
+                        <a:effectLst/>
+                        <a:latin typeface="Calibri" charset="0"/>
+                      </a:endParaRPr>
+                    </a:p>
+                  </a:txBody>
+                  <a:tcPr marL="4881" marR="4881" marT="4881" marB="0" anchor="ctr"/>
+                </a:tc>
+                <a:tc>
+                  <a:txBody>
+                    <a:bodyPr/>
+                    <a:lstStyle/>
+                    <a:p>
+                      <a:pPr algn="ctr" fontAlgn="ctr"/>
+                      <a:r>
+                        <a:rPr lang="en-US" sz="900" u="none" strike="noStrike">
+                          <a:effectLst/>
+                        </a:rPr>
+                        <a:t>3</a:t>
+                      </a:r>
+                      <a:endParaRPr lang="en-US" sz="900" b="0" i="0" u="none" strike="noStrike">
+                        <a:solidFill>
+                          <a:srgbClr val="000000"/>
+                        </a:solidFill>
+                        <a:effectLst/>
+                        <a:latin typeface="Calibri" charset="0"/>
+                      </a:endParaRPr>
+                    </a:p>
+                  </a:txBody>
+                  <a:tcPr marL="4881" marR="4881" marT="4881" marB="0" anchor="ctr"/>
+                </a:tc>
+                <a:tc>
+                  <a:txBody>
+                    <a:bodyPr/>
+                    <a:lstStyle/>
+                    <a:p>
+                      <a:pPr algn="ctr" fontAlgn="ctr"/>
+                      <a:r>
+                        <a:rPr lang="en-US" sz="900" u="none" strike="noStrike">
+                          <a:effectLst/>
+                        </a:rPr>
+                        <a:t>3</a:t>
+                      </a:r>
+                      <a:endParaRPr lang="en-US" sz="900" b="0" i="0" u="none" strike="noStrike">
+                        <a:solidFill>
+                          <a:srgbClr val="000000"/>
+                        </a:solidFill>
+                        <a:effectLst/>
+                        <a:latin typeface="Calibri" charset="0"/>
+                      </a:endParaRPr>
+                    </a:p>
+                  </a:txBody>
+                  <a:tcPr marL="4881" marR="4881" marT="4881" marB="0" anchor="ctr"/>
+                </a:tc>
+                <a:tc>
+                  <a:txBody>
+                    <a:bodyPr/>
+                    <a:lstStyle/>
+                    <a:p>
+                      <a:pPr algn="ctr" fontAlgn="ctr"/>
+                      <a:r>
+                        <a:rPr lang="is-IS" sz="900" u="none" strike="noStrike">
+                          <a:effectLst/>
+                        </a:rPr>
+                        <a:t>2</a:t>
+                      </a:r>
+                      <a:endParaRPr lang="is-IS" sz="900" b="0" i="0" u="none" strike="noStrike">
+                        <a:solidFill>
+                          <a:srgbClr val="000000"/>
+                        </a:solidFill>
+                        <a:effectLst/>
+                        <a:latin typeface="Calibri" charset="0"/>
+                      </a:endParaRPr>
+                    </a:p>
+                  </a:txBody>
+                  <a:tcPr marL="4881" marR="4881" marT="4881" marB="0" anchor="ctr"/>
+                </a:tc>
+                <a:tc>
+                  <a:txBody>
+                    <a:bodyPr/>
+                    <a:lstStyle/>
+                    <a:p>
+                      <a:pPr algn="ctr" fontAlgn="ctr"/>
+                      <a:r>
+                        <a:rPr lang="en-US" sz="900" u="none" strike="noStrike">
+                          <a:effectLst/>
+                        </a:rPr>
+                        <a:t>3</a:t>
+                      </a:r>
+                      <a:endParaRPr lang="en-US" sz="900" b="0" i="0" u="none" strike="noStrike">
+                        <a:solidFill>
+                          <a:srgbClr val="000000"/>
+                        </a:solidFill>
+                        <a:effectLst/>
+                        <a:latin typeface="Calibri" charset="0"/>
+                      </a:endParaRPr>
+                    </a:p>
+                  </a:txBody>
+                  <a:tcPr marL="4881" marR="4881" marT="4881" marB="0" anchor="ctr"/>
+                </a:tc>
+              </a:tr>
+              <a:tr h="156185">
+                <a:tc>
+                  <a:txBody>
+                    <a:bodyPr/>
+                    <a:lstStyle/>
+                    <a:p>
+                      <a:pPr algn="ctr" fontAlgn="ctr"/>
+                      <a:r>
+                        <a:rPr lang="cs-CZ" sz="900" u="none" strike="noStrike">
+                          <a:effectLst/>
+                        </a:rPr>
+                        <a:t>11</a:t>
+                      </a:r>
+                      <a:endParaRPr lang="cs-CZ" sz="900" b="0" i="0" u="none" strike="noStrike">
+                        <a:solidFill>
+                          <a:srgbClr val="000000"/>
+                        </a:solidFill>
+                        <a:effectLst/>
+                        <a:latin typeface="Calibri" charset="0"/>
+                      </a:endParaRPr>
+                    </a:p>
+                  </a:txBody>
+                  <a:tcPr marL="4881" marR="4881" marT="4881" marB="0" anchor="ctr"/>
+                </a:tc>
+                <a:tc>
+                  <a:txBody>
+                    <a:bodyPr/>
+                    <a:lstStyle/>
+                    <a:p>
+                      <a:pPr algn="ctr" fontAlgn="ctr"/>
+                      <a:r>
+                        <a:rPr lang="is-IS" sz="900" u="none" strike="noStrike">
+                          <a:effectLst/>
+                        </a:rPr>
+                        <a:t>164</a:t>
+                      </a:r>
+                      <a:endParaRPr lang="is-IS" sz="900" b="0" i="0" u="none" strike="noStrike">
+                        <a:solidFill>
+                          <a:srgbClr val="000000"/>
+                        </a:solidFill>
+                        <a:effectLst/>
+                        <a:latin typeface="Calibri" charset="0"/>
+                      </a:endParaRPr>
+                    </a:p>
+                  </a:txBody>
+                  <a:tcPr marL="4881" marR="4881" marT="4881" marB="0" anchor="ctr"/>
+                </a:tc>
+                <a:tc>
+                  <a:txBody>
+                    <a:bodyPr/>
+                    <a:lstStyle/>
+                    <a:p>
+                      <a:pPr algn="ctr" fontAlgn="ctr"/>
+                      <a:r>
+                        <a:rPr lang="cs-CZ" sz="900" u="none" strike="noStrike">
+                          <a:effectLst/>
+                        </a:rPr>
+                        <a:t>889</a:t>
+                      </a:r>
+                      <a:endParaRPr lang="cs-CZ" sz="900" b="0" i="0" u="none" strike="noStrike">
+                        <a:solidFill>
+                          <a:srgbClr val="000000"/>
+                        </a:solidFill>
+                        <a:effectLst/>
+                        <a:latin typeface="Calibri" charset="0"/>
+                      </a:endParaRPr>
+                    </a:p>
+                  </a:txBody>
+                  <a:tcPr marL="4881" marR="4881" marT="4881" marB="0" anchor="ctr"/>
+                </a:tc>
+                <a:tc>
+                  <a:txBody>
+                    <a:bodyPr/>
+                    <a:lstStyle/>
+                    <a:p>
+                      <a:pPr algn="ctr" fontAlgn="ctr"/>
+                      <a:r>
+                        <a:rPr lang="en-US" sz="900" u="none" strike="noStrike">
+                          <a:effectLst/>
+                        </a:rPr>
+                        <a:t>15</a:t>
+                      </a:r>
+                      <a:endParaRPr lang="en-US" sz="900" b="0" i="0" u="none" strike="noStrike">
+                        <a:solidFill>
+                          <a:srgbClr val="000000"/>
+                        </a:solidFill>
+                        <a:effectLst/>
+                        <a:latin typeface="Calibri" charset="0"/>
+                      </a:endParaRPr>
+                    </a:p>
+                  </a:txBody>
+                  <a:tcPr marL="4881" marR="4881" marT="4881" marB="0" anchor="ctr"/>
+                </a:tc>
+                <a:tc>
+                  <a:txBody>
+                    <a:bodyPr/>
+                    <a:lstStyle/>
+                    <a:p>
+                      <a:pPr algn="ctr" fontAlgn="ctr"/>
+                      <a:r>
+                        <a:rPr lang="en-US" sz="900" u="none" strike="noStrike">
+                          <a:effectLst/>
+                        </a:rPr>
+                        <a:t>15</a:t>
+                      </a:r>
+                      <a:endParaRPr lang="en-US" sz="900" b="0" i="0" u="none" strike="noStrike">
+                        <a:solidFill>
+                          <a:srgbClr val="000000"/>
+                        </a:solidFill>
+                        <a:effectLst/>
+                        <a:latin typeface="Calibri" charset="0"/>
+                      </a:endParaRPr>
+                    </a:p>
+                  </a:txBody>
+                  <a:tcPr marL="4881" marR="4881" marT="4881" marB="0" anchor="ctr"/>
+                </a:tc>
+                <a:tc>
+                  <a:txBody>
+                    <a:bodyPr/>
+                    <a:lstStyle/>
+                    <a:p>
+                      <a:pPr algn="ctr" fontAlgn="ctr"/>
+                      <a:r>
+                        <a:rPr lang="en-US" sz="900" u="none" strike="noStrike">
+                          <a:effectLst/>
+                        </a:rPr>
+                        <a:t>15</a:t>
+                      </a:r>
+                      <a:endParaRPr lang="en-US" sz="900" b="0" i="0" u="none" strike="noStrike">
+                        <a:solidFill>
+                          <a:srgbClr val="000000"/>
+                        </a:solidFill>
+                        <a:effectLst/>
+                        <a:latin typeface="Calibri" charset="0"/>
+                      </a:endParaRPr>
+                    </a:p>
+                  </a:txBody>
+                  <a:tcPr marL="4881" marR="4881" marT="4881" marB="0" anchor="ctr"/>
+                </a:tc>
+                <a:tc>
+                  <a:txBody>
+                    <a:bodyPr/>
+                    <a:lstStyle/>
+                    <a:p>
+                      <a:pPr algn="ctr" fontAlgn="ctr"/>
+                      <a:r>
+                        <a:rPr lang="en-US" sz="900" u="none" strike="noStrike">
+                          <a:effectLst/>
+                        </a:rPr>
+                        <a:t>15</a:t>
+                      </a:r>
+                      <a:endParaRPr lang="en-US" sz="900" b="0" i="0" u="none" strike="noStrike">
+                        <a:solidFill>
+                          <a:srgbClr val="000000"/>
+                        </a:solidFill>
+                        <a:effectLst/>
+                        <a:latin typeface="Calibri" charset="0"/>
+                      </a:endParaRPr>
+                    </a:p>
+                  </a:txBody>
+                  <a:tcPr marL="4881" marR="4881" marT="4881" marB="0" anchor="ctr"/>
+                </a:tc>
+                <a:tc>
+                  <a:txBody>
+                    <a:bodyPr/>
+                    <a:lstStyle/>
+                    <a:p>
+                      <a:pPr algn="ctr" fontAlgn="ctr"/>
+                      <a:r>
+                        <a:rPr lang="en-US" sz="900" u="none" strike="noStrike">
+                          <a:effectLst/>
+                        </a:rPr>
+                        <a:t>15</a:t>
+                      </a:r>
+                      <a:endParaRPr lang="en-US" sz="900" b="0" i="0" u="none" strike="noStrike">
+                        <a:solidFill>
+                          <a:srgbClr val="000000"/>
+                        </a:solidFill>
+                        <a:effectLst/>
+                        <a:latin typeface="Calibri" charset="0"/>
+                      </a:endParaRPr>
+                    </a:p>
+                  </a:txBody>
+                  <a:tcPr marL="4881" marR="4881" marT="4881" marB="0" anchor="ctr"/>
+                </a:tc>
+              </a:tr>
+              <a:tr h="156185">
+                <a:tc>
+                  <a:txBody>
+                    <a:bodyPr/>
+                    <a:lstStyle/>
+                    <a:p>
+                      <a:pPr algn="ctr" fontAlgn="ctr"/>
+                      <a:r>
+                        <a:rPr lang="is-IS" sz="900" u="none" strike="noStrike">
+                          <a:effectLst/>
+                        </a:rPr>
+                        <a:t>12</a:t>
+                      </a:r>
+                      <a:endParaRPr lang="is-IS" sz="900" b="0" i="0" u="none" strike="noStrike">
+                        <a:solidFill>
+                          <a:srgbClr val="000000"/>
+                        </a:solidFill>
+                        <a:effectLst/>
+                        <a:latin typeface="Calibri" charset="0"/>
+                      </a:endParaRPr>
+                    </a:p>
+                  </a:txBody>
+                  <a:tcPr marL="4881" marR="4881" marT="4881" marB="0" anchor="ctr"/>
+                </a:tc>
+                <a:tc>
+                  <a:txBody>
+                    <a:bodyPr/>
+                    <a:lstStyle/>
+                    <a:p>
+                      <a:pPr algn="ctr" fontAlgn="ctr"/>
+                      <a:r>
+                        <a:rPr lang="ru-RU" sz="900" u="none" strike="noStrike">
+                          <a:effectLst/>
+                        </a:rPr>
+                        <a:t>744</a:t>
+                      </a:r>
+                      <a:endParaRPr lang="ru-RU" sz="900" b="0" i="0" u="none" strike="noStrike">
+                        <a:solidFill>
+                          <a:srgbClr val="000000"/>
+                        </a:solidFill>
+                        <a:effectLst/>
+                        <a:latin typeface="Calibri" charset="0"/>
+                      </a:endParaRPr>
+                    </a:p>
+                  </a:txBody>
+                  <a:tcPr marL="4881" marR="4881" marT="4881" marB="0" anchor="ctr"/>
+                </a:tc>
+                <a:tc>
+                  <a:txBody>
+                    <a:bodyPr/>
+                    <a:lstStyle/>
+                    <a:p>
+                      <a:pPr algn="ctr" fontAlgn="ctr"/>
+                      <a:r>
+                        <a:rPr lang="ru-RU" sz="900" u="none" strike="noStrike">
+                          <a:effectLst/>
+                        </a:rPr>
+                        <a:t>744</a:t>
+                      </a:r>
+                      <a:endParaRPr lang="ru-RU" sz="900" b="0" i="0" u="none" strike="noStrike">
+                        <a:solidFill>
+                          <a:srgbClr val="000000"/>
+                        </a:solidFill>
+                        <a:effectLst/>
+                        <a:latin typeface="Calibri" charset="0"/>
+                      </a:endParaRPr>
+                    </a:p>
+                  </a:txBody>
+                  <a:tcPr marL="4881" marR="4881" marT="4881" marB="0" anchor="ctr"/>
+                </a:tc>
+                <a:tc>
+                  <a:txBody>
+                    <a:bodyPr/>
+                    <a:lstStyle/>
+                    <a:p>
+                      <a:pPr algn="ctr" fontAlgn="ctr"/>
+                      <a:r>
+                        <a:rPr lang="en-US" sz="900" u="none" strike="noStrike">
+                          <a:effectLst/>
+                        </a:rPr>
+                        <a:t>4</a:t>
+                      </a:r>
+                      <a:endParaRPr lang="en-US" sz="900" b="0" i="0" u="none" strike="noStrike">
+                        <a:solidFill>
+                          <a:srgbClr val="000000"/>
+                        </a:solidFill>
+                        <a:effectLst/>
+                        <a:latin typeface="Calibri" charset="0"/>
+                      </a:endParaRPr>
+                    </a:p>
+                  </a:txBody>
+                  <a:tcPr marL="4881" marR="4881" marT="4881" marB="0" anchor="ctr"/>
+                </a:tc>
+                <a:tc>
+                  <a:txBody>
+                    <a:bodyPr/>
+                    <a:lstStyle/>
+                    <a:p>
+                      <a:pPr algn="ctr" fontAlgn="ctr"/>
+                      <a:r>
+                        <a:rPr lang="en-US" sz="900" u="none" strike="noStrike">
+                          <a:effectLst/>
+                        </a:rPr>
+                        <a:t>3</a:t>
+                      </a:r>
+                      <a:endParaRPr lang="en-US" sz="900" b="0" i="0" u="none" strike="noStrike">
+                        <a:solidFill>
+                          <a:srgbClr val="000000"/>
+                        </a:solidFill>
+                        <a:effectLst/>
+                        <a:latin typeface="Calibri" charset="0"/>
+                      </a:endParaRPr>
+                    </a:p>
+                  </a:txBody>
+                  <a:tcPr marL="4881" marR="4881" marT="4881" marB="0" anchor="ctr"/>
+                </a:tc>
+                <a:tc>
+                  <a:txBody>
+                    <a:bodyPr/>
+                    <a:lstStyle/>
+                    <a:p>
+                      <a:pPr algn="ctr" fontAlgn="ctr"/>
+                      <a:r>
+                        <a:rPr lang="en-US" sz="900" u="none" strike="noStrike">
+                          <a:effectLst/>
+                        </a:rPr>
+                        <a:t>3</a:t>
+                      </a:r>
+                      <a:endParaRPr lang="en-US" sz="900" b="0" i="0" u="none" strike="noStrike">
+                        <a:solidFill>
+                          <a:srgbClr val="000000"/>
+                        </a:solidFill>
+                        <a:effectLst/>
+                        <a:latin typeface="Calibri" charset="0"/>
+                      </a:endParaRPr>
+                    </a:p>
+                  </a:txBody>
+                  <a:tcPr marL="4881" marR="4881" marT="4881" marB="0" anchor="ctr"/>
+                </a:tc>
+                <a:tc>
+                  <a:txBody>
+                    <a:bodyPr/>
+                    <a:lstStyle/>
+                    <a:p>
+                      <a:pPr algn="ctr" fontAlgn="ctr"/>
+                      <a:r>
+                        <a:rPr lang="is-IS" sz="900" u="none" strike="noStrike">
+                          <a:effectLst/>
+                        </a:rPr>
+                        <a:t>2</a:t>
+                      </a:r>
+                      <a:endParaRPr lang="is-IS" sz="900" b="0" i="0" u="none" strike="noStrike">
+                        <a:solidFill>
+                          <a:srgbClr val="000000"/>
+                        </a:solidFill>
+                        <a:effectLst/>
+                        <a:latin typeface="Calibri" charset="0"/>
+                      </a:endParaRPr>
+                    </a:p>
+                  </a:txBody>
+                  <a:tcPr marL="4881" marR="4881" marT="4881" marB="0" anchor="ctr"/>
+                </a:tc>
+                <a:tc>
+                  <a:txBody>
+                    <a:bodyPr/>
+                    <a:lstStyle/>
+                    <a:p>
+                      <a:pPr algn="ctr" fontAlgn="ctr"/>
+                      <a:r>
+                        <a:rPr lang="is-IS" sz="900" u="none" strike="noStrike">
+                          <a:effectLst/>
+                        </a:rPr>
+                        <a:t>2</a:t>
+                      </a:r>
+                      <a:endParaRPr lang="is-IS" sz="900" b="0" i="0" u="none" strike="noStrike">
+                        <a:solidFill>
+                          <a:srgbClr val="000000"/>
+                        </a:solidFill>
+                        <a:effectLst/>
+                        <a:latin typeface="Calibri" charset="0"/>
+                      </a:endParaRPr>
+                    </a:p>
+                  </a:txBody>
+                  <a:tcPr marL="4881" marR="4881" marT="4881" marB="0" anchor="ctr"/>
+                </a:tc>
+              </a:tr>
+              <a:tr h="156185">
+                <a:tc>
+                  <a:txBody>
+                    <a:bodyPr/>
+                    <a:lstStyle/>
+                    <a:p>
+                      <a:pPr algn="ctr" fontAlgn="ctr"/>
+                      <a:r>
+                        <a:rPr lang="is-IS" sz="900" u="none" strike="noStrike">
+                          <a:effectLst/>
+                        </a:rPr>
+                        <a:t>13</a:t>
+                      </a:r>
+                      <a:endParaRPr lang="is-IS" sz="900" b="0" i="0" u="none" strike="noStrike">
+                        <a:solidFill>
+                          <a:srgbClr val="000000"/>
+                        </a:solidFill>
+                        <a:effectLst/>
+                        <a:latin typeface="Calibri" charset="0"/>
+                      </a:endParaRPr>
+                    </a:p>
+                  </a:txBody>
+                  <a:tcPr marL="4881" marR="4881" marT="4881" marB="0" anchor="ctr"/>
+                </a:tc>
+                <a:tc>
+                  <a:txBody>
+                    <a:bodyPr/>
+                    <a:lstStyle/>
+                    <a:p>
+                      <a:pPr algn="ctr" fontAlgn="ctr"/>
+                      <a:r>
+                        <a:rPr lang="en-US" sz="900" u="none" strike="noStrike">
+                          <a:effectLst/>
+                        </a:rPr>
+                        <a:t>85</a:t>
+                      </a:r>
+                      <a:endParaRPr lang="en-US" sz="900" b="0" i="0" u="none" strike="noStrike">
+                        <a:solidFill>
+                          <a:srgbClr val="000000"/>
+                        </a:solidFill>
+                        <a:effectLst/>
+                        <a:latin typeface="Calibri" charset="0"/>
+                      </a:endParaRPr>
+                    </a:p>
+                  </a:txBody>
+                  <a:tcPr marL="4881" marR="4881" marT="4881" marB="0" anchor="ctr"/>
+                </a:tc>
+                <a:tc>
+                  <a:txBody>
+                    <a:bodyPr/>
+                    <a:lstStyle/>
+                    <a:p>
+                      <a:pPr algn="ctr" fontAlgn="ctr"/>
+                      <a:r>
+                        <a:rPr lang="is-IS" sz="900" u="none" strike="noStrike">
+                          <a:effectLst/>
+                        </a:rPr>
+                        <a:t>1060</a:t>
+                      </a:r>
+                      <a:endParaRPr lang="is-IS" sz="900" b="0" i="0" u="none" strike="noStrike">
+                        <a:solidFill>
+                          <a:srgbClr val="000000"/>
+                        </a:solidFill>
+                        <a:effectLst/>
+                        <a:latin typeface="Calibri" charset="0"/>
+                      </a:endParaRPr>
+                    </a:p>
+                  </a:txBody>
+                  <a:tcPr marL="4881" marR="4881" marT="4881" marB="0" anchor="ctr"/>
+                </a:tc>
+                <a:tc>
+                  <a:txBody>
+                    <a:bodyPr/>
+                    <a:lstStyle/>
+                    <a:p>
+                      <a:pPr algn="ctr" fontAlgn="ctr"/>
+                      <a:r>
+                        <a:rPr lang="en-US" sz="900" u="none" strike="noStrike">
+                          <a:effectLst/>
+                        </a:rPr>
+                        <a:t>14</a:t>
+                      </a:r>
+                      <a:endParaRPr lang="en-US" sz="900" b="0" i="0" u="none" strike="noStrike">
+                        <a:solidFill>
+                          <a:srgbClr val="000000"/>
+                        </a:solidFill>
+                        <a:effectLst/>
+                        <a:latin typeface="Calibri" charset="0"/>
+                      </a:endParaRPr>
+                    </a:p>
+                  </a:txBody>
+                  <a:tcPr marL="4881" marR="4881" marT="4881" marB="0" anchor="ctr"/>
+                </a:tc>
+                <a:tc>
+                  <a:txBody>
+                    <a:bodyPr/>
+                    <a:lstStyle/>
+                    <a:p>
+                      <a:pPr algn="ctr" fontAlgn="ctr"/>
+                      <a:r>
+                        <a:rPr lang="en-US" sz="900" u="none" strike="noStrike">
+                          <a:effectLst/>
+                        </a:rPr>
+                        <a:t>16</a:t>
+                      </a:r>
+                      <a:endParaRPr lang="en-US" sz="900" b="0" i="0" u="none" strike="noStrike">
+                        <a:solidFill>
+                          <a:srgbClr val="000000"/>
+                        </a:solidFill>
+                        <a:effectLst/>
+                        <a:latin typeface="Calibri" charset="0"/>
+                      </a:endParaRPr>
+                    </a:p>
+                  </a:txBody>
+                  <a:tcPr marL="4881" marR="4881" marT="4881" marB="0" anchor="ctr"/>
+                </a:tc>
+                <a:tc>
+                  <a:txBody>
+                    <a:bodyPr/>
+                    <a:lstStyle/>
+                    <a:p>
+                      <a:pPr algn="ctr" fontAlgn="ctr"/>
+                      <a:r>
+                        <a:rPr lang="is-IS" sz="900" u="none" strike="noStrike">
+                          <a:effectLst/>
+                        </a:rPr>
+                        <a:t>12</a:t>
+                      </a:r>
+                      <a:endParaRPr lang="is-IS" sz="900" b="0" i="0" u="none" strike="noStrike">
+                        <a:solidFill>
+                          <a:srgbClr val="000000"/>
+                        </a:solidFill>
+                        <a:effectLst/>
+                        <a:latin typeface="Calibri" charset="0"/>
+                      </a:endParaRPr>
+                    </a:p>
+                  </a:txBody>
+                  <a:tcPr marL="4881" marR="4881" marT="4881" marB="0" anchor="ctr"/>
+                </a:tc>
+                <a:tc>
+                  <a:txBody>
+                    <a:bodyPr/>
+                    <a:lstStyle/>
+                    <a:p>
+                      <a:pPr algn="ctr" fontAlgn="ctr"/>
+                      <a:r>
+                        <a:rPr lang="en-US" sz="900" u="none" strike="noStrike">
+                          <a:effectLst/>
+                        </a:rPr>
+                        <a:t>9</a:t>
+                      </a:r>
+                      <a:endParaRPr lang="en-US" sz="900" b="0" i="0" u="none" strike="noStrike">
+                        <a:solidFill>
+                          <a:srgbClr val="000000"/>
+                        </a:solidFill>
+                        <a:effectLst/>
+                        <a:latin typeface="Calibri" charset="0"/>
+                      </a:endParaRPr>
+                    </a:p>
+                  </a:txBody>
+                  <a:tcPr marL="4881" marR="4881" marT="4881" marB="0" anchor="ctr"/>
+                </a:tc>
+                <a:tc>
+                  <a:txBody>
+                    <a:bodyPr/>
+                    <a:lstStyle/>
+                    <a:p>
+                      <a:pPr algn="ctr" fontAlgn="ctr"/>
+                      <a:r>
+                        <a:rPr lang="pt-BR" sz="900" u="none" strike="noStrike">
+                          <a:effectLst/>
+                        </a:rPr>
+                        <a:t>[9,12]</a:t>
+                      </a:r>
+                      <a:endParaRPr lang="pt-BR" sz="900" b="0" i="0" u="none" strike="noStrike">
+                        <a:solidFill>
+                          <a:srgbClr val="000000"/>
+                        </a:solidFill>
+                        <a:effectLst/>
+                        <a:latin typeface="Calibri" charset="0"/>
+                      </a:endParaRPr>
+                    </a:p>
+                  </a:txBody>
+                  <a:tcPr marL="4881" marR="4881" marT="4881" marB="0" anchor="ctr"/>
+                </a:tc>
+              </a:tr>
+              <a:tr h="156185">
+                <a:tc>
+                  <a:txBody>
+                    <a:bodyPr/>
+                    <a:lstStyle/>
+                    <a:p>
+                      <a:pPr algn="ctr" fontAlgn="ctr"/>
+                      <a:r>
+                        <a:rPr lang="en-US" sz="900" u="none" strike="noStrike">
+                          <a:effectLst/>
+                        </a:rPr>
+                        <a:t>14</a:t>
+                      </a:r>
+                      <a:endParaRPr lang="en-US" sz="900" b="0" i="0" u="none" strike="noStrike">
+                        <a:solidFill>
+                          <a:srgbClr val="000000"/>
+                        </a:solidFill>
+                        <a:effectLst/>
+                        <a:latin typeface="Calibri" charset="0"/>
+                      </a:endParaRPr>
+                    </a:p>
+                  </a:txBody>
+                  <a:tcPr marL="4881" marR="4881" marT="4881" marB="0" anchor="ctr"/>
+                </a:tc>
+                <a:tc>
+                  <a:txBody>
+                    <a:bodyPr/>
+                    <a:lstStyle/>
+                    <a:p>
+                      <a:pPr algn="ctr" fontAlgn="ctr"/>
+                      <a:r>
+                        <a:rPr lang="is-IS" sz="900" u="none" strike="noStrike">
+                          <a:effectLst/>
+                        </a:rPr>
+                        <a:t>907</a:t>
+                      </a:r>
+                      <a:endParaRPr lang="is-IS" sz="900" b="0" i="0" u="none" strike="noStrike">
+                        <a:solidFill>
+                          <a:srgbClr val="000000"/>
+                        </a:solidFill>
+                        <a:effectLst/>
+                        <a:latin typeface="Calibri" charset="0"/>
+                      </a:endParaRPr>
+                    </a:p>
+                  </a:txBody>
+                  <a:tcPr marL="4881" marR="4881" marT="4881" marB="0" anchor="ctr"/>
+                </a:tc>
+                <a:tc>
+                  <a:txBody>
+                    <a:bodyPr/>
+                    <a:lstStyle/>
+                    <a:p>
+                      <a:pPr algn="ctr" fontAlgn="ctr"/>
+                      <a:r>
+                        <a:rPr lang="is-IS" sz="900" u="none" strike="noStrike">
+                          <a:effectLst/>
+                        </a:rPr>
+                        <a:t>1808</a:t>
+                      </a:r>
+                      <a:endParaRPr lang="is-IS" sz="900" b="0" i="0" u="none" strike="noStrike">
+                        <a:solidFill>
+                          <a:srgbClr val="000000"/>
+                        </a:solidFill>
+                        <a:effectLst/>
+                        <a:latin typeface="Calibri" charset="0"/>
+                      </a:endParaRPr>
+                    </a:p>
+                  </a:txBody>
+                  <a:tcPr marL="4881" marR="4881" marT="4881" marB="0" anchor="ctr"/>
+                </a:tc>
+                <a:tc>
+                  <a:txBody>
+                    <a:bodyPr/>
+                    <a:lstStyle/>
+                    <a:p>
+                      <a:pPr algn="ctr" fontAlgn="ctr"/>
+                      <a:r>
+                        <a:rPr lang="en-US" sz="900" u="none" strike="noStrike">
+                          <a:effectLst/>
+                        </a:rPr>
+                        <a:t>5</a:t>
+                      </a:r>
+                      <a:endParaRPr lang="en-US" sz="900" b="0" i="0" u="none" strike="noStrike">
+                        <a:solidFill>
+                          <a:srgbClr val="000000"/>
+                        </a:solidFill>
+                        <a:effectLst/>
+                        <a:latin typeface="Calibri" charset="0"/>
+                      </a:endParaRPr>
+                    </a:p>
+                  </a:txBody>
+                  <a:tcPr marL="4881" marR="4881" marT="4881" marB="0" anchor="ctr"/>
+                </a:tc>
+                <a:tc>
+                  <a:txBody>
+                    <a:bodyPr/>
+                    <a:lstStyle/>
+                    <a:p>
+                      <a:pPr algn="ctr" fontAlgn="ctr"/>
+                      <a:r>
+                        <a:rPr lang="en-US" sz="900" u="none" strike="noStrike">
+                          <a:effectLst/>
+                        </a:rPr>
+                        <a:t>5</a:t>
+                      </a:r>
+                      <a:endParaRPr lang="en-US" sz="900" b="0" i="0" u="none" strike="noStrike">
+                        <a:solidFill>
+                          <a:srgbClr val="000000"/>
+                        </a:solidFill>
+                        <a:effectLst/>
+                        <a:latin typeface="Calibri" charset="0"/>
+                      </a:endParaRPr>
+                    </a:p>
+                  </a:txBody>
+                  <a:tcPr marL="4881" marR="4881" marT="4881" marB="0" anchor="ctr"/>
+                </a:tc>
+                <a:tc>
+                  <a:txBody>
+                    <a:bodyPr/>
+                    <a:lstStyle/>
+                    <a:p>
+                      <a:pPr algn="ctr" fontAlgn="ctr"/>
+                      <a:r>
+                        <a:rPr lang="en-US" sz="900" u="none" strike="noStrike">
+                          <a:effectLst/>
+                        </a:rPr>
+                        <a:t>4</a:t>
+                      </a:r>
+                      <a:endParaRPr lang="en-US" sz="900" b="0" i="0" u="none" strike="noStrike">
+                        <a:solidFill>
+                          <a:srgbClr val="000000"/>
+                        </a:solidFill>
+                        <a:effectLst/>
+                        <a:latin typeface="Calibri" charset="0"/>
+                      </a:endParaRPr>
+                    </a:p>
+                  </a:txBody>
+                  <a:tcPr marL="4881" marR="4881" marT="4881" marB="0" anchor="ctr"/>
+                </a:tc>
+                <a:tc>
+                  <a:txBody>
+                    <a:bodyPr/>
+                    <a:lstStyle/>
+                    <a:p>
+                      <a:pPr algn="ctr" fontAlgn="ctr"/>
+                      <a:r>
+                        <a:rPr lang="en-US" sz="900" u="none" strike="noStrike">
+                          <a:effectLst/>
+                        </a:rPr>
+                        <a:t>3</a:t>
+                      </a:r>
+                      <a:endParaRPr lang="en-US" sz="900" b="0" i="0" u="none" strike="noStrike">
+                        <a:solidFill>
+                          <a:srgbClr val="000000"/>
+                        </a:solidFill>
+                        <a:effectLst/>
+                        <a:latin typeface="Calibri" charset="0"/>
+                      </a:endParaRPr>
+                    </a:p>
+                  </a:txBody>
+                  <a:tcPr marL="4881" marR="4881" marT="4881" marB="0" anchor="ctr"/>
+                </a:tc>
+                <a:tc>
+                  <a:txBody>
+                    <a:bodyPr/>
+                    <a:lstStyle/>
+                    <a:p>
+                      <a:pPr algn="ctr" fontAlgn="ctr"/>
+                      <a:r>
+                        <a:rPr lang="mr-IN" sz="900" u="none" strike="noStrike">
+                          <a:effectLst/>
+                        </a:rPr>
+                        <a:t>[3,4]</a:t>
+                      </a:r>
+                      <a:endParaRPr lang="mr-IN" sz="900" b="0" i="0" u="none" strike="noStrike">
+                        <a:solidFill>
+                          <a:srgbClr val="000000"/>
+                        </a:solidFill>
+                        <a:effectLst/>
+                        <a:latin typeface="Calibri" charset="0"/>
+                      </a:endParaRPr>
+                    </a:p>
+                  </a:txBody>
+                  <a:tcPr marL="4881" marR="4881" marT="4881" marB="0" anchor="ctr"/>
+                </a:tc>
+              </a:tr>
+              <a:tr h="156185">
+                <a:tc>
+                  <a:txBody>
+                    <a:bodyPr/>
+                    <a:lstStyle/>
+                    <a:p>
+                      <a:pPr algn="ctr" fontAlgn="ctr"/>
+                      <a:r>
+                        <a:rPr lang="en-US" sz="900" u="none" strike="noStrike">
+                          <a:effectLst/>
+                        </a:rPr>
+                        <a:t>15</a:t>
+                      </a:r>
+                      <a:endParaRPr lang="en-US" sz="900" b="0" i="0" u="none" strike="noStrike">
+                        <a:solidFill>
+                          <a:srgbClr val="000000"/>
+                        </a:solidFill>
+                        <a:effectLst/>
+                        <a:latin typeface="Calibri" charset="0"/>
+                      </a:endParaRPr>
+                    </a:p>
+                  </a:txBody>
+                  <a:tcPr marL="4881" marR="4881" marT="4881" marB="0" anchor="ctr"/>
+                </a:tc>
+                <a:tc>
+                  <a:txBody>
+                    <a:bodyPr/>
+                    <a:lstStyle/>
+                    <a:p>
+                      <a:pPr algn="ctr" fontAlgn="ctr"/>
+                      <a:r>
+                        <a:rPr lang="is-IS" sz="900" u="none" strike="noStrike">
+                          <a:effectLst/>
+                        </a:rPr>
+                        <a:t>215</a:t>
+                      </a:r>
+                      <a:endParaRPr lang="is-IS" sz="900" b="0" i="0" u="none" strike="noStrike">
+                        <a:solidFill>
+                          <a:srgbClr val="000000"/>
+                        </a:solidFill>
+                        <a:effectLst/>
+                        <a:latin typeface="Calibri" charset="0"/>
+                      </a:endParaRPr>
+                    </a:p>
+                  </a:txBody>
+                  <a:tcPr marL="4881" marR="4881" marT="4881" marB="0" anchor="ctr"/>
+                </a:tc>
+                <a:tc>
+                  <a:txBody>
+                    <a:bodyPr/>
+                    <a:lstStyle/>
+                    <a:p>
+                      <a:pPr algn="ctr" fontAlgn="ctr"/>
+                      <a:r>
+                        <a:rPr lang="is-IS" sz="900" u="none" strike="noStrike">
+                          <a:effectLst/>
+                        </a:rPr>
+                        <a:t>1642</a:t>
+                      </a:r>
+                      <a:endParaRPr lang="is-IS" sz="900" b="0" i="0" u="none" strike="noStrike">
+                        <a:solidFill>
+                          <a:srgbClr val="000000"/>
+                        </a:solidFill>
+                        <a:effectLst/>
+                        <a:latin typeface="Calibri" charset="0"/>
+                      </a:endParaRPr>
+                    </a:p>
+                  </a:txBody>
+                  <a:tcPr marL="4881" marR="4881" marT="4881" marB="0" anchor="ctr"/>
+                </a:tc>
+                <a:tc>
+                  <a:txBody>
+                    <a:bodyPr/>
+                    <a:lstStyle/>
+                    <a:p>
+                      <a:pPr algn="ctr" fontAlgn="ctr"/>
+                      <a:r>
+                        <a:rPr lang="cs-CZ" sz="900" u="none" strike="noStrike">
+                          <a:effectLst/>
+                        </a:rPr>
+                        <a:t>11</a:t>
+                      </a:r>
+                      <a:endParaRPr lang="cs-CZ" sz="900" b="0" i="0" u="none" strike="noStrike">
+                        <a:solidFill>
+                          <a:srgbClr val="000000"/>
+                        </a:solidFill>
+                        <a:effectLst/>
+                        <a:latin typeface="Calibri" charset="0"/>
+                      </a:endParaRPr>
+                    </a:p>
+                  </a:txBody>
+                  <a:tcPr marL="4881" marR="4881" marT="4881" marB="0" anchor="ctr"/>
+                </a:tc>
+                <a:tc>
+                  <a:txBody>
+                    <a:bodyPr/>
+                    <a:lstStyle/>
+                    <a:p>
+                      <a:pPr algn="ctr" fontAlgn="ctr"/>
+                      <a:r>
+                        <a:rPr lang="en-US" sz="900" u="none" strike="noStrike">
+                          <a:effectLst/>
+                        </a:rPr>
+                        <a:t>10</a:t>
+                      </a:r>
+                      <a:endParaRPr lang="en-US" sz="900" b="0" i="0" u="none" strike="noStrike">
+                        <a:solidFill>
+                          <a:srgbClr val="000000"/>
+                        </a:solidFill>
+                        <a:effectLst/>
+                        <a:latin typeface="Calibri" charset="0"/>
+                      </a:endParaRPr>
+                    </a:p>
+                  </a:txBody>
+                  <a:tcPr marL="4881" marR="4881" marT="4881" marB="0" anchor="ctr"/>
+                </a:tc>
+                <a:tc>
+                  <a:txBody>
+                    <a:bodyPr/>
+                    <a:lstStyle/>
+                    <a:p>
+                      <a:pPr algn="ctr" fontAlgn="ctr"/>
+                      <a:r>
+                        <a:rPr lang="en-US" sz="900" u="none" strike="noStrike">
+                          <a:effectLst/>
+                        </a:rPr>
+                        <a:t>9</a:t>
+                      </a:r>
+                      <a:endParaRPr lang="en-US" sz="900" b="0" i="0" u="none" strike="noStrike">
+                        <a:solidFill>
+                          <a:srgbClr val="000000"/>
+                        </a:solidFill>
+                        <a:effectLst/>
+                        <a:latin typeface="Calibri" charset="0"/>
+                      </a:endParaRPr>
+                    </a:p>
+                  </a:txBody>
+                  <a:tcPr marL="4881" marR="4881" marT="4881" marB="0" anchor="ctr"/>
+                </a:tc>
+                <a:tc>
+                  <a:txBody>
+                    <a:bodyPr/>
+                    <a:lstStyle/>
+                    <a:p>
+                      <a:pPr algn="ctr" fontAlgn="ctr"/>
+                      <a:r>
+                        <a:rPr lang="en-US" sz="900" u="none" strike="noStrike">
+                          <a:effectLst/>
+                        </a:rPr>
+                        <a:t>5</a:t>
+                      </a:r>
+                      <a:endParaRPr lang="en-US" sz="900" b="0" i="0" u="none" strike="noStrike">
+                        <a:solidFill>
+                          <a:srgbClr val="000000"/>
+                        </a:solidFill>
+                        <a:effectLst/>
+                        <a:latin typeface="Calibri" charset="0"/>
+                      </a:endParaRPr>
+                    </a:p>
+                  </a:txBody>
+                  <a:tcPr marL="4881" marR="4881" marT="4881" marB="0" anchor="ctr"/>
+                </a:tc>
+                <a:tc>
+                  <a:txBody>
+                    <a:bodyPr/>
+                    <a:lstStyle/>
+                    <a:p>
+                      <a:pPr algn="ctr" fontAlgn="ctr"/>
+                      <a:r>
+                        <a:rPr lang="mr-IN" sz="900" u="none" strike="noStrike">
+                          <a:effectLst/>
+                        </a:rPr>
+                        <a:t>[5,9]</a:t>
+                      </a:r>
+                      <a:endParaRPr lang="mr-IN" sz="900" b="0" i="0" u="none" strike="noStrike">
+                        <a:solidFill>
+                          <a:srgbClr val="000000"/>
+                        </a:solidFill>
+                        <a:effectLst/>
+                        <a:latin typeface="Calibri" charset="0"/>
+                      </a:endParaRPr>
+                    </a:p>
+                  </a:txBody>
+                  <a:tcPr marL="4881" marR="4881" marT="4881" marB="0" anchor="ctr"/>
+                </a:tc>
+              </a:tr>
+              <a:tr h="156185">
+                <a:tc>
+                  <a:txBody>
+                    <a:bodyPr/>
+                    <a:lstStyle/>
+                    <a:p>
+                      <a:pPr algn="ctr" fontAlgn="ctr"/>
+                      <a:r>
+                        <a:rPr lang="en-US" sz="900" u="none" strike="noStrike">
+                          <a:effectLst/>
+                        </a:rPr>
+                        <a:t>16</a:t>
+                      </a:r>
+                      <a:endParaRPr lang="en-US" sz="900" b="0" i="0" u="none" strike="noStrike">
+                        <a:solidFill>
+                          <a:srgbClr val="000000"/>
+                        </a:solidFill>
+                        <a:effectLst/>
+                        <a:latin typeface="Calibri" charset="0"/>
+                      </a:endParaRPr>
+                    </a:p>
+                  </a:txBody>
+                  <a:tcPr marL="4881" marR="4881" marT="4881" marB="0" anchor="ctr"/>
+                </a:tc>
+                <a:tc>
+                  <a:txBody>
+                    <a:bodyPr/>
+                    <a:lstStyle/>
+                    <a:p>
+                      <a:pPr algn="ctr" fontAlgn="ctr"/>
+                      <a:r>
+                        <a:rPr lang="is-IS" sz="900" u="none" strike="noStrike">
+                          <a:effectLst/>
+                        </a:rPr>
+                        <a:t>164</a:t>
+                      </a:r>
+                      <a:endParaRPr lang="is-IS" sz="900" b="0" i="0" u="none" strike="noStrike">
+                        <a:solidFill>
+                          <a:srgbClr val="000000"/>
+                        </a:solidFill>
+                        <a:effectLst/>
+                        <a:latin typeface="Calibri" charset="0"/>
+                      </a:endParaRPr>
+                    </a:p>
+                  </a:txBody>
+                  <a:tcPr marL="4881" marR="4881" marT="4881" marB="0" anchor="ctr"/>
+                </a:tc>
+                <a:tc>
+                  <a:txBody>
+                    <a:bodyPr/>
+                    <a:lstStyle/>
+                    <a:p>
+                      <a:pPr algn="ctr" fontAlgn="ctr"/>
+                      <a:r>
+                        <a:rPr lang="is-IS" sz="900" u="none" strike="noStrike">
+                          <a:effectLst/>
+                        </a:rPr>
+                        <a:t>323</a:t>
+                      </a:r>
+                      <a:endParaRPr lang="is-IS" sz="900" b="0" i="0" u="none" strike="noStrike">
+                        <a:solidFill>
+                          <a:srgbClr val="000000"/>
+                        </a:solidFill>
+                        <a:effectLst/>
+                        <a:latin typeface="Calibri" charset="0"/>
+                      </a:endParaRPr>
+                    </a:p>
+                  </a:txBody>
+                  <a:tcPr marL="4881" marR="4881" marT="4881" marB="0" anchor="ctr"/>
+                </a:tc>
+                <a:tc>
+                  <a:txBody>
+                    <a:bodyPr/>
+                    <a:lstStyle/>
+                    <a:p>
+                      <a:pPr algn="ctr" fontAlgn="ctr"/>
+                      <a:r>
+                        <a:rPr lang="en-US" sz="900" u="none" strike="noStrike">
+                          <a:effectLst/>
+                        </a:rPr>
+                        <a:t>5</a:t>
+                      </a:r>
+                      <a:endParaRPr lang="en-US" sz="900" b="0" i="0" u="none" strike="noStrike">
+                        <a:solidFill>
+                          <a:srgbClr val="000000"/>
+                        </a:solidFill>
+                        <a:effectLst/>
+                        <a:latin typeface="Calibri" charset="0"/>
+                      </a:endParaRPr>
+                    </a:p>
+                  </a:txBody>
+                  <a:tcPr marL="4881" marR="4881" marT="4881" marB="0" anchor="ctr"/>
+                </a:tc>
+                <a:tc>
+                  <a:txBody>
+                    <a:bodyPr/>
+                    <a:lstStyle/>
+                    <a:p>
+                      <a:pPr algn="ctr" fontAlgn="ctr"/>
+                      <a:r>
+                        <a:rPr lang="en-US" sz="900" u="none" strike="noStrike">
+                          <a:effectLst/>
+                        </a:rPr>
+                        <a:t>4</a:t>
+                      </a:r>
+                      <a:endParaRPr lang="en-US" sz="900" b="0" i="0" u="none" strike="noStrike">
+                        <a:solidFill>
+                          <a:srgbClr val="000000"/>
+                        </a:solidFill>
+                        <a:effectLst/>
+                        <a:latin typeface="Calibri" charset="0"/>
+                      </a:endParaRPr>
+                    </a:p>
+                  </a:txBody>
+                  <a:tcPr marL="4881" marR="4881" marT="4881" marB="0" anchor="ctr"/>
+                </a:tc>
+                <a:tc>
+                  <a:txBody>
+                    <a:bodyPr/>
+                    <a:lstStyle/>
+                    <a:p>
+                      <a:pPr algn="ctr" fontAlgn="ctr"/>
+                      <a:r>
+                        <a:rPr lang="en-US" sz="900" u="none" strike="noStrike">
+                          <a:effectLst/>
+                        </a:rPr>
+                        <a:t>4</a:t>
+                      </a:r>
+                      <a:endParaRPr lang="en-US" sz="900" b="0" i="0" u="none" strike="noStrike">
+                        <a:solidFill>
+                          <a:srgbClr val="000000"/>
+                        </a:solidFill>
+                        <a:effectLst/>
+                        <a:latin typeface="Calibri" charset="0"/>
+                      </a:endParaRPr>
+                    </a:p>
+                  </a:txBody>
+                  <a:tcPr marL="4881" marR="4881" marT="4881" marB="0" anchor="ctr"/>
+                </a:tc>
+                <a:tc>
+                  <a:txBody>
+                    <a:bodyPr/>
+                    <a:lstStyle/>
+                    <a:p>
+                      <a:pPr algn="ctr" fontAlgn="ctr"/>
+                      <a:r>
+                        <a:rPr lang="is-IS" sz="900" u="none" strike="noStrike">
+                          <a:effectLst/>
+                        </a:rPr>
+                        <a:t>2</a:t>
+                      </a:r>
+                      <a:endParaRPr lang="is-IS" sz="900" b="0" i="0" u="none" strike="noStrike">
+                        <a:solidFill>
+                          <a:srgbClr val="000000"/>
+                        </a:solidFill>
+                        <a:effectLst/>
+                        <a:latin typeface="Calibri" charset="0"/>
+                      </a:endParaRPr>
+                    </a:p>
+                  </a:txBody>
+                  <a:tcPr marL="4881" marR="4881" marT="4881" marB="0" anchor="ctr"/>
+                </a:tc>
+                <a:tc>
+                  <a:txBody>
+                    <a:bodyPr/>
+                    <a:lstStyle/>
+                    <a:p>
+                      <a:pPr algn="ctr" fontAlgn="ctr"/>
+                      <a:r>
+                        <a:rPr lang="en-US" sz="900" u="none" strike="noStrike">
+                          <a:effectLst/>
+                        </a:rPr>
+                        <a:t>4</a:t>
+                      </a:r>
+                      <a:endParaRPr lang="en-US" sz="900" b="0" i="0" u="none" strike="noStrike">
+                        <a:solidFill>
+                          <a:srgbClr val="000000"/>
+                        </a:solidFill>
+                        <a:effectLst/>
+                        <a:latin typeface="Calibri" charset="0"/>
+                      </a:endParaRPr>
+                    </a:p>
+                  </a:txBody>
+                  <a:tcPr marL="4881" marR="4881" marT="4881" marB="0" anchor="ctr"/>
+                </a:tc>
+              </a:tr>
+              <a:tr h="156185">
+                <a:tc>
+                  <a:txBody>
+                    <a:bodyPr/>
+                    <a:lstStyle/>
+                    <a:p>
+                      <a:pPr algn="ctr" fontAlgn="ctr"/>
+                      <a:r>
+                        <a:rPr lang="en-US" sz="900" u="none" strike="noStrike">
+                          <a:effectLst/>
+                        </a:rPr>
+                        <a:t>17</a:t>
+                      </a:r>
+                      <a:endParaRPr lang="en-US" sz="900" b="0" i="0" u="none" strike="noStrike">
+                        <a:solidFill>
+                          <a:srgbClr val="000000"/>
+                        </a:solidFill>
+                        <a:effectLst/>
+                        <a:latin typeface="Calibri" charset="0"/>
+                      </a:endParaRPr>
+                    </a:p>
+                  </a:txBody>
+                  <a:tcPr marL="4881" marR="4881" marT="4881" marB="0" anchor="ctr"/>
+                </a:tc>
+                <a:tc>
+                  <a:txBody>
+                    <a:bodyPr/>
+                    <a:lstStyle/>
+                    <a:p>
+                      <a:pPr algn="ctr" fontAlgn="ctr"/>
+                      <a:r>
+                        <a:rPr lang="is-IS" sz="900" u="none" strike="noStrike">
+                          <a:effectLst/>
+                        </a:rPr>
+                        <a:t>106</a:t>
+                      </a:r>
+                      <a:endParaRPr lang="is-IS" sz="900" b="0" i="0" u="none" strike="noStrike">
+                        <a:solidFill>
+                          <a:srgbClr val="000000"/>
+                        </a:solidFill>
+                        <a:effectLst/>
+                        <a:latin typeface="Calibri" charset="0"/>
+                      </a:endParaRPr>
+                    </a:p>
+                  </a:txBody>
+                  <a:tcPr marL="4881" marR="4881" marT="4881" marB="0" anchor="ctr"/>
+                </a:tc>
+                <a:tc>
+                  <a:txBody>
+                    <a:bodyPr/>
+                    <a:lstStyle/>
+                    <a:p>
+                      <a:pPr algn="ctr" fontAlgn="ctr"/>
+                      <a:r>
+                        <a:rPr lang="en-US" sz="900" u="none" strike="noStrike">
+                          <a:effectLst/>
+                        </a:rPr>
+                        <a:t>196</a:t>
+                      </a:r>
+                      <a:endParaRPr lang="en-US" sz="900" b="0" i="0" u="none" strike="noStrike">
+                        <a:solidFill>
+                          <a:srgbClr val="000000"/>
+                        </a:solidFill>
+                        <a:effectLst/>
+                        <a:latin typeface="Calibri" charset="0"/>
+                      </a:endParaRPr>
+                    </a:p>
+                  </a:txBody>
+                  <a:tcPr marL="4881" marR="4881" marT="4881" marB="0" anchor="ctr"/>
+                </a:tc>
+                <a:tc>
+                  <a:txBody>
+                    <a:bodyPr/>
+                    <a:lstStyle/>
+                    <a:p>
+                      <a:pPr algn="ctr" fontAlgn="ctr"/>
+                      <a:r>
+                        <a:rPr lang="en-US" sz="900" u="none" strike="noStrike">
+                          <a:effectLst/>
+                        </a:rPr>
+                        <a:t>8</a:t>
+                      </a:r>
+                      <a:endParaRPr lang="en-US" sz="900" b="0" i="0" u="none" strike="noStrike">
+                        <a:solidFill>
+                          <a:srgbClr val="000000"/>
+                        </a:solidFill>
+                        <a:effectLst/>
+                        <a:latin typeface="Calibri" charset="0"/>
+                      </a:endParaRPr>
+                    </a:p>
+                  </a:txBody>
+                  <a:tcPr marL="4881" marR="4881" marT="4881" marB="0" anchor="ctr"/>
+                </a:tc>
+                <a:tc>
+                  <a:txBody>
+                    <a:bodyPr/>
+                    <a:lstStyle/>
+                    <a:p>
+                      <a:pPr algn="ctr" fontAlgn="ctr"/>
+                      <a:r>
+                        <a:rPr lang="en-US" sz="900" u="none" strike="noStrike">
+                          <a:effectLst/>
+                        </a:rPr>
+                        <a:t>8</a:t>
+                      </a:r>
+                      <a:endParaRPr lang="en-US" sz="900" b="0" i="0" u="none" strike="noStrike">
+                        <a:solidFill>
+                          <a:srgbClr val="000000"/>
+                        </a:solidFill>
+                        <a:effectLst/>
+                        <a:latin typeface="Calibri" charset="0"/>
+                      </a:endParaRPr>
+                    </a:p>
+                  </a:txBody>
+                  <a:tcPr marL="4881" marR="4881" marT="4881" marB="0" anchor="ctr"/>
+                </a:tc>
+                <a:tc>
+                  <a:txBody>
+                    <a:bodyPr/>
+                    <a:lstStyle/>
+                    <a:p>
+                      <a:pPr algn="ctr" fontAlgn="ctr"/>
+                      <a:r>
+                        <a:rPr lang="en-US" sz="900" u="none" strike="noStrike">
+                          <a:effectLst/>
+                        </a:rPr>
+                        <a:t>8</a:t>
+                      </a:r>
+                      <a:endParaRPr lang="en-US" sz="900" b="0" i="0" u="none" strike="noStrike">
+                        <a:solidFill>
+                          <a:srgbClr val="000000"/>
+                        </a:solidFill>
+                        <a:effectLst/>
+                        <a:latin typeface="Calibri" charset="0"/>
+                      </a:endParaRPr>
+                    </a:p>
+                  </a:txBody>
+                  <a:tcPr marL="4881" marR="4881" marT="4881" marB="0" anchor="ctr"/>
+                </a:tc>
+                <a:tc>
+                  <a:txBody>
+                    <a:bodyPr/>
+                    <a:lstStyle/>
+                    <a:p>
+                      <a:pPr algn="ctr" fontAlgn="ctr"/>
+                      <a:r>
+                        <a:rPr lang="en-US" sz="900" u="none" strike="noStrike">
+                          <a:effectLst/>
+                        </a:rPr>
+                        <a:t>8</a:t>
+                      </a:r>
+                      <a:endParaRPr lang="en-US" sz="900" b="0" i="0" u="none" strike="noStrike">
+                        <a:solidFill>
+                          <a:srgbClr val="000000"/>
+                        </a:solidFill>
+                        <a:effectLst/>
+                        <a:latin typeface="Calibri" charset="0"/>
+                      </a:endParaRPr>
+                    </a:p>
+                  </a:txBody>
+                  <a:tcPr marL="4881" marR="4881" marT="4881" marB="0" anchor="ctr"/>
+                </a:tc>
+                <a:tc>
+                  <a:txBody>
+                    <a:bodyPr/>
+                    <a:lstStyle/>
+                    <a:p>
+                      <a:pPr algn="ctr" fontAlgn="ctr"/>
+                      <a:r>
+                        <a:rPr lang="en-US" sz="900" u="none" strike="noStrike">
+                          <a:effectLst/>
+                        </a:rPr>
+                        <a:t>8</a:t>
+                      </a:r>
+                      <a:endParaRPr lang="en-US" sz="900" b="0" i="0" u="none" strike="noStrike">
+                        <a:solidFill>
+                          <a:srgbClr val="000000"/>
+                        </a:solidFill>
+                        <a:effectLst/>
+                        <a:latin typeface="Calibri" charset="0"/>
+                      </a:endParaRPr>
+                    </a:p>
+                  </a:txBody>
+                  <a:tcPr marL="4881" marR="4881" marT="4881" marB="0" anchor="ctr"/>
+                </a:tc>
+              </a:tr>
+              <a:tr h="156185">
+                <a:tc>
+                  <a:txBody>
+                    <a:bodyPr/>
+                    <a:lstStyle/>
+                    <a:p>
+                      <a:pPr algn="ctr" fontAlgn="ctr"/>
+                      <a:r>
+                        <a:rPr lang="fi-FI" sz="900" u="none" strike="noStrike">
+                          <a:effectLst/>
+                        </a:rPr>
+                        <a:t>18</a:t>
+                      </a:r>
+                      <a:endParaRPr lang="fi-FI" sz="900" b="0" i="0" u="none" strike="noStrike">
+                        <a:solidFill>
+                          <a:srgbClr val="000000"/>
+                        </a:solidFill>
+                        <a:effectLst/>
+                        <a:latin typeface="Calibri" charset="0"/>
+                      </a:endParaRPr>
+                    </a:p>
+                  </a:txBody>
+                  <a:tcPr marL="4881" marR="4881" marT="4881" marB="0" anchor="ctr"/>
+                </a:tc>
+                <a:tc>
+                  <a:txBody>
+                    <a:bodyPr/>
+                    <a:lstStyle/>
+                    <a:p>
+                      <a:pPr algn="ctr" fontAlgn="ctr"/>
+                      <a:r>
+                        <a:rPr lang="is-IS" sz="900" u="none" strike="noStrike">
+                          <a:effectLst/>
+                        </a:rPr>
+                        <a:t>131</a:t>
+                      </a:r>
+                      <a:endParaRPr lang="is-IS" sz="900" b="0" i="0" u="none" strike="noStrike">
+                        <a:solidFill>
+                          <a:srgbClr val="000000"/>
+                        </a:solidFill>
+                        <a:effectLst/>
+                        <a:latin typeface="Calibri" charset="0"/>
+                      </a:endParaRPr>
+                    </a:p>
+                  </a:txBody>
+                  <a:tcPr marL="4881" marR="4881" marT="4881" marB="0" anchor="ctr"/>
+                </a:tc>
+                <a:tc>
+                  <a:txBody>
+                    <a:bodyPr/>
+                    <a:lstStyle/>
+                    <a:p>
+                      <a:pPr algn="ctr" fontAlgn="ctr"/>
+                      <a:r>
+                        <a:rPr lang="cs-CZ" sz="900" u="none" strike="noStrike">
+                          <a:effectLst/>
+                        </a:rPr>
+                        <a:t>1116</a:t>
+                      </a:r>
+                      <a:endParaRPr lang="cs-CZ" sz="900" b="0" i="0" u="none" strike="noStrike">
+                        <a:solidFill>
+                          <a:srgbClr val="000000"/>
+                        </a:solidFill>
+                        <a:effectLst/>
+                        <a:latin typeface="Calibri" charset="0"/>
+                      </a:endParaRPr>
+                    </a:p>
+                  </a:txBody>
+                  <a:tcPr marL="4881" marR="4881" marT="4881" marB="0" anchor="ctr"/>
+                </a:tc>
+                <a:tc>
+                  <a:txBody>
+                    <a:bodyPr/>
+                    <a:lstStyle/>
+                    <a:p>
+                      <a:pPr algn="ctr" fontAlgn="ctr"/>
+                      <a:r>
+                        <a:rPr lang="en-US" sz="900" u="none" strike="noStrike">
+                          <a:effectLst/>
+                        </a:rPr>
+                        <a:t>14</a:t>
+                      </a:r>
+                      <a:endParaRPr lang="en-US" sz="900" b="0" i="0" u="none" strike="noStrike">
+                        <a:solidFill>
+                          <a:srgbClr val="000000"/>
+                        </a:solidFill>
+                        <a:effectLst/>
+                        <a:latin typeface="Calibri" charset="0"/>
+                      </a:endParaRPr>
+                    </a:p>
+                  </a:txBody>
+                  <a:tcPr marL="4881" marR="4881" marT="4881" marB="0" anchor="ctr"/>
+                </a:tc>
+                <a:tc>
+                  <a:txBody>
+                    <a:bodyPr/>
+                    <a:lstStyle/>
+                    <a:p>
+                      <a:pPr algn="ctr" fontAlgn="ctr"/>
+                      <a:r>
+                        <a:rPr lang="cs-CZ" sz="900" u="none" strike="noStrike">
+                          <a:effectLst/>
+                        </a:rPr>
+                        <a:t>11</a:t>
+                      </a:r>
+                      <a:endParaRPr lang="cs-CZ" sz="900" b="0" i="0" u="none" strike="noStrike">
+                        <a:solidFill>
+                          <a:srgbClr val="000000"/>
+                        </a:solidFill>
+                        <a:effectLst/>
+                        <a:latin typeface="Calibri" charset="0"/>
+                      </a:endParaRPr>
+                    </a:p>
+                  </a:txBody>
+                  <a:tcPr marL="4881" marR="4881" marT="4881" marB="0" anchor="ctr"/>
+                </a:tc>
+                <a:tc>
+                  <a:txBody>
+                    <a:bodyPr/>
+                    <a:lstStyle/>
+                    <a:p>
+                      <a:pPr algn="ctr" fontAlgn="ctr"/>
+                      <a:r>
+                        <a:rPr lang="cs-CZ" sz="900" u="none" strike="noStrike">
+                          <a:effectLst/>
+                        </a:rPr>
+                        <a:t>11</a:t>
+                      </a:r>
+                      <a:endParaRPr lang="cs-CZ" sz="900" b="0" i="0" u="none" strike="noStrike">
+                        <a:solidFill>
+                          <a:srgbClr val="000000"/>
+                        </a:solidFill>
+                        <a:effectLst/>
+                        <a:latin typeface="Calibri" charset="0"/>
+                      </a:endParaRPr>
+                    </a:p>
+                  </a:txBody>
+                  <a:tcPr marL="4881" marR="4881" marT="4881" marB="0" anchor="ctr"/>
+                </a:tc>
+                <a:tc>
+                  <a:txBody>
+                    <a:bodyPr/>
+                    <a:lstStyle/>
+                    <a:p>
+                      <a:pPr algn="ctr" fontAlgn="ctr"/>
+                      <a:r>
+                        <a:rPr lang="en-US" sz="900" u="none" strike="noStrike">
+                          <a:effectLst/>
+                        </a:rPr>
+                        <a:t>10</a:t>
+                      </a:r>
+                      <a:endParaRPr lang="en-US" sz="900" b="0" i="0" u="none" strike="noStrike">
+                        <a:solidFill>
+                          <a:srgbClr val="000000"/>
+                        </a:solidFill>
+                        <a:effectLst/>
+                        <a:latin typeface="Calibri" charset="0"/>
+                      </a:endParaRPr>
+                    </a:p>
+                  </a:txBody>
+                  <a:tcPr marL="4881" marR="4881" marT="4881" marB="0" anchor="ctr"/>
+                </a:tc>
+                <a:tc>
+                  <a:txBody>
+                    <a:bodyPr/>
+                    <a:lstStyle/>
+                    <a:p>
+                      <a:pPr algn="ctr" fontAlgn="ctr"/>
+                      <a:r>
+                        <a:rPr lang="en-US" sz="900" u="none" strike="noStrike">
+                          <a:effectLst/>
+                        </a:rPr>
+                        <a:t>10</a:t>
+                      </a:r>
+                      <a:endParaRPr lang="en-US" sz="900" b="0" i="0" u="none" strike="noStrike">
+                        <a:solidFill>
+                          <a:srgbClr val="000000"/>
+                        </a:solidFill>
+                        <a:effectLst/>
+                        <a:latin typeface="Calibri" charset="0"/>
+                      </a:endParaRPr>
+                    </a:p>
+                  </a:txBody>
+                  <a:tcPr marL="4881" marR="4881" marT="4881" marB="0" anchor="ctr"/>
+                </a:tc>
+              </a:tr>
+              <a:tr h="156185">
+                <a:tc>
+                  <a:txBody>
+                    <a:bodyPr/>
+                    <a:lstStyle/>
+                    <a:p>
+                      <a:pPr algn="ctr" fontAlgn="ctr"/>
+                      <a:r>
+                        <a:rPr lang="en-US" sz="900" u="none" strike="noStrike">
+                          <a:effectLst/>
+                        </a:rPr>
+                        <a:t>19</a:t>
+                      </a:r>
+                      <a:endParaRPr lang="en-US" sz="900" b="0" i="0" u="none" strike="noStrike">
+                        <a:solidFill>
+                          <a:srgbClr val="000000"/>
+                        </a:solidFill>
+                        <a:effectLst/>
+                        <a:latin typeface="Calibri" charset="0"/>
+                      </a:endParaRPr>
+                    </a:p>
+                  </a:txBody>
+                  <a:tcPr marL="4881" marR="4881" marT="4881" marB="0" anchor="ctr"/>
+                </a:tc>
+                <a:tc>
+                  <a:txBody>
+                    <a:bodyPr/>
+                    <a:lstStyle/>
+                    <a:p>
+                      <a:pPr algn="ctr" fontAlgn="ctr"/>
+                      <a:r>
+                        <a:rPr lang="is-IS" sz="900" u="none" strike="noStrike">
+                          <a:effectLst/>
+                        </a:rPr>
+                        <a:t>143</a:t>
+                      </a:r>
+                      <a:endParaRPr lang="is-IS" sz="900" b="0" i="0" u="none" strike="noStrike">
+                        <a:solidFill>
+                          <a:srgbClr val="000000"/>
+                        </a:solidFill>
+                        <a:effectLst/>
+                        <a:latin typeface="Calibri" charset="0"/>
+                      </a:endParaRPr>
+                    </a:p>
+                  </a:txBody>
+                  <a:tcPr marL="4881" marR="4881" marT="4881" marB="0" anchor="ctr"/>
+                </a:tc>
+                <a:tc>
+                  <a:txBody>
+                    <a:bodyPr/>
+                    <a:lstStyle/>
+                    <a:p>
+                      <a:pPr algn="ctr" fontAlgn="ctr"/>
+                      <a:r>
+                        <a:rPr lang="cs-CZ" sz="900" u="none" strike="noStrike">
+                          <a:effectLst/>
+                        </a:rPr>
+                        <a:t>498</a:t>
+                      </a:r>
+                      <a:endParaRPr lang="cs-CZ" sz="900" b="0" i="0" u="none" strike="noStrike">
+                        <a:solidFill>
+                          <a:srgbClr val="000000"/>
+                        </a:solidFill>
+                        <a:effectLst/>
+                        <a:latin typeface="Calibri" charset="0"/>
+                      </a:endParaRPr>
+                    </a:p>
+                  </a:txBody>
+                  <a:tcPr marL="4881" marR="4881" marT="4881" marB="0" anchor="ctr"/>
+                </a:tc>
+                <a:tc>
+                  <a:txBody>
+                    <a:bodyPr/>
+                    <a:lstStyle/>
+                    <a:p>
+                      <a:pPr algn="ctr" fontAlgn="ctr"/>
+                      <a:r>
+                        <a:rPr lang="cs-CZ" sz="900" u="none" strike="noStrike">
+                          <a:effectLst/>
+                        </a:rPr>
+                        <a:t>11</a:t>
+                      </a:r>
+                      <a:endParaRPr lang="cs-CZ" sz="900" b="0" i="0" u="none" strike="noStrike">
+                        <a:solidFill>
+                          <a:srgbClr val="000000"/>
+                        </a:solidFill>
+                        <a:effectLst/>
+                        <a:latin typeface="Calibri" charset="0"/>
+                      </a:endParaRPr>
+                    </a:p>
+                  </a:txBody>
+                  <a:tcPr marL="4881" marR="4881" marT="4881" marB="0" anchor="ctr"/>
+                </a:tc>
+                <a:tc>
+                  <a:txBody>
+                    <a:bodyPr/>
+                    <a:lstStyle/>
+                    <a:p>
+                      <a:pPr algn="ctr" fontAlgn="ctr"/>
+                      <a:r>
+                        <a:rPr lang="cs-CZ" sz="900" u="none" strike="noStrike">
+                          <a:effectLst/>
+                        </a:rPr>
+                        <a:t>11</a:t>
+                      </a:r>
+                      <a:endParaRPr lang="cs-CZ" sz="900" b="0" i="0" u="none" strike="noStrike">
+                        <a:solidFill>
+                          <a:srgbClr val="000000"/>
+                        </a:solidFill>
+                        <a:effectLst/>
+                        <a:latin typeface="Calibri" charset="0"/>
+                      </a:endParaRPr>
+                    </a:p>
+                  </a:txBody>
+                  <a:tcPr marL="4881" marR="4881" marT="4881" marB="0" anchor="ctr"/>
+                </a:tc>
+                <a:tc>
+                  <a:txBody>
+                    <a:bodyPr/>
+                    <a:lstStyle/>
+                    <a:p>
+                      <a:pPr algn="ctr" fontAlgn="ctr"/>
+                      <a:r>
+                        <a:rPr lang="cs-CZ" sz="900" u="none" strike="noStrike">
+                          <a:effectLst/>
+                        </a:rPr>
+                        <a:t>11</a:t>
+                      </a:r>
+                      <a:endParaRPr lang="cs-CZ" sz="900" b="0" i="0" u="none" strike="noStrike">
+                        <a:solidFill>
+                          <a:srgbClr val="000000"/>
+                        </a:solidFill>
+                        <a:effectLst/>
+                        <a:latin typeface="Calibri" charset="0"/>
+                      </a:endParaRPr>
+                    </a:p>
+                  </a:txBody>
+                  <a:tcPr marL="4881" marR="4881" marT="4881" marB="0" anchor="ctr"/>
+                </a:tc>
+                <a:tc>
+                  <a:txBody>
+                    <a:bodyPr/>
+                    <a:lstStyle/>
+                    <a:p>
+                      <a:pPr algn="ctr" fontAlgn="ctr"/>
+                      <a:r>
+                        <a:rPr lang="cs-CZ" sz="900" u="none" strike="noStrike">
+                          <a:effectLst/>
+                        </a:rPr>
+                        <a:t>11</a:t>
+                      </a:r>
+                      <a:endParaRPr lang="cs-CZ" sz="900" b="0" i="0" u="none" strike="noStrike">
+                        <a:solidFill>
+                          <a:srgbClr val="000000"/>
+                        </a:solidFill>
+                        <a:effectLst/>
+                        <a:latin typeface="Calibri" charset="0"/>
+                      </a:endParaRPr>
+                    </a:p>
+                  </a:txBody>
+                  <a:tcPr marL="4881" marR="4881" marT="4881" marB="0" anchor="ctr"/>
+                </a:tc>
+                <a:tc>
+                  <a:txBody>
+                    <a:bodyPr/>
+                    <a:lstStyle/>
+                    <a:p>
+                      <a:pPr algn="ctr" fontAlgn="ctr"/>
+                      <a:r>
+                        <a:rPr lang="cs-CZ" sz="900" u="none" strike="noStrike">
+                          <a:effectLst/>
+                        </a:rPr>
+                        <a:t>11</a:t>
+                      </a:r>
+                      <a:endParaRPr lang="cs-CZ" sz="900" b="0" i="0" u="none" strike="noStrike">
+                        <a:solidFill>
+                          <a:srgbClr val="000000"/>
+                        </a:solidFill>
+                        <a:effectLst/>
+                        <a:latin typeface="Calibri" charset="0"/>
+                      </a:endParaRPr>
+                    </a:p>
+                  </a:txBody>
+                  <a:tcPr marL="4881" marR="4881" marT="4881" marB="0" anchor="ctr"/>
+                </a:tc>
+              </a:tr>
+              <a:tr h="156185">
+                <a:tc>
+                  <a:txBody>
+                    <a:bodyPr/>
+                    <a:lstStyle/>
+                    <a:p>
+                      <a:pPr algn="ctr" fontAlgn="ctr"/>
+                      <a:r>
+                        <a:rPr lang="is-IS" sz="900" u="none" strike="noStrike">
+                          <a:effectLst/>
+                        </a:rPr>
+                        <a:t>20</a:t>
+                      </a:r>
+                      <a:endParaRPr lang="is-IS" sz="900" b="0" i="0" u="none" strike="noStrike">
+                        <a:solidFill>
+                          <a:srgbClr val="000000"/>
+                        </a:solidFill>
+                        <a:effectLst/>
+                        <a:latin typeface="Calibri" charset="0"/>
+                      </a:endParaRPr>
+                    </a:p>
+                  </a:txBody>
+                  <a:tcPr marL="4881" marR="4881" marT="4881" marB="0" anchor="ctr"/>
+                </a:tc>
+                <a:tc>
+                  <a:txBody>
+                    <a:bodyPr/>
+                    <a:lstStyle/>
+                    <a:p>
+                      <a:pPr algn="ctr" fontAlgn="ctr"/>
+                      <a:r>
+                        <a:rPr lang="fi-FI" sz="900" u="none" strike="noStrike">
+                          <a:effectLst/>
+                        </a:rPr>
+                        <a:t>387</a:t>
+                      </a:r>
+                      <a:endParaRPr lang="fi-FI" sz="900" b="0" i="0" u="none" strike="noStrike">
+                        <a:solidFill>
+                          <a:srgbClr val="000000"/>
+                        </a:solidFill>
+                        <a:effectLst/>
+                        <a:latin typeface="Calibri" charset="0"/>
+                      </a:endParaRPr>
+                    </a:p>
+                  </a:txBody>
+                  <a:tcPr marL="4881" marR="4881" marT="4881" marB="0" anchor="ctr"/>
+                </a:tc>
+                <a:tc>
+                  <a:txBody>
+                    <a:bodyPr/>
+                    <a:lstStyle/>
+                    <a:p>
+                      <a:pPr algn="ctr" fontAlgn="ctr"/>
+                      <a:r>
+                        <a:rPr lang="fi-FI" sz="900" u="none" strike="noStrike">
+                          <a:effectLst/>
+                        </a:rPr>
+                        <a:t>2502</a:t>
+                      </a:r>
+                      <a:endParaRPr lang="fi-FI" sz="900" b="0" i="0" u="none" strike="noStrike">
+                        <a:solidFill>
+                          <a:srgbClr val="000000"/>
+                        </a:solidFill>
+                        <a:effectLst/>
+                        <a:latin typeface="Calibri" charset="0"/>
+                      </a:endParaRPr>
+                    </a:p>
+                  </a:txBody>
+                  <a:tcPr marL="4881" marR="4881" marT="4881" marB="0" anchor="ctr"/>
+                </a:tc>
+                <a:tc>
+                  <a:txBody>
+                    <a:bodyPr/>
+                    <a:lstStyle/>
+                    <a:p>
+                      <a:pPr algn="ctr" fontAlgn="ctr"/>
+                      <a:r>
+                        <a:rPr lang="en-US" sz="900" u="none" strike="noStrike">
+                          <a:effectLst/>
+                        </a:rPr>
+                        <a:t>9</a:t>
+                      </a:r>
+                      <a:endParaRPr lang="en-US" sz="900" b="0" i="0" u="none" strike="noStrike">
+                        <a:solidFill>
+                          <a:srgbClr val="000000"/>
+                        </a:solidFill>
+                        <a:effectLst/>
+                        <a:latin typeface="Calibri" charset="0"/>
+                      </a:endParaRPr>
+                    </a:p>
+                  </a:txBody>
+                  <a:tcPr marL="4881" marR="4881" marT="4881" marB="0" anchor="ctr"/>
+                </a:tc>
+                <a:tc>
+                  <a:txBody>
+                    <a:bodyPr/>
+                    <a:lstStyle/>
+                    <a:p>
+                      <a:pPr algn="ctr" fontAlgn="ctr"/>
+                      <a:r>
+                        <a:rPr lang="en-US" sz="900" u="none" strike="noStrike">
+                          <a:effectLst/>
+                        </a:rPr>
+                        <a:t>9</a:t>
+                      </a:r>
+                      <a:endParaRPr lang="en-US" sz="900" b="0" i="0" u="none" strike="noStrike">
+                        <a:solidFill>
+                          <a:srgbClr val="000000"/>
+                        </a:solidFill>
+                        <a:effectLst/>
+                        <a:latin typeface="Calibri" charset="0"/>
+                      </a:endParaRPr>
+                    </a:p>
+                  </a:txBody>
+                  <a:tcPr marL="4881" marR="4881" marT="4881" marB="0" anchor="ctr"/>
+                </a:tc>
+                <a:tc>
+                  <a:txBody>
+                    <a:bodyPr/>
+                    <a:lstStyle/>
+                    <a:p>
+                      <a:pPr algn="ctr" fontAlgn="ctr"/>
+                      <a:r>
+                        <a:rPr lang="en-US" sz="900" u="none" strike="noStrike">
+                          <a:effectLst/>
+                        </a:rPr>
+                        <a:t>9</a:t>
+                      </a:r>
+                      <a:endParaRPr lang="en-US" sz="900" b="0" i="0" u="none" strike="noStrike">
+                        <a:solidFill>
+                          <a:srgbClr val="000000"/>
+                        </a:solidFill>
+                        <a:effectLst/>
+                        <a:latin typeface="Calibri" charset="0"/>
+                      </a:endParaRPr>
+                    </a:p>
+                  </a:txBody>
+                  <a:tcPr marL="4881" marR="4881" marT="4881" marB="0" anchor="ctr"/>
+                </a:tc>
+                <a:tc>
+                  <a:txBody>
+                    <a:bodyPr/>
+                    <a:lstStyle/>
+                    <a:p>
+                      <a:pPr algn="ctr" fontAlgn="ctr"/>
+                      <a:r>
+                        <a:rPr lang="en-US" sz="900" u="none" strike="noStrike">
+                          <a:effectLst/>
+                        </a:rPr>
+                        <a:t>8</a:t>
+                      </a:r>
+                      <a:endParaRPr lang="en-US" sz="900" b="0" i="0" u="none" strike="noStrike">
+                        <a:solidFill>
+                          <a:srgbClr val="000000"/>
+                        </a:solidFill>
+                        <a:effectLst/>
+                        <a:latin typeface="Calibri" charset="0"/>
+                      </a:endParaRPr>
+                    </a:p>
+                  </a:txBody>
+                  <a:tcPr marL="4881" marR="4881" marT="4881" marB="0" anchor="ctr"/>
+                </a:tc>
+                <a:tc>
+                  <a:txBody>
+                    <a:bodyPr/>
+                    <a:lstStyle/>
+                    <a:p>
+                      <a:pPr algn="ctr" fontAlgn="ctr"/>
+                      <a:r>
+                        <a:rPr lang="mr-IN" sz="900" u="none" strike="noStrike" dirty="0">
+                          <a:effectLst/>
+                        </a:rPr>
+                        <a:t>[8,9]</a:t>
+                      </a:r>
+                      <a:endParaRPr lang="mr-IN" sz="900" b="0" i="0" u="none" strike="noStrike" dirty="0">
+                        <a:solidFill>
+                          <a:srgbClr val="000000"/>
+                        </a:solidFill>
+                        <a:effectLst/>
+                        <a:latin typeface="Calibri" charset="0"/>
+                      </a:endParaRPr>
+                    </a:p>
+                  </a:txBody>
+                  <a:tcPr marL="4881" marR="4881" marT="4881" marB="0" anchor="ctr"/>
+                </a:tc>
+              </a:tr>
+            </a:tbl>
+          </a:graphicData>
+        </a:graphic>
+      </p:graphicFrame>
     </p:spTree>
   </p:cSld>
   <p:clrMapOvr>
     <a:masterClrMapping/>
   </p:clrMapOvr>
+  <p:timing>
+    <p:tnLst>
+      <p:par>
+        <p:cTn id="1" dur="indefinite" restart="never" nodeType="tmRoot"/>
+      </p:par>
+    </p:tnLst>
+  </p:timing>
 </p:sld>
 </file>
 
